--- a/mamu.docs/src/main/webapp/pptdocs/ND资源库后期规划/ND资源库后期规划和业务梳理_V0.2.pptx
+++ b/mamu.docs/src/main/webapp/pptdocs/ND资源库后期规划/ND资源库后期规划和业务梳理_V0.2.pptx
@@ -5,10 +5,10 @@
     <p:sldMasterId id="2147483648" r:id="rId1"/>
   </p:sldMasterIdLst>
   <p:notesMasterIdLst>
-    <p:notesMasterId r:id="rId17"/>
+    <p:notesMasterId r:id="rId21"/>
   </p:notesMasterIdLst>
   <p:handoutMasterIdLst>
-    <p:handoutMasterId r:id="rId18"/>
+    <p:handoutMasterId r:id="rId22"/>
   </p:handoutMasterIdLst>
   <p:sldIdLst>
     <p:sldId id="991" r:id="rId2"/>
@@ -17,20 +17,24 @@
     <p:sldId id="1121" r:id="rId5"/>
     <p:sldId id="1120" r:id="rId6"/>
     <p:sldId id="1135" r:id="rId7"/>
-    <p:sldId id="1123" r:id="rId8"/>
-    <p:sldId id="1122" r:id="rId9"/>
-    <p:sldId id="1119" r:id="rId10"/>
-    <p:sldId id="1127" r:id="rId11"/>
-    <p:sldId id="1125" r:id="rId12"/>
-    <p:sldId id="1136" r:id="rId13"/>
-    <p:sldId id="1137" r:id="rId14"/>
-    <p:sldId id="1138" r:id="rId15"/>
-    <p:sldId id="1118" r:id="rId16"/>
+    <p:sldId id="1139" r:id="rId8"/>
+    <p:sldId id="1140" r:id="rId9"/>
+    <p:sldId id="1123" r:id="rId10"/>
+    <p:sldId id="1122" r:id="rId11"/>
+    <p:sldId id="1146" r:id="rId12"/>
+    <p:sldId id="1145" r:id="rId13"/>
+    <p:sldId id="1119" r:id="rId14"/>
+    <p:sldId id="1127" r:id="rId15"/>
+    <p:sldId id="1125" r:id="rId16"/>
+    <p:sldId id="1136" r:id="rId17"/>
+    <p:sldId id="1137" r:id="rId18"/>
+    <p:sldId id="1138" r:id="rId19"/>
+    <p:sldId id="1118" r:id="rId20"/>
   </p:sldIdLst>
   <p:sldSz cx="12192000" cy="6858000"/>
   <p:notesSz cx="6858000" cy="9144000"/>
   <p:custDataLst>
-    <p:tags r:id="rId19"/>
+    <p:tags r:id="rId23"/>
   </p:custDataLst>
   <p:defaultTextStyle>
     <a:defPPr>
@@ -249,7 +253,7 @@
             <a:fld id="{42F5B7F0-EA63-4C0D-9E04-442451976120}" type="datetimeFigureOut">
               <a:rPr lang="zh-CN" altLang="en-US" smtClean="0"/>
               <a:pPr/>
-              <a:t>2016/3/28</a:t>
+              <a:t>2016/3/31</a:t>
             </a:fld>
             <a:endParaRPr lang="zh-CN" altLang="en-US"/>
           </a:p>
@@ -417,7 +421,7 @@
             <a:fld id="{AE837A4A-3019-42F5-9F7E-FDD4EE680D52}" type="datetimeFigureOut">
               <a:rPr lang="zh-CN" altLang="en-US" smtClean="0"/>
               <a:pPr/>
-              <a:t>2016/3/28</a:t>
+              <a:t>2016/3/31</a:t>
             </a:fld>
             <a:endParaRPr lang="zh-CN" altLang="en-US"/>
           </a:p>
@@ -827,7 +831,7 @@
             <a:fld id="{FC262AC7-036F-424F-A6EB-24732E6F8CBE}" type="datetime1">
               <a:rPr lang="zh-CN" altLang="en-US" smtClean="0"/>
               <a:pPr/>
-              <a:t>2016/3/28</a:t>
+              <a:t>2016/3/31</a:t>
             </a:fld>
             <a:endParaRPr lang="zh-CN" altLang="en-US"/>
           </a:p>
@@ -1059,7 +1063,7 @@
             <a:fld id="{8F9CC5AC-7F8C-BE4E-B16A-C02790D672F1}" type="datetime1">
               <a:rPr lang="zh-CN" altLang="en-US" smtClean="0"/>
               <a:pPr/>
-              <a:t>2016/3/28</a:t>
+              <a:t>2016/3/31</a:t>
             </a:fld>
             <a:endParaRPr lang="zh-CN" altLang="en-US"/>
           </a:p>
@@ -2394,7 +2398,7 @@
             <a:fld id="{609DCF6E-5DE3-B649-8B84-FEFFE2409DB5}" type="datetime1">
               <a:rPr lang="zh-CN" altLang="en-US" smtClean="0"/>
               <a:pPr/>
-              <a:t>2016/3/28</a:t>
+              <a:t>2016/3/31</a:t>
             </a:fld>
             <a:endParaRPr lang="zh-CN" altLang="en-US"/>
           </a:p>
@@ -2666,7 +2670,7 @@
             <a:fld id="{81E920B6-AAF4-CB4C-AC58-F7AF357AAA88}" type="datetime1">
               <a:rPr lang="zh-CN" altLang="en-US" smtClean="0"/>
               <a:pPr/>
-              <a:t>2016/3/28</a:t>
+              <a:t>2016/3/31</a:t>
             </a:fld>
             <a:endParaRPr lang="zh-CN" altLang="en-US"/>
           </a:p>
@@ -2986,7 +2990,7 @@
             <a:fld id="{9B8B9524-E876-D942-A6CC-39C160F551D8}" type="datetime1">
               <a:rPr lang="zh-CN" altLang="en-US" smtClean="0"/>
               <a:pPr/>
-              <a:t>2016/3/28</a:t>
+              <a:t>2016/3/31</a:t>
             </a:fld>
             <a:endParaRPr lang="zh-CN" altLang="en-US"/>
           </a:p>
@@ -3120,7 +3124,7 @@
             <a:fld id="{F09F362E-79F8-2B43-8E2A-31A2BE20A266}" type="datetime1">
               <a:rPr lang="zh-CN" altLang="en-US" smtClean="0"/>
               <a:pPr/>
-              <a:t>2016/3/28</a:t>
+              <a:t>2016/3/31</a:t>
             </a:fld>
             <a:endParaRPr lang="zh-CN" altLang="en-US"/>
           </a:p>
@@ -3223,7 +3227,7 @@
             <a:fld id="{61E5EAB0-2B5A-8145-8481-74379D3F77E0}" type="datetime1">
               <a:rPr lang="zh-CN" altLang="en-US" smtClean="0"/>
               <a:pPr/>
-              <a:t>2016/3/28</a:t>
+              <a:t>2016/3/31</a:t>
             </a:fld>
             <a:endParaRPr lang="zh-CN" altLang="en-US"/>
           </a:p>
@@ -3508,7 +3512,7 @@
             <a:fld id="{E7CE525E-D048-BD45-A745-B3E3443D2D10}" type="datetime1">
               <a:rPr lang="zh-CN" altLang="en-US" smtClean="0"/>
               <a:pPr/>
-              <a:t>2016/3/28</a:t>
+              <a:t>2016/3/31</a:t>
             </a:fld>
             <a:endParaRPr lang="zh-CN" altLang="en-US"/>
           </a:p>
@@ -3781,7 +3785,7 @@
             <a:fld id="{5649FE78-740A-4D43-96EF-7B1CE020F78E}" type="datetime1">
               <a:rPr lang="zh-CN" altLang="en-US" smtClean="0"/>
               <a:pPr/>
-              <a:t>2016/3/28</a:t>
+              <a:t>2016/3/31</a:t>
             </a:fld>
             <a:endParaRPr lang="zh-CN" altLang="en-US"/>
           </a:p>
@@ -4011,7 +4015,7 @@
             <a:fld id="{D5B78FB8-9F68-1E4A-B62A-2AED53BDA0C7}" type="datetime1">
               <a:rPr lang="zh-CN" altLang="en-US" smtClean="0"/>
               <a:pPr/>
-              <a:t>2016/3/28</a:t>
+              <a:t>2016/3/31</a:t>
             </a:fld>
             <a:endParaRPr lang="zh-CN" altLang="en-US"/>
           </a:p>
@@ -4257,7 +4261,7 @@
             <a:fld id="{D1B4E766-8968-A543-9737-F5FAAD1F20DE}" type="datetime1">
               <a:rPr lang="zh-CN" altLang="en-US" smtClean="0"/>
               <a:pPr/>
-              <a:t>2016/3/28</a:t>
+              <a:t>2016/3/31</a:t>
             </a:fld>
             <a:endParaRPr lang="zh-CN" altLang="en-US"/>
           </a:p>
@@ -4790,11 +4794,831 @@
   <p:clrMapOvr>
     <a:masterClrMapping/>
   </p:clrMapOvr>
+  <p:timing>
+    <p:tnLst>
+      <p:par>
+        <p:cTn id="1" dur="indefinite" restart="never" nodeType="tmRoot"/>
+      </p:par>
+    </p:tnLst>
+  </p:timing>
 </p:sld>
 </file>
 
 <file path=ppt/slides/slide10.xml><?xml version="1.0" encoding="utf-8"?>
 <p:sld xmlns:a="http://schemas.openxmlformats.org/drawingml/2006/main" xmlns:r="http://schemas.openxmlformats.org/officeDocument/2006/relationships" xmlns:p="http://schemas.openxmlformats.org/presentationml/2006/main">
+  <p:cSld>
+    <p:spTree>
+      <p:nvGrpSpPr>
+        <p:cNvPr id="1" name=""/>
+        <p:cNvGrpSpPr/>
+        <p:nvPr/>
+      </p:nvGrpSpPr>
+      <p:grpSpPr>
+        <a:xfrm>
+          <a:off x="0" y="0"/>
+          <a:ext cx="0" cy="0"/>
+          <a:chOff x="0" y="0"/>
+          <a:chExt cx="0" cy="0"/>
+        </a:xfrm>
+      </p:grpSpPr>
+      <p:sp>
+        <p:nvSpPr>
+          <p:cNvPr id="2" name="页脚占位符 1"/>
+          <p:cNvSpPr>
+            <a:spLocks noGrp="1"/>
+          </p:cNvSpPr>
+          <p:nvPr>
+            <p:ph type="ftr" sz="quarter" idx="11"/>
+          </p:nvPr>
+        </p:nvSpPr>
+        <p:spPr/>
+        <p:txBody>
+          <a:bodyPr/>
+          <a:lstStyle/>
+          <a:p>
+            <a:r>
+              <a:rPr lang="en-US" altLang="zh-CN" smtClean="0"/>
+              <a:t>ND Engineering Institute Confidential</a:t>
+            </a:r>
+            <a:endParaRPr lang="zh-CN" altLang="en-US" dirty="0"/>
+          </a:p>
+        </p:txBody>
+      </p:sp>
+      <p:cxnSp>
+        <p:nvCxnSpPr>
+          <p:cNvPr id="6" name="直接连接符 5"/>
+          <p:cNvCxnSpPr/>
+          <p:nvPr/>
+        </p:nvCxnSpPr>
+        <p:spPr>
+          <a:xfrm rot="5400000">
+            <a:off x="35525" y="596258"/>
+            <a:ext cx="658908" cy="1"/>
+          </a:xfrm>
+          <a:prstGeom prst="line">
+            <a:avLst/>
+          </a:prstGeom>
+          <a:ln w="76200">
+            <a:solidFill>
+              <a:srgbClr val="FF0000"/>
+            </a:solidFill>
+          </a:ln>
+        </p:spPr>
+        <p:style>
+          <a:lnRef idx="1">
+            <a:schemeClr val="accent1"/>
+          </a:lnRef>
+          <a:fillRef idx="0">
+            <a:schemeClr val="accent1"/>
+          </a:fillRef>
+          <a:effectRef idx="0">
+            <a:schemeClr val="accent1"/>
+          </a:effectRef>
+          <a:fontRef idx="minor">
+            <a:schemeClr val="tx1"/>
+          </a:fontRef>
+        </p:style>
+      </p:cxnSp>
+      <p:sp>
+        <p:nvSpPr>
+          <p:cNvPr id="7" name="矩形 6"/>
+          <p:cNvSpPr/>
+          <p:nvPr/>
+        </p:nvSpPr>
+        <p:spPr>
+          <a:xfrm>
+            <a:off x="436243" y="400164"/>
+            <a:ext cx="9210505" cy="423949"/>
+          </a:xfrm>
+          <a:prstGeom prst="rect">
+            <a:avLst/>
+          </a:prstGeom>
+          <a:noFill/>
+          <a:ln>
+            <a:noFill/>
+          </a:ln>
+        </p:spPr>
+        <p:style>
+          <a:lnRef idx="2">
+            <a:schemeClr val="accent2">
+              <a:shade val="50000"/>
+            </a:schemeClr>
+          </a:lnRef>
+          <a:fillRef idx="1">
+            <a:schemeClr val="accent2"/>
+          </a:fillRef>
+          <a:effectRef idx="0">
+            <a:schemeClr val="accent2"/>
+          </a:effectRef>
+          <a:fontRef idx="minor">
+            <a:schemeClr val="lt1"/>
+          </a:fontRef>
+        </p:style>
+        <p:txBody>
+          <a:bodyPr rtlCol="0" anchor="ctr"/>
+          <a:lstStyle/>
+          <a:p>
+            <a:r>
+              <a:rPr lang="en-US" altLang="zh-CN" sz="3600" b="1" smtClean="0">
+                <a:latin typeface="微软雅黑" pitchFamily="34" charset="-122"/>
+                <a:ea typeface="微软雅黑" pitchFamily="34" charset="-122"/>
+              </a:rPr>
+              <a:t>ND</a:t>
+            </a:r>
+            <a:r>
+              <a:rPr lang="zh-CN" altLang="en-US" sz="3600" b="1" smtClean="0">
+                <a:latin typeface="微软雅黑" pitchFamily="34" charset="-122"/>
+                <a:ea typeface="微软雅黑" pitchFamily="34" charset="-122"/>
+              </a:rPr>
+              <a:t>资源</a:t>
+            </a:r>
+            <a:r>
+              <a:rPr lang="zh-CN" altLang="en-US" sz="3600" b="1" smtClean="0">
+                <a:latin typeface="微软雅黑" pitchFamily="34" charset="-122"/>
+                <a:ea typeface="微软雅黑" pitchFamily="34" charset="-122"/>
+              </a:rPr>
+              <a:t>库共建共享业务架构图</a:t>
+            </a:r>
+            <a:endParaRPr lang="zh-CN" altLang="en-US" sz="3600" b="1" dirty="0">
+              <a:latin typeface="微软雅黑" pitchFamily="34" charset="-122"/>
+              <a:ea typeface="微软雅黑" pitchFamily="34" charset="-122"/>
+            </a:endParaRPr>
+          </a:p>
+        </p:txBody>
+      </p:sp>
+      <p:pic>
+        <p:nvPicPr>
+          <p:cNvPr id="1025" name="Picture 1" descr="C:\Users\Public\Documents\im\830917@nd\Image\c13cd8561a0b336ae344c7cdb5931190.jpg"/>
+          <p:cNvPicPr>
+            <a:picLocks noChangeAspect="1" noChangeArrowheads="1"/>
+          </p:cNvPicPr>
+          <p:nvPr/>
+        </p:nvPicPr>
+        <p:blipFill>
+          <a:blip r:embed="rId2">
+            <a:extLst>
+              <a:ext uri="{28A0092B-C50C-407E-A947-70E740481C1C}">
+                <a14:useLocalDpi xmlns:a14="http://schemas.microsoft.com/office/drawing/2010/main" val="0"/>
+              </a:ext>
+            </a:extLst>
+          </a:blip>
+          <a:srcRect/>
+          <a:stretch>
+            <a:fillRect/>
+          </a:stretch>
+        </p:blipFill>
+        <p:spPr bwMode="auto">
+          <a:xfrm>
+            <a:off x="1066800" y="1025531"/>
+            <a:ext cx="9544050" cy="5695950"/>
+          </a:xfrm>
+          <a:prstGeom prst="rect">
+            <a:avLst/>
+          </a:prstGeom>
+          <a:noFill/>
+          <a:extLst>
+            <a:ext uri="{909E8E84-426E-40DD-AFC4-6F175D3DCCD1}">
+              <a14:hiddenFill xmlns:a14="http://schemas.microsoft.com/office/drawing/2010/main">
+                <a:solidFill>
+                  <a:srgbClr val="FFFFFF"/>
+                </a:solidFill>
+              </a14:hiddenFill>
+            </a:ext>
+          </a:extLst>
+        </p:spPr>
+      </p:pic>
+    </p:spTree>
+    <p:extLst>
+      <p:ext uri="{BB962C8B-B14F-4D97-AF65-F5344CB8AC3E}">
+        <p14:creationId xmlns:p14="http://schemas.microsoft.com/office/powerpoint/2010/main" val="693099118"/>
+      </p:ext>
+    </p:extLst>
+  </p:cSld>
+  <p:clrMapOvr>
+    <a:masterClrMapping/>
+  </p:clrMapOvr>
+  <mc:AlternateContent xmlns:mc="http://schemas.openxmlformats.org/markup-compatibility/2006">
+    <mc:Choice xmlns:p14="http://schemas.microsoft.com/office/powerpoint/2010/main" Requires="p14">
+      <p:transition spd="slow" p14:dur="2000"/>
+    </mc:Choice>
+    <mc:Fallback>
+      <p:transition spd="slow"/>
+    </mc:Fallback>
+  </mc:AlternateContent>
+  <p:timing>
+    <p:tnLst>
+      <p:par>
+        <p:cTn id="1" dur="indefinite" restart="never" nodeType="tmRoot"/>
+      </p:par>
+    </p:tnLst>
+  </p:timing>
+</p:sld>
+</file>
+
+<file path=ppt/slides/slide11.xml><?xml version="1.0" encoding="utf-8"?>
+<p:sld xmlns:a="http://schemas.openxmlformats.org/drawingml/2006/main" xmlns:r="http://schemas.openxmlformats.org/officeDocument/2006/relationships" xmlns:p="http://schemas.openxmlformats.org/presentationml/2006/main">
+  <p:cSld>
+    <p:spTree>
+      <p:nvGrpSpPr>
+        <p:cNvPr id="1" name=""/>
+        <p:cNvGrpSpPr/>
+        <p:nvPr/>
+      </p:nvGrpSpPr>
+      <p:grpSpPr>
+        <a:xfrm>
+          <a:off x="0" y="0"/>
+          <a:ext cx="0" cy="0"/>
+          <a:chOff x="0" y="0"/>
+          <a:chExt cx="0" cy="0"/>
+        </a:xfrm>
+      </p:grpSpPr>
+      <p:sp>
+        <p:nvSpPr>
+          <p:cNvPr id="2" name="页脚占位符 1"/>
+          <p:cNvSpPr>
+            <a:spLocks noGrp="1"/>
+          </p:cNvSpPr>
+          <p:nvPr>
+            <p:ph type="ftr" sz="quarter" idx="11"/>
+          </p:nvPr>
+        </p:nvSpPr>
+        <p:spPr/>
+        <p:txBody>
+          <a:bodyPr/>
+          <a:lstStyle/>
+          <a:p>
+            <a:r>
+              <a:rPr lang="en-US" altLang="zh-CN" smtClean="0"/>
+              <a:t>ND Engineering Institute Confidential</a:t>
+            </a:r>
+            <a:endParaRPr lang="zh-CN" altLang="en-US" dirty="0"/>
+          </a:p>
+        </p:txBody>
+      </p:sp>
+      <p:cxnSp>
+        <p:nvCxnSpPr>
+          <p:cNvPr id="6" name="直接连接符 5"/>
+          <p:cNvCxnSpPr/>
+          <p:nvPr/>
+        </p:nvCxnSpPr>
+        <p:spPr>
+          <a:xfrm rot="5400000">
+            <a:off x="35525" y="596258"/>
+            <a:ext cx="658908" cy="1"/>
+          </a:xfrm>
+          <a:prstGeom prst="line">
+            <a:avLst/>
+          </a:prstGeom>
+          <a:ln w="76200">
+            <a:solidFill>
+              <a:srgbClr val="FF0000"/>
+            </a:solidFill>
+          </a:ln>
+        </p:spPr>
+        <p:style>
+          <a:lnRef idx="1">
+            <a:schemeClr val="accent1"/>
+          </a:lnRef>
+          <a:fillRef idx="0">
+            <a:schemeClr val="accent1"/>
+          </a:fillRef>
+          <a:effectRef idx="0">
+            <a:schemeClr val="accent1"/>
+          </a:effectRef>
+          <a:fontRef idx="minor">
+            <a:schemeClr val="tx1"/>
+          </a:fontRef>
+        </p:style>
+      </p:cxnSp>
+      <p:sp>
+        <p:nvSpPr>
+          <p:cNvPr id="7" name="矩形 6"/>
+          <p:cNvSpPr/>
+          <p:nvPr/>
+        </p:nvSpPr>
+        <p:spPr>
+          <a:xfrm>
+            <a:off x="436243" y="400164"/>
+            <a:ext cx="9210505" cy="423949"/>
+          </a:xfrm>
+          <a:prstGeom prst="rect">
+            <a:avLst/>
+          </a:prstGeom>
+          <a:noFill/>
+          <a:ln>
+            <a:noFill/>
+          </a:ln>
+        </p:spPr>
+        <p:style>
+          <a:lnRef idx="2">
+            <a:schemeClr val="accent2">
+              <a:shade val="50000"/>
+            </a:schemeClr>
+          </a:lnRef>
+          <a:fillRef idx="1">
+            <a:schemeClr val="accent2"/>
+          </a:fillRef>
+          <a:effectRef idx="0">
+            <a:schemeClr val="accent2"/>
+          </a:effectRef>
+          <a:fontRef idx="minor">
+            <a:schemeClr val="lt1"/>
+          </a:fontRef>
+        </p:style>
+        <p:txBody>
+          <a:bodyPr rtlCol="0" anchor="ctr"/>
+          <a:lstStyle/>
+          <a:p>
+            <a:r>
+              <a:rPr lang="en-US" altLang="zh-CN" sz="3600" b="1" smtClean="0">
+                <a:latin typeface="微软雅黑" pitchFamily="34" charset="-122"/>
+                <a:ea typeface="微软雅黑" pitchFamily="34" charset="-122"/>
+              </a:rPr>
+              <a:t>ND</a:t>
+            </a:r>
+            <a:r>
+              <a:rPr lang="zh-CN" altLang="en-US" sz="3600" b="1" smtClean="0">
+                <a:latin typeface="微软雅黑" pitchFamily="34" charset="-122"/>
+                <a:ea typeface="微软雅黑" pitchFamily="34" charset="-122"/>
+              </a:rPr>
+              <a:t>资源</a:t>
+            </a:r>
+            <a:r>
+              <a:rPr lang="zh-CN" altLang="en-US" sz="3600" b="1" smtClean="0">
+                <a:latin typeface="微软雅黑" pitchFamily="34" charset="-122"/>
+                <a:ea typeface="微软雅黑" pitchFamily="34" charset="-122"/>
+              </a:rPr>
+              <a:t>库资源安全</a:t>
+            </a:r>
+            <a:endParaRPr lang="zh-CN" altLang="en-US" sz="3600" b="1" dirty="0">
+              <a:latin typeface="微软雅黑" pitchFamily="34" charset="-122"/>
+              <a:ea typeface="微软雅黑" pitchFamily="34" charset="-122"/>
+            </a:endParaRPr>
+          </a:p>
+        </p:txBody>
+      </p:sp>
+      <p:pic>
+        <p:nvPicPr>
+          <p:cNvPr id="1025" name="Picture 1" descr="C:\Users\Public\Documents\im\830917@nd\Image\c13cd8561a0b336ae344c7cdb5931190.jpg"/>
+          <p:cNvPicPr>
+            <a:picLocks noChangeAspect="1" noChangeArrowheads="1"/>
+          </p:cNvPicPr>
+          <p:nvPr/>
+        </p:nvPicPr>
+        <p:blipFill>
+          <a:blip r:embed="rId2">
+            <a:extLst>
+              <a:ext uri="{28A0092B-C50C-407E-A947-70E740481C1C}">
+                <a14:useLocalDpi xmlns:a14="http://schemas.microsoft.com/office/drawing/2010/main" val="0"/>
+              </a:ext>
+            </a:extLst>
+          </a:blip>
+          <a:srcRect/>
+          <a:stretch>
+            <a:fillRect/>
+          </a:stretch>
+        </p:blipFill>
+        <p:spPr bwMode="auto">
+          <a:xfrm>
+            <a:off x="1066800" y="1025531"/>
+            <a:ext cx="9544050" cy="5695950"/>
+          </a:xfrm>
+          <a:prstGeom prst="rect">
+            <a:avLst/>
+          </a:prstGeom>
+          <a:noFill/>
+          <a:extLst>
+            <a:ext uri="{909E8E84-426E-40DD-AFC4-6F175D3DCCD1}">
+              <a14:hiddenFill xmlns:a14="http://schemas.microsoft.com/office/drawing/2010/main">
+                <a:solidFill>
+                  <a:srgbClr val="FFFFFF"/>
+                </a:solidFill>
+              </a14:hiddenFill>
+            </a:ext>
+          </a:extLst>
+        </p:spPr>
+      </p:pic>
+    </p:spTree>
+    <p:extLst>
+      <p:ext uri="{BB962C8B-B14F-4D97-AF65-F5344CB8AC3E}">
+        <p14:creationId xmlns:p14="http://schemas.microsoft.com/office/powerpoint/2010/main" val="2730717607"/>
+      </p:ext>
+    </p:extLst>
+  </p:cSld>
+  <p:clrMapOvr>
+    <a:masterClrMapping/>
+  </p:clrMapOvr>
+  <mc:AlternateContent xmlns:mc="http://schemas.openxmlformats.org/markup-compatibility/2006">
+    <mc:Choice xmlns:p14="http://schemas.microsoft.com/office/powerpoint/2010/main" Requires="p14">
+      <p:transition spd="slow" p14:dur="2000"/>
+    </mc:Choice>
+    <mc:Fallback>
+      <p:transition spd="slow"/>
+    </mc:Fallback>
+  </mc:AlternateContent>
+  <p:timing>
+    <p:tnLst>
+      <p:par>
+        <p:cTn id="1" dur="indefinite" restart="never" nodeType="tmRoot"/>
+      </p:par>
+    </p:tnLst>
+  </p:timing>
+</p:sld>
+</file>
+
+<file path=ppt/slides/slide12.xml><?xml version="1.0" encoding="utf-8"?>
+<p:sld xmlns:a="http://schemas.openxmlformats.org/drawingml/2006/main" xmlns:r="http://schemas.openxmlformats.org/officeDocument/2006/relationships" xmlns:p="http://schemas.openxmlformats.org/presentationml/2006/main" show="0">
+  <p:cSld>
+    <p:spTree>
+      <p:nvGrpSpPr>
+        <p:cNvPr id="1" name=""/>
+        <p:cNvGrpSpPr/>
+        <p:nvPr/>
+      </p:nvGrpSpPr>
+      <p:grpSpPr>
+        <a:xfrm>
+          <a:off x="0" y="0"/>
+          <a:ext cx="0" cy="0"/>
+          <a:chOff x="0" y="0"/>
+          <a:chExt cx="0" cy="0"/>
+        </a:xfrm>
+      </p:grpSpPr>
+      <p:sp>
+        <p:nvSpPr>
+          <p:cNvPr id="2" name="页脚占位符 1"/>
+          <p:cNvSpPr>
+            <a:spLocks noGrp="1"/>
+          </p:cNvSpPr>
+          <p:nvPr>
+            <p:ph type="ftr" sz="quarter" idx="11"/>
+          </p:nvPr>
+        </p:nvSpPr>
+        <p:spPr/>
+        <p:txBody>
+          <a:bodyPr/>
+          <a:lstStyle/>
+          <a:p>
+            <a:r>
+              <a:rPr lang="en-US" altLang="zh-CN" smtClean="0"/>
+              <a:t>ND Engineering Institute Confidential</a:t>
+            </a:r>
+            <a:endParaRPr lang="zh-CN" altLang="en-US" dirty="0"/>
+          </a:p>
+        </p:txBody>
+      </p:sp>
+      <p:cxnSp>
+        <p:nvCxnSpPr>
+          <p:cNvPr id="32" name="直接连接符 31"/>
+          <p:cNvCxnSpPr/>
+          <p:nvPr/>
+        </p:nvCxnSpPr>
+        <p:spPr>
+          <a:xfrm flipH="1">
+            <a:off x="327171" y="492444"/>
+            <a:ext cx="4253" cy="1588029"/>
+          </a:xfrm>
+          <a:prstGeom prst="line">
+            <a:avLst/>
+          </a:prstGeom>
+          <a:ln w="76200">
+            <a:solidFill>
+              <a:srgbClr val="FF0000"/>
+            </a:solidFill>
+          </a:ln>
+        </p:spPr>
+        <p:style>
+          <a:lnRef idx="1">
+            <a:schemeClr val="accent1"/>
+          </a:lnRef>
+          <a:fillRef idx="0">
+            <a:schemeClr val="accent1"/>
+          </a:fillRef>
+          <a:effectRef idx="0">
+            <a:schemeClr val="accent1"/>
+          </a:effectRef>
+          <a:fontRef idx="minor">
+            <a:schemeClr val="tx1"/>
+          </a:fontRef>
+        </p:style>
+      </p:cxnSp>
+      <p:sp>
+        <p:nvSpPr>
+          <p:cNvPr id="33" name="矩形 32"/>
+          <p:cNvSpPr/>
+          <p:nvPr/>
+        </p:nvSpPr>
+        <p:spPr>
+          <a:xfrm>
+            <a:off x="436244" y="400164"/>
+            <a:ext cx="2533460" cy="1747418"/>
+          </a:xfrm>
+          <a:prstGeom prst="rect">
+            <a:avLst/>
+          </a:prstGeom>
+          <a:noFill/>
+          <a:ln>
+            <a:noFill/>
+          </a:ln>
+        </p:spPr>
+        <p:style>
+          <a:lnRef idx="2">
+            <a:schemeClr val="accent2">
+              <a:shade val="50000"/>
+            </a:schemeClr>
+          </a:lnRef>
+          <a:fillRef idx="1">
+            <a:schemeClr val="accent2"/>
+          </a:fillRef>
+          <a:effectRef idx="0">
+            <a:schemeClr val="accent2"/>
+          </a:effectRef>
+          <a:fontRef idx="minor">
+            <a:schemeClr val="lt1"/>
+          </a:fontRef>
+        </p:style>
+        <p:txBody>
+          <a:bodyPr rtlCol="0" anchor="ctr"/>
+          <a:lstStyle/>
+          <a:p>
+            <a:r>
+              <a:rPr lang="en-US" altLang="zh-CN" sz="3600" b="1" smtClean="0">
+                <a:latin typeface="微软雅黑" pitchFamily="34" charset="-122"/>
+                <a:ea typeface="微软雅黑" pitchFamily="34" charset="-122"/>
+              </a:rPr>
+              <a:t>ND</a:t>
+            </a:r>
+            <a:r>
+              <a:rPr lang="zh-CN" altLang="en-US" sz="3600" b="1" smtClean="0">
+                <a:latin typeface="微软雅黑" pitchFamily="34" charset="-122"/>
+                <a:ea typeface="微软雅黑" pitchFamily="34" charset="-122"/>
+              </a:rPr>
+              <a:t>资源库分布式应用部署结构图</a:t>
+            </a:r>
+            <a:endParaRPr lang="zh-CN" altLang="en-US" sz="3600" b="1" dirty="0">
+              <a:latin typeface="微软雅黑" pitchFamily="34" charset="-122"/>
+              <a:ea typeface="微软雅黑" pitchFamily="34" charset="-122"/>
+            </a:endParaRPr>
+          </a:p>
+        </p:txBody>
+      </p:sp>
+      <p:pic>
+        <p:nvPicPr>
+          <p:cNvPr id="4" name="图片 3"/>
+          <p:cNvPicPr>
+            <a:picLocks noChangeAspect="1"/>
+          </p:cNvPicPr>
+          <p:nvPr/>
+        </p:nvPicPr>
+        <p:blipFill>
+          <a:blip r:embed="rId2"/>
+          <a:stretch>
+            <a:fillRect/>
+          </a:stretch>
+        </p:blipFill>
+        <p:spPr>
+          <a:xfrm>
+            <a:off x="3328114" y="-63354"/>
+            <a:ext cx="7796736" cy="6921354"/>
+          </a:xfrm>
+          <a:prstGeom prst="rect">
+            <a:avLst/>
+          </a:prstGeom>
+        </p:spPr>
+      </p:pic>
+    </p:spTree>
+    <p:extLst>
+      <p:ext uri="{BB962C8B-B14F-4D97-AF65-F5344CB8AC3E}">
+        <p14:creationId xmlns:p14="http://schemas.microsoft.com/office/powerpoint/2010/main" val="2124741792"/>
+      </p:ext>
+    </p:extLst>
+  </p:cSld>
+  <p:clrMapOvr>
+    <a:masterClrMapping/>
+  </p:clrMapOvr>
+  <mc:AlternateContent xmlns:mc="http://schemas.openxmlformats.org/markup-compatibility/2006">
+    <mc:Choice xmlns:p14="http://schemas.microsoft.com/office/powerpoint/2010/main" Requires="p14">
+      <p:transition spd="slow" p14:dur="2000"/>
+    </mc:Choice>
+    <mc:Fallback>
+      <p:transition spd="slow"/>
+    </mc:Fallback>
+  </mc:AlternateContent>
+  <p:timing>
+    <p:tnLst>
+      <p:par>
+        <p:cTn id="1" dur="indefinite" restart="never" nodeType="tmRoot"/>
+      </p:par>
+    </p:tnLst>
+  </p:timing>
+</p:sld>
+</file>
+
+<file path=ppt/slides/slide13.xml><?xml version="1.0" encoding="utf-8"?>
+<p:sld xmlns:a="http://schemas.openxmlformats.org/drawingml/2006/main" xmlns:r="http://schemas.openxmlformats.org/officeDocument/2006/relationships" xmlns:p="http://schemas.openxmlformats.org/presentationml/2006/main" show="0">
+  <p:cSld>
+    <p:spTree>
+      <p:nvGrpSpPr>
+        <p:cNvPr id="1" name=""/>
+        <p:cNvGrpSpPr/>
+        <p:nvPr/>
+      </p:nvGrpSpPr>
+      <p:grpSpPr>
+        <a:xfrm>
+          <a:off x="0" y="0"/>
+          <a:ext cx="0" cy="0"/>
+          <a:chOff x="0" y="0"/>
+          <a:chExt cx="0" cy="0"/>
+        </a:xfrm>
+      </p:grpSpPr>
+      <p:sp>
+        <p:nvSpPr>
+          <p:cNvPr id="2" name="页脚占位符 1"/>
+          <p:cNvSpPr>
+            <a:spLocks noGrp="1"/>
+          </p:cNvSpPr>
+          <p:nvPr>
+            <p:ph type="ftr" sz="quarter" idx="11"/>
+          </p:nvPr>
+        </p:nvSpPr>
+        <p:spPr/>
+        <p:txBody>
+          <a:bodyPr/>
+          <a:lstStyle/>
+          <a:p>
+            <a:r>
+              <a:rPr lang="en-US" altLang="zh-CN" smtClean="0"/>
+              <a:t>ND Engineering Institute Confidential</a:t>
+            </a:r>
+            <a:endParaRPr lang="zh-CN" altLang="en-US" dirty="0"/>
+          </a:p>
+        </p:txBody>
+      </p:sp>
+      <p:cxnSp>
+        <p:nvCxnSpPr>
+          <p:cNvPr id="32" name="直接连接符 31"/>
+          <p:cNvCxnSpPr/>
+          <p:nvPr/>
+        </p:nvCxnSpPr>
+        <p:spPr>
+          <a:xfrm rot="5400000">
+            <a:off x="35525" y="596258"/>
+            <a:ext cx="658908" cy="1"/>
+          </a:xfrm>
+          <a:prstGeom prst="line">
+            <a:avLst/>
+          </a:prstGeom>
+          <a:ln w="76200">
+            <a:solidFill>
+              <a:srgbClr val="FF0000"/>
+            </a:solidFill>
+          </a:ln>
+        </p:spPr>
+        <p:style>
+          <a:lnRef idx="1">
+            <a:schemeClr val="accent1"/>
+          </a:lnRef>
+          <a:fillRef idx="0">
+            <a:schemeClr val="accent1"/>
+          </a:fillRef>
+          <a:effectRef idx="0">
+            <a:schemeClr val="accent1"/>
+          </a:effectRef>
+          <a:fontRef idx="minor">
+            <a:schemeClr val="tx1"/>
+          </a:fontRef>
+        </p:style>
+      </p:cxnSp>
+      <p:sp>
+        <p:nvSpPr>
+          <p:cNvPr id="33" name="矩形 32"/>
+          <p:cNvSpPr/>
+          <p:nvPr/>
+        </p:nvSpPr>
+        <p:spPr>
+          <a:xfrm>
+            <a:off x="436243" y="400164"/>
+            <a:ext cx="9210505" cy="423949"/>
+          </a:xfrm>
+          <a:prstGeom prst="rect">
+            <a:avLst/>
+          </a:prstGeom>
+          <a:noFill/>
+          <a:ln>
+            <a:noFill/>
+          </a:ln>
+        </p:spPr>
+        <p:style>
+          <a:lnRef idx="2">
+            <a:schemeClr val="accent2">
+              <a:shade val="50000"/>
+            </a:schemeClr>
+          </a:lnRef>
+          <a:fillRef idx="1">
+            <a:schemeClr val="accent2"/>
+          </a:fillRef>
+          <a:effectRef idx="0">
+            <a:schemeClr val="accent2"/>
+          </a:effectRef>
+          <a:fontRef idx="minor">
+            <a:schemeClr val="lt1"/>
+          </a:fontRef>
+        </p:style>
+        <p:txBody>
+          <a:bodyPr rtlCol="0" anchor="ctr"/>
+          <a:lstStyle/>
+          <a:p>
+            <a:r>
+              <a:rPr lang="en-US" altLang="zh-CN" sz="3600" b="1" smtClean="0">
+                <a:latin typeface="微软雅黑" pitchFamily="34" charset="-122"/>
+                <a:ea typeface="微软雅黑" pitchFamily="34" charset="-122"/>
+              </a:rPr>
+              <a:t>ND</a:t>
+            </a:r>
+            <a:r>
+              <a:rPr lang="zh-CN" altLang="en-US" sz="3600" b="1" smtClean="0">
+                <a:latin typeface="微软雅黑" pitchFamily="34" charset="-122"/>
+                <a:ea typeface="微软雅黑" pitchFamily="34" charset="-122"/>
+              </a:rPr>
+              <a:t>资源库业务模块</a:t>
+            </a:r>
+            <a:endParaRPr lang="zh-CN" altLang="en-US" sz="3600" b="1" dirty="0">
+              <a:latin typeface="微软雅黑" pitchFamily="34" charset="-122"/>
+              <a:ea typeface="微软雅黑" pitchFamily="34" charset="-122"/>
+            </a:endParaRPr>
+          </a:p>
+        </p:txBody>
+      </p:sp>
+      <p:pic>
+        <p:nvPicPr>
+          <p:cNvPr id="1025" name="Picture 1" descr="C:\Users\Public\Documents\im\830917@nd\Image\64540d0723ffee5aa37d72dcb2ee79ab.jpg"/>
+          <p:cNvPicPr>
+            <a:picLocks noChangeAspect="1" noChangeArrowheads="1"/>
+          </p:cNvPicPr>
+          <p:nvPr/>
+        </p:nvPicPr>
+        <p:blipFill>
+          <a:blip r:embed="rId2">
+            <a:extLst>
+              <a:ext uri="{28A0092B-C50C-407E-A947-70E740481C1C}">
+                <a14:useLocalDpi xmlns:a14="http://schemas.microsoft.com/office/drawing/2010/main" val="0"/>
+              </a:ext>
+            </a:extLst>
+          </a:blip>
+          <a:srcRect/>
+          <a:stretch>
+            <a:fillRect/>
+          </a:stretch>
+        </p:blipFill>
+        <p:spPr bwMode="auto">
+          <a:xfrm>
+            <a:off x="1587005" y="925713"/>
+            <a:ext cx="9017990" cy="5865244"/>
+          </a:xfrm>
+          <a:prstGeom prst="rect">
+            <a:avLst/>
+          </a:prstGeom>
+          <a:noFill/>
+          <a:extLst>
+            <a:ext uri="{909E8E84-426E-40DD-AFC4-6F175D3DCCD1}">
+              <a14:hiddenFill xmlns:a14="http://schemas.microsoft.com/office/drawing/2010/main">
+                <a:solidFill>
+                  <a:srgbClr val="FFFFFF"/>
+                </a:solidFill>
+              </a14:hiddenFill>
+            </a:ext>
+          </a:extLst>
+        </p:spPr>
+      </p:pic>
+    </p:spTree>
+    <p:extLst>
+      <p:ext uri="{BB962C8B-B14F-4D97-AF65-F5344CB8AC3E}">
+        <p14:creationId xmlns:p14="http://schemas.microsoft.com/office/powerpoint/2010/main" val="901468334"/>
+      </p:ext>
+    </p:extLst>
+  </p:cSld>
+  <p:clrMapOvr>
+    <a:masterClrMapping/>
+  </p:clrMapOvr>
+  <mc:AlternateContent xmlns:mc="http://schemas.openxmlformats.org/markup-compatibility/2006">
+    <mc:Choice xmlns:p14="http://schemas.microsoft.com/office/powerpoint/2010/main" Requires="p14">
+      <p:transition spd="slow" p14:dur="2000"/>
+    </mc:Choice>
+    <mc:Fallback>
+      <p:transition spd="slow"/>
+    </mc:Fallback>
+  </mc:AlternateContent>
+  <p:timing>
+    <p:tnLst>
+      <p:par>
+        <p:cTn id="1" dur="indefinite" restart="never" nodeType="tmRoot"/>
+      </p:par>
+    </p:tnLst>
+  </p:timing>
+</p:sld>
+</file>
+
+<file path=ppt/slides/slide14.xml><?xml version="1.0" encoding="utf-8"?>
+<p:sld xmlns:a="http://schemas.openxmlformats.org/drawingml/2006/main" xmlns:r="http://schemas.openxmlformats.org/officeDocument/2006/relationships" xmlns:p="http://schemas.openxmlformats.org/presentationml/2006/main" show="0">
   <p:cSld>
     <p:spTree>
       <p:nvGrpSpPr>
@@ -4979,6 +5803,14 @@
   <p:clrMapOvr>
     <a:masterClrMapping/>
   </p:clrMapOvr>
+  <mc:AlternateContent xmlns:mc="http://schemas.openxmlformats.org/markup-compatibility/2006">
+    <mc:Choice xmlns:p14="http://schemas.microsoft.com/office/powerpoint/2010/main" Requires="p14">
+      <p:transition spd="slow" p14:dur="2000"/>
+    </mc:Choice>
+    <mc:Fallback>
+      <p:transition spd="slow"/>
+    </mc:Fallback>
+  </mc:AlternateContent>
   <p:timing>
     <p:tnLst>
       <p:par>
@@ -4989,7 +5821,7 @@
 </p:sld>
 </file>
 
-<file path=ppt/slides/slide11.xml><?xml version="1.0" encoding="utf-8"?>
+<file path=ppt/slides/slide15.xml><?xml version="1.0" encoding="utf-8"?>
 <p:sld xmlns:a="http://schemas.openxmlformats.org/drawingml/2006/main" xmlns:r="http://schemas.openxmlformats.org/officeDocument/2006/relationships" xmlns:p="http://schemas.openxmlformats.org/presentationml/2006/main">
   <p:cSld>
     <p:spTree>
@@ -5047,7 +5879,7 @@
             <a:fld id="{E2531F13-3D55-48F5-9D66-4D113F3EC470}" type="slidenum">
               <a:rPr lang="zh-CN" altLang="en-US" smtClean="0"/>
               <a:pPr/>
-              <a:t>11</a:t>
+              <a:t>15</a:t>
             </a:fld>
             <a:endParaRPr lang="zh-CN" altLang="en-US" dirty="0"/>
           </a:p>
@@ -5147,7 +5979,7 @@
 </p:sld>
 </file>
 
-<file path=ppt/slides/slide12.xml><?xml version="1.0" encoding="utf-8"?>
+<file path=ppt/slides/slide16.xml><?xml version="1.0" encoding="utf-8"?>
 <p:sld xmlns:a="http://schemas.openxmlformats.org/drawingml/2006/main" xmlns:r="http://schemas.openxmlformats.org/officeDocument/2006/relationships" xmlns:p="http://schemas.openxmlformats.org/presentationml/2006/main">
   <p:cSld>
     <p:spTree>
@@ -5205,7 +6037,7 @@
             <a:fld id="{E2531F13-3D55-48F5-9D66-4D113F3EC470}" type="slidenum">
               <a:rPr lang="zh-CN" altLang="en-US" smtClean="0"/>
               <a:pPr/>
-              <a:t>12</a:t>
+              <a:t>16</a:t>
             </a:fld>
             <a:endParaRPr lang="zh-CN" altLang="en-US" dirty="0"/>
           </a:p>
@@ -5335,27 +6167,7 @@
                 <a:latin typeface="微软雅黑" pitchFamily="34" charset="-122"/>
                 <a:ea typeface="微软雅黑" pitchFamily="34" charset="-122"/>
               </a:rPr>
-              <a:t>待</a:t>
-            </a:r>
-            <a:r>
-              <a:rPr lang="zh-CN" altLang="en-US" sz="1600" smtClean="0">
-                <a:solidFill>
-                  <a:srgbClr val="FF0000"/>
-                </a:solidFill>
-                <a:latin typeface="微软雅黑" pitchFamily="34" charset="-122"/>
-                <a:ea typeface="微软雅黑" pitchFamily="34" charset="-122"/>
-              </a:rPr>
-              <a:t>支</a:t>
-            </a:r>
-            <a:r>
-              <a:rPr lang="zh-CN" altLang="en-US" sz="1600" smtClean="0">
-                <a:solidFill>
-                  <a:srgbClr val="FF0000"/>
-                </a:solidFill>
-                <a:latin typeface="微软雅黑" pitchFamily="34" charset="-122"/>
-                <a:ea typeface="微软雅黑" pitchFamily="34" charset="-122"/>
-              </a:rPr>
-              <a:t>持通过</a:t>
+              <a:t>待支持通过</a:t>
             </a:r>
             <a:r>
               <a:rPr lang="en-US" altLang="zh-CN" sz="1600" smtClean="0">
@@ -5395,7 +6207,53 @@
                 <a:latin typeface="微软雅黑" pitchFamily="34" charset="-122"/>
                 <a:ea typeface="微软雅黑" pitchFamily="34" charset="-122"/>
               </a:rPr>
-              <a:t>步</a:t>
+              <a:t>步。</a:t>
+            </a:r>
+            <a:endParaRPr lang="en-US" altLang="zh-CN" sz="1600" smtClean="0">
+              <a:solidFill>
+                <a:srgbClr val="FF0000"/>
+              </a:solidFill>
+              <a:latin typeface="微软雅黑" pitchFamily="34" charset="-122"/>
+              <a:ea typeface="微软雅黑" pitchFamily="34" charset="-122"/>
+            </a:endParaRPr>
+          </a:p>
+          <a:p>
+            <a:pPr marL="514350" indent="-514350">
+              <a:lnSpc>
+                <a:spcPct val="150000"/>
+              </a:lnSpc>
+              <a:buFont typeface="Wingdings" pitchFamily="2" charset="2"/>
+              <a:buChar char="l"/>
+            </a:pPr>
+            <a:r>
+              <a:rPr lang="zh-CN" altLang="en-US" sz="1600">
+                <a:solidFill>
+                  <a:srgbClr val="FF0000"/>
+                </a:solidFill>
+                <a:latin typeface="微软雅黑" pitchFamily="34" charset="-122"/>
+                <a:ea typeface="微软雅黑" pitchFamily="34" charset="-122"/>
+              </a:rPr>
+              <a:t>支</a:t>
+            </a:r>
+            <a:r>
+              <a:rPr lang="zh-CN" altLang="en-US" sz="1600" smtClean="0">
+                <a:solidFill>
+                  <a:srgbClr val="FF0000"/>
+                </a:solidFill>
+                <a:latin typeface="微软雅黑" pitchFamily="34" charset="-122"/>
+                <a:ea typeface="微软雅黑" pitchFamily="34" charset="-122"/>
+              </a:rPr>
+              <a:t>持分布式私有库以及数据交换，完</a:t>
+            </a:r>
+            <a:r>
+              <a:rPr lang="zh-CN" altLang="en-US" sz="1600">
+                <a:solidFill>
+                  <a:srgbClr val="FF0000"/>
+                </a:solidFill>
+                <a:latin typeface="微软雅黑" pitchFamily="34" charset="-122"/>
+                <a:ea typeface="微软雅黑" pitchFamily="34" charset="-122"/>
+              </a:rPr>
+              <a:t>善统计功能</a:t>
             </a:r>
             <a:r>
               <a:rPr lang="zh-CN" altLang="en-US" sz="1600" smtClean="0">
@@ -5431,7 +6289,7 @@
                 <a:latin typeface="微软雅黑" pitchFamily="34" charset="-122"/>
                 <a:ea typeface="微软雅黑" pitchFamily="34" charset="-122"/>
               </a:rPr>
-              <a:t>支</a:t>
+              <a:t>审</a:t>
             </a:r>
             <a:r>
               <a:rPr lang="zh-CN" altLang="en-US" sz="1600" smtClean="0">
@@ -5441,8 +6299,24 @@
                 <a:latin typeface="微软雅黑" pitchFamily="34" charset="-122"/>
                 <a:ea typeface="微软雅黑" pitchFamily="34" charset="-122"/>
               </a:rPr>
-              <a:t>持分布式私有库以及数据交换，完</a:t>
-            </a:r>
+              <a:t>核策略的管理以及资源分配。</a:t>
+            </a:r>
+            <a:endParaRPr lang="en-US" altLang="zh-CN" sz="1600" smtClean="0">
+              <a:solidFill>
+                <a:srgbClr val="FF0000"/>
+              </a:solidFill>
+              <a:latin typeface="微软雅黑" pitchFamily="34" charset="-122"/>
+              <a:ea typeface="微软雅黑" pitchFamily="34" charset="-122"/>
+            </a:endParaRPr>
+          </a:p>
+          <a:p>
+            <a:pPr marL="514350" indent="-514350">
+              <a:lnSpc>
+                <a:spcPct val="150000"/>
+              </a:lnSpc>
+              <a:buFont typeface="Wingdings" pitchFamily="2" charset="2"/>
+              <a:buChar char="l"/>
+            </a:pPr>
             <a:r>
               <a:rPr lang="zh-CN" altLang="en-US" sz="1600">
                 <a:solidFill>
@@ -5451,8 +6325,34 @@
                 <a:latin typeface="微软雅黑" pitchFamily="34" charset="-122"/>
                 <a:ea typeface="微软雅黑" pitchFamily="34" charset="-122"/>
               </a:rPr>
-              <a:t>善统计功</a:t>
-            </a:r>
+              <a:t>基</a:t>
+            </a:r>
+            <a:r>
+              <a:rPr lang="zh-CN" altLang="en-US" sz="1600" smtClean="0">
+                <a:solidFill>
+                  <a:srgbClr val="FF0000"/>
+                </a:solidFill>
+                <a:latin typeface="微软雅黑" pitchFamily="34" charset="-122"/>
+                <a:ea typeface="微软雅黑" pitchFamily="34" charset="-122"/>
+              </a:rPr>
+              <a:t>于教学目标和知识体系的学习路径图谱。</a:t>
+            </a:r>
+            <a:endParaRPr lang="en-US" altLang="zh-CN" sz="1600" smtClean="0">
+              <a:solidFill>
+                <a:srgbClr val="FF0000"/>
+              </a:solidFill>
+              <a:latin typeface="微软雅黑" pitchFamily="34" charset="-122"/>
+              <a:ea typeface="微软雅黑" pitchFamily="34" charset="-122"/>
+            </a:endParaRPr>
+          </a:p>
+          <a:p>
+            <a:pPr marL="514350" indent="-514350">
+              <a:lnSpc>
+                <a:spcPct val="150000"/>
+              </a:lnSpc>
+              <a:buFont typeface="Wingdings" pitchFamily="2" charset="2"/>
+              <a:buChar char="l"/>
+            </a:pPr>
             <a:r>
               <a:rPr lang="zh-CN" altLang="en-US" sz="1600">
                 <a:solidFill>
@@ -5461,7 +6361,184 @@
                 <a:latin typeface="微软雅黑" pitchFamily="34" charset="-122"/>
                 <a:ea typeface="微软雅黑" pitchFamily="34" charset="-122"/>
               </a:rPr>
-              <a:t>能</a:t>
+              <a:t>支</a:t>
+            </a:r>
+            <a:r>
+              <a:rPr lang="zh-CN" altLang="en-US" sz="1600" smtClean="0">
+                <a:solidFill>
+                  <a:srgbClr val="FF0000"/>
+                </a:solidFill>
+                <a:latin typeface="微软雅黑" pitchFamily="34" charset="-122"/>
+                <a:ea typeface="微软雅黑" pitchFamily="34" charset="-122"/>
+              </a:rPr>
+              <a:t>持多终端自适应资源推荐。</a:t>
+            </a:r>
+            <a:endParaRPr lang="en-US" altLang="zh-CN" sz="1600" smtClean="0">
+              <a:solidFill>
+                <a:srgbClr val="FF0000"/>
+              </a:solidFill>
+              <a:latin typeface="微软雅黑" pitchFamily="34" charset="-122"/>
+              <a:ea typeface="微软雅黑" pitchFamily="34" charset="-122"/>
+            </a:endParaRPr>
+          </a:p>
+          <a:p>
+            <a:pPr marL="514350" indent="-514350">
+              <a:lnSpc>
+                <a:spcPct val="150000"/>
+              </a:lnSpc>
+              <a:buFont typeface="Wingdings" pitchFamily="2" charset="2"/>
+              <a:buChar char="l"/>
+            </a:pPr>
+            <a:r>
+              <a:rPr lang="zh-CN" altLang="en-US" sz="1600" smtClean="0">
+                <a:solidFill>
+                  <a:srgbClr val="FF0000"/>
+                </a:solidFill>
+                <a:latin typeface="微软雅黑" pitchFamily="34" charset="-122"/>
+                <a:ea typeface="微软雅黑" pitchFamily="34" charset="-122"/>
+              </a:rPr>
+              <a:t>支持更多视频资源媒体格式的转码能力，同时构建云端渲染微服务。对于</a:t>
+            </a:r>
+            <a:r>
+              <a:rPr lang="en-US" altLang="zh-CN" sz="1600" smtClean="0">
+                <a:solidFill>
+                  <a:srgbClr val="FF0000"/>
+                </a:solidFill>
+                <a:latin typeface="微软雅黑" pitchFamily="34" charset="-122"/>
+                <a:ea typeface="微软雅黑" pitchFamily="34" charset="-122"/>
+              </a:rPr>
+              <a:t>VR</a:t>
+            </a:r>
+            <a:r>
+              <a:rPr lang="zh-CN" altLang="en-US" sz="1600" smtClean="0">
+                <a:solidFill>
+                  <a:srgbClr val="FF0000"/>
+                </a:solidFill>
+                <a:latin typeface="微软雅黑" pitchFamily="34" charset="-122"/>
+                <a:ea typeface="微软雅黑" pitchFamily="34" charset="-122"/>
+              </a:rPr>
+              <a:t>资源构建云端预览服务。</a:t>
+            </a:r>
+            <a:endParaRPr lang="en-US" altLang="zh-CN" sz="1600" smtClean="0">
+              <a:solidFill>
+                <a:srgbClr val="FF0000"/>
+              </a:solidFill>
+              <a:latin typeface="微软雅黑" pitchFamily="34" charset="-122"/>
+              <a:ea typeface="微软雅黑" pitchFamily="34" charset="-122"/>
+            </a:endParaRPr>
+          </a:p>
+          <a:p>
+            <a:pPr marL="514350" indent="-514350">
+              <a:lnSpc>
+                <a:spcPct val="150000"/>
+              </a:lnSpc>
+              <a:buFont typeface="Wingdings" pitchFamily="2" charset="2"/>
+              <a:buChar char="l"/>
+            </a:pPr>
+            <a:r>
+              <a:rPr lang="zh-CN" altLang="en-US" sz="1600">
+                <a:solidFill>
+                  <a:srgbClr val="FF0000"/>
+                </a:solidFill>
+                <a:latin typeface="微软雅黑" pitchFamily="34" charset="-122"/>
+                <a:ea typeface="微软雅黑" pitchFamily="34" charset="-122"/>
+              </a:rPr>
+              <a:t>通</a:t>
+            </a:r>
+            <a:r>
+              <a:rPr lang="zh-CN" altLang="en-US" sz="1600" smtClean="0">
+                <a:solidFill>
+                  <a:srgbClr val="FF0000"/>
+                </a:solidFill>
+                <a:latin typeface="微软雅黑" pitchFamily="34" charset="-122"/>
+                <a:ea typeface="微软雅黑" pitchFamily="34" charset="-122"/>
+              </a:rPr>
+              <a:t>过</a:t>
+            </a:r>
+            <a:r>
+              <a:rPr lang="en-US" altLang="zh-CN" sz="1600" smtClean="0">
+                <a:solidFill>
+                  <a:srgbClr val="FF0000"/>
+                </a:solidFill>
+                <a:latin typeface="微软雅黑" pitchFamily="34" charset="-122"/>
+                <a:ea typeface="微软雅黑" pitchFamily="34" charset="-122"/>
+              </a:rPr>
+              <a:t>SDK</a:t>
+            </a:r>
+            <a:r>
+              <a:rPr lang="zh-CN" altLang="en-US" sz="1600" smtClean="0">
+                <a:solidFill>
+                  <a:srgbClr val="FF0000"/>
+                </a:solidFill>
+                <a:latin typeface="微软雅黑" pitchFamily="34" charset="-122"/>
+                <a:ea typeface="微软雅黑" pitchFamily="34" charset="-122"/>
+              </a:rPr>
+              <a:t>进行资源安全加密压缩和打包处理，同时完成版本控制。基于</a:t>
+            </a:r>
+            <a:r>
+              <a:rPr lang="en-US" altLang="zh-CN" sz="1600" smtClean="0">
+                <a:solidFill>
+                  <a:srgbClr val="FF0000"/>
+                </a:solidFill>
+                <a:latin typeface="微软雅黑" pitchFamily="34" charset="-122"/>
+                <a:ea typeface="微软雅黑" pitchFamily="34" charset="-122"/>
+              </a:rPr>
+              <a:t>P2P</a:t>
+            </a:r>
+            <a:r>
+              <a:rPr lang="zh-CN" altLang="en-US" sz="1600" smtClean="0">
+                <a:solidFill>
+                  <a:srgbClr val="FF0000"/>
+                </a:solidFill>
+                <a:latin typeface="微软雅黑" pitchFamily="34" charset="-122"/>
+                <a:ea typeface="微软雅黑" pitchFamily="34" charset="-122"/>
+              </a:rPr>
+              <a:t>协议实现资源分发和数据交换。</a:t>
+            </a:r>
+            <a:endParaRPr lang="en-US" altLang="zh-CN" sz="1600" smtClean="0">
+              <a:solidFill>
+                <a:srgbClr val="FF0000"/>
+              </a:solidFill>
+              <a:latin typeface="微软雅黑" pitchFamily="34" charset="-122"/>
+              <a:ea typeface="微软雅黑" pitchFamily="34" charset="-122"/>
+            </a:endParaRPr>
+          </a:p>
+          <a:p>
+            <a:pPr marL="514350" indent="-514350">
+              <a:lnSpc>
+                <a:spcPct val="150000"/>
+              </a:lnSpc>
+              <a:buFont typeface="Wingdings" pitchFamily="2" charset="2"/>
+              <a:buChar char="l"/>
+            </a:pPr>
+            <a:r>
+              <a:rPr lang="zh-CN" altLang="en-US" sz="1600">
+                <a:solidFill>
+                  <a:srgbClr val="FF0000"/>
+                </a:solidFill>
+                <a:latin typeface="微软雅黑" pitchFamily="34" charset="-122"/>
+                <a:ea typeface="微软雅黑" pitchFamily="34" charset="-122"/>
+              </a:rPr>
+              <a:t>待支持多个标准体系的编码映射。</a:t>
+            </a:r>
+          </a:p>
+          <a:p>
+            <a:pPr marL="514350" indent="-514350">
+              <a:lnSpc>
+                <a:spcPct val="150000"/>
+              </a:lnSpc>
+              <a:buFont typeface="Wingdings" pitchFamily="2" charset="2"/>
+              <a:buChar char="l"/>
+            </a:pPr>
+            <a:r>
+              <a:rPr lang="zh-CN" altLang="en-US" sz="1600">
+                <a:solidFill>
+                  <a:srgbClr val="FF0000"/>
+                </a:solidFill>
+                <a:latin typeface="微软雅黑" pitchFamily="34" charset="-122"/>
+                <a:ea typeface="微软雅黑" pitchFamily="34" charset="-122"/>
+              </a:rPr>
+              <a:t>待支持分类纬度的自定义扩展</a:t>
             </a:r>
             <a:r>
               <a:rPr lang="zh-CN" altLang="en-US" sz="1600" smtClean="0">
@@ -5497,301 +6574,6 @@
                 <a:latin typeface="微软雅黑" pitchFamily="34" charset="-122"/>
                 <a:ea typeface="微软雅黑" pitchFamily="34" charset="-122"/>
               </a:rPr>
-              <a:t>审</a:t>
-            </a:r>
-            <a:r>
-              <a:rPr lang="zh-CN" altLang="en-US" sz="1600" smtClean="0">
-                <a:solidFill>
-                  <a:srgbClr val="FF0000"/>
-                </a:solidFill>
-                <a:latin typeface="微软雅黑" pitchFamily="34" charset="-122"/>
-                <a:ea typeface="微软雅黑" pitchFamily="34" charset="-122"/>
-              </a:rPr>
-              <a:t>核策略的管理以及资源分配。</a:t>
-            </a:r>
-            <a:endParaRPr lang="en-US" altLang="zh-CN" sz="1600" smtClean="0">
-              <a:solidFill>
-                <a:srgbClr val="FF0000"/>
-              </a:solidFill>
-              <a:latin typeface="微软雅黑" pitchFamily="34" charset="-122"/>
-              <a:ea typeface="微软雅黑" pitchFamily="34" charset="-122"/>
-            </a:endParaRPr>
-          </a:p>
-          <a:p>
-            <a:pPr marL="514350" indent="-514350">
-              <a:lnSpc>
-                <a:spcPct val="150000"/>
-              </a:lnSpc>
-              <a:buFont typeface="Wingdings" pitchFamily="2" charset="2"/>
-              <a:buChar char="l"/>
-            </a:pPr>
-            <a:r>
-              <a:rPr lang="zh-CN" altLang="en-US" sz="1600">
-                <a:solidFill>
-                  <a:srgbClr val="FF0000"/>
-                </a:solidFill>
-                <a:latin typeface="微软雅黑" pitchFamily="34" charset="-122"/>
-                <a:ea typeface="微软雅黑" pitchFamily="34" charset="-122"/>
-              </a:rPr>
-              <a:t>基</a:t>
-            </a:r>
-            <a:r>
-              <a:rPr lang="zh-CN" altLang="en-US" sz="1600" smtClean="0">
-                <a:solidFill>
-                  <a:srgbClr val="FF0000"/>
-                </a:solidFill>
-                <a:latin typeface="微软雅黑" pitchFamily="34" charset="-122"/>
-                <a:ea typeface="微软雅黑" pitchFamily="34" charset="-122"/>
-              </a:rPr>
-              <a:t>于教学目标和知识体系的学习路径图谱。</a:t>
-            </a:r>
-            <a:endParaRPr lang="en-US" altLang="zh-CN" sz="1600" smtClean="0">
-              <a:solidFill>
-                <a:srgbClr val="FF0000"/>
-              </a:solidFill>
-              <a:latin typeface="微软雅黑" pitchFamily="34" charset="-122"/>
-              <a:ea typeface="微软雅黑" pitchFamily="34" charset="-122"/>
-            </a:endParaRPr>
-          </a:p>
-          <a:p>
-            <a:pPr marL="514350" indent="-514350">
-              <a:lnSpc>
-                <a:spcPct val="150000"/>
-              </a:lnSpc>
-              <a:buFont typeface="Wingdings" pitchFamily="2" charset="2"/>
-              <a:buChar char="l"/>
-            </a:pPr>
-            <a:r>
-              <a:rPr lang="zh-CN" altLang="en-US" sz="1600">
-                <a:solidFill>
-                  <a:srgbClr val="FF0000"/>
-                </a:solidFill>
-                <a:latin typeface="微软雅黑" pitchFamily="34" charset="-122"/>
-                <a:ea typeface="微软雅黑" pitchFamily="34" charset="-122"/>
-              </a:rPr>
-              <a:t>支</a:t>
-            </a:r>
-            <a:r>
-              <a:rPr lang="zh-CN" altLang="en-US" sz="1600" smtClean="0">
-                <a:solidFill>
-                  <a:srgbClr val="FF0000"/>
-                </a:solidFill>
-                <a:latin typeface="微软雅黑" pitchFamily="34" charset="-122"/>
-                <a:ea typeface="微软雅黑" pitchFamily="34" charset="-122"/>
-              </a:rPr>
-              <a:t>持多终端自适应资源推荐。</a:t>
-            </a:r>
-            <a:endParaRPr lang="en-US" altLang="zh-CN" sz="1600" smtClean="0">
-              <a:solidFill>
-                <a:srgbClr val="FF0000"/>
-              </a:solidFill>
-              <a:latin typeface="微软雅黑" pitchFamily="34" charset="-122"/>
-              <a:ea typeface="微软雅黑" pitchFamily="34" charset="-122"/>
-            </a:endParaRPr>
-          </a:p>
-          <a:p>
-            <a:pPr marL="514350" indent="-514350">
-              <a:lnSpc>
-                <a:spcPct val="150000"/>
-              </a:lnSpc>
-              <a:buFont typeface="Wingdings" pitchFamily="2" charset="2"/>
-              <a:buChar char="l"/>
-            </a:pPr>
-            <a:r>
-              <a:rPr lang="zh-CN" altLang="en-US" sz="1600" smtClean="0">
-                <a:solidFill>
-                  <a:srgbClr val="FF0000"/>
-                </a:solidFill>
-                <a:latin typeface="微软雅黑" pitchFamily="34" charset="-122"/>
-                <a:ea typeface="微软雅黑" pitchFamily="34" charset="-122"/>
-              </a:rPr>
-              <a:t>支持更多视频资源媒体格式的转码能力，同时构建云端渲染微服务。对于</a:t>
-            </a:r>
-            <a:r>
-              <a:rPr lang="en-US" altLang="zh-CN" sz="1600" smtClean="0">
-                <a:solidFill>
-                  <a:srgbClr val="FF0000"/>
-                </a:solidFill>
-                <a:latin typeface="微软雅黑" pitchFamily="34" charset="-122"/>
-                <a:ea typeface="微软雅黑" pitchFamily="34" charset="-122"/>
-              </a:rPr>
-              <a:t>VR</a:t>
-            </a:r>
-            <a:r>
-              <a:rPr lang="zh-CN" altLang="en-US" sz="1600" smtClean="0">
-                <a:solidFill>
-                  <a:srgbClr val="FF0000"/>
-                </a:solidFill>
-                <a:latin typeface="微软雅黑" pitchFamily="34" charset="-122"/>
-                <a:ea typeface="微软雅黑" pitchFamily="34" charset="-122"/>
-              </a:rPr>
-              <a:t>资源构建云端预览服务。</a:t>
-            </a:r>
-            <a:endParaRPr lang="en-US" altLang="zh-CN" sz="1600" smtClean="0">
-              <a:solidFill>
-                <a:srgbClr val="FF0000"/>
-              </a:solidFill>
-              <a:latin typeface="微软雅黑" pitchFamily="34" charset="-122"/>
-              <a:ea typeface="微软雅黑" pitchFamily="34" charset="-122"/>
-            </a:endParaRPr>
-          </a:p>
-          <a:p>
-            <a:pPr marL="514350" indent="-514350">
-              <a:lnSpc>
-                <a:spcPct val="150000"/>
-              </a:lnSpc>
-              <a:buFont typeface="Wingdings" pitchFamily="2" charset="2"/>
-              <a:buChar char="l"/>
-            </a:pPr>
-            <a:r>
-              <a:rPr lang="zh-CN" altLang="en-US" sz="1600">
-                <a:solidFill>
-                  <a:srgbClr val="FF0000"/>
-                </a:solidFill>
-                <a:latin typeface="微软雅黑" pitchFamily="34" charset="-122"/>
-                <a:ea typeface="微软雅黑" pitchFamily="34" charset="-122"/>
-              </a:rPr>
-              <a:t>通</a:t>
-            </a:r>
-            <a:r>
-              <a:rPr lang="zh-CN" altLang="en-US" sz="1600" smtClean="0">
-                <a:solidFill>
-                  <a:srgbClr val="FF0000"/>
-                </a:solidFill>
-                <a:latin typeface="微软雅黑" pitchFamily="34" charset="-122"/>
-                <a:ea typeface="微软雅黑" pitchFamily="34" charset="-122"/>
-              </a:rPr>
-              <a:t>过</a:t>
-            </a:r>
-            <a:r>
-              <a:rPr lang="en-US" altLang="zh-CN" sz="1600" smtClean="0">
-                <a:solidFill>
-                  <a:srgbClr val="FF0000"/>
-                </a:solidFill>
-                <a:latin typeface="微软雅黑" pitchFamily="34" charset="-122"/>
-                <a:ea typeface="微软雅黑" pitchFamily="34" charset="-122"/>
-              </a:rPr>
-              <a:t>SDK</a:t>
-            </a:r>
-            <a:r>
-              <a:rPr lang="zh-CN" altLang="en-US" sz="1600" smtClean="0">
-                <a:solidFill>
-                  <a:srgbClr val="FF0000"/>
-                </a:solidFill>
-                <a:latin typeface="微软雅黑" pitchFamily="34" charset="-122"/>
-                <a:ea typeface="微软雅黑" pitchFamily="34" charset="-122"/>
-              </a:rPr>
-              <a:t>进行资源安全加密压缩和打包处理，同时完成版本控制。基于</a:t>
-            </a:r>
-            <a:r>
-              <a:rPr lang="en-US" altLang="zh-CN" sz="1600" smtClean="0">
-                <a:solidFill>
-                  <a:srgbClr val="FF0000"/>
-                </a:solidFill>
-                <a:latin typeface="微软雅黑" pitchFamily="34" charset="-122"/>
-                <a:ea typeface="微软雅黑" pitchFamily="34" charset="-122"/>
-              </a:rPr>
-              <a:t>P2P</a:t>
-            </a:r>
-            <a:r>
-              <a:rPr lang="zh-CN" altLang="en-US" sz="1600" smtClean="0">
-                <a:solidFill>
-                  <a:srgbClr val="FF0000"/>
-                </a:solidFill>
-                <a:latin typeface="微软雅黑" pitchFamily="34" charset="-122"/>
-                <a:ea typeface="微软雅黑" pitchFamily="34" charset="-122"/>
-              </a:rPr>
-              <a:t>协议实现资源分发和数据交换。</a:t>
-            </a:r>
-            <a:endParaRPr lang="en-US" altLang="zh-CN" sz="1600" smtClean="0">
-              <a:solidFill>
-                <a:srgbClr val="FF0000"/>
-              </a:solidFill>
-              <a:latin typeface="微软雅黑" pitchFamily="34" charset="-122"/>
-              <a:ea typeface="微软雅黑" pitchFamily="34" charset="-122"/>
-            </a:endParaRPr>
-          </a:p>
-          <a:p>
-            <a:pPr marL="514350" indent="-514350">
-              <a:lnSpc>
-                <a:spcPct val="150000"/>
-              </a:lnSpc>
-              <a:buFont typeface="Wingdings" pitchFamily="2" charset="2"/>
-              <a:buChar char="l"/>
-            </a:pPr>
-            <a:r>
-              <a:rPr lang="zh-CN" altLang="en-US" sz="1600">
-                <a:solidFill>
-                  <a:srgbClr val="FF0000"/>
-                </a:solidFill>
-                <a:latin typeface="微软雅黑" pitchFamily="34" charset="-122"/>
-                <a:ea typeface="微软雅黑" pitchFamily="34" charset="-122"/>
-              </a:rPr>
-              <a:t>待支持多个标准体系的编码映射。</a:t>
-            </a:r>
-          </a:p>
-          <a:p>
-            <a:pPr marL="514350" indent="-514350">
-              <a:lnSpc>
-                <a:spcPct val="150000"/>
-              </a:lnSpc>
-              <a:buFont typeface="Wingdings" pitchFamily="2" charset="2"/>
-              <a:buChar char="l"/>
-            </a:pPr>
-            <a:r>
-              <a:rPr lang="zh-CN" altLang="en-US" sz="1600">
-                <a:solidFill>
-                  <a:srgbClr val="FF0000"/>
-                </a:solidFill>
-                <a:latin typeface="微软雅黑" pitchFamily="34" charset="-122"/>
-                <a:ea typeface="微软雅黑" pitchFamily="34" charset="-122"/>
-              </a:rPr>
-              <a:t>待支持分类纬度的自定义扩</a:t>
-            </a:r>
-            <a:r>
-              <a:rPr lang="zh-CN" altLang="en-US" sz="1600">
-                <a:solidFill>
-                  <a:srgbClr val="FF0000"/>
-                </a:solidFill>
-                <a:latin typeface="微软雅黑" pitchFamily="34" charset="-122"/>
-                <a:ea typeface="微软雅黑" pitchFamily="34" charset="-122"/>
-              </a:rPr>
-              <a:t>展</a:t>
-            </a:r>
-            <a:r>
-              <a:rPr lang="zh-CN" altLang="en-US" sz="1600" smtClean="0">
-                <a:solidFill>
-                  <a:srgbClr val="FF0000"/>
-                </a:solidFill>
-                <a:latin typeface="微软雅黑" pitchFamily="34" charset="-122"/>
-                <a:ea typeface="微软雅黑" pitchFamily="34" charset="-122"/>
-              </a:rPr>
-              <a:t>。</a:t>
-            </a:r>
-            <a:endParaRPr lang="en-US" altLang="zh-CN" sz="1600" smtClean="0">
-              <a:solidFill>
-                <a:srgbClr val="FF0000"/>
-              </a:solidFill>
-              <a:latin typeface="微软雅黑" pitchFamily="34" charset="-122"/>
-              <a:ea typeface="微软雅黑" pitchFamily="34" charset="-122"/>
-            </a:endParaRPr>
-          </a:p>
-          <a:p>
-            <a:pPr marL="514350" indent="-514350">
-              <a:lnSpc>
-                <a:spcPct val="150000"/>
-              </a:lnSpc>
-              <a:buFont typeface="Wingdings" pitchFamily="2" charset="2"/>
-              <a:buChar char="l"/>
-            </a:pPr>
-            <a:r>
-              <a:rPr lang="zh-CN" altLang="en-US" sz="1600">
-                <a:solidFill>
-                  <a:srgbClr val="FF0000"/>
-                </a:solidFill>
-                <a:latin typeface="微软雅黑" pitchFamily="34" charset="-122"/>
-                <a:ea typeface="微软雅黑" pitchFamily="34" charset="-122"/>
-              </a:rPr>
               <a:t>支持根据教学理论和实践模型［</a:t>
             </a:r>
             <a:r>
@@ -5897,17 +6679,7 @@
                 <a:latin typeface="微软雅黑" pitchFamily="34" charset="-122"/>
                 <a:ea typeface="微软雅黑" pitchFamily="34" charset="-122"/>
               </a:rPr>
-              <a:t>智能组装课件和学件，提升教师的教学设计能</a:t>
-            </a:r>
-            <a:r>
-              <a:rPr lang="zh-CN" altLang="en-US" sz="1600">
-                <a:solidFill>
-                  <a:srgbClr val="FF0000"/>
-                </a:solidFill>
-                <a:latin typeface="微软雅黑" pitchFamily="34" charset="-122"/>
-                <a:ea typeface="微软雅黑" pitchFamily="34" charset="-122"/>
-              </a:rPr>
-              <a:t>力</a:t>
+              <a:t>智能组装课件和学件，提升教师的教学设计能力</a:t>
             </a:r>
             <a:r>
               <a:rPr lang="zh-CN" altLang="en-US" sz="1600" smtClean="0">
@@ -5975,7 +6747,7 @@
 </p:sld>
 </file>
 
-<file path=ppt/slides/slide13.xml><?xml version="1.0" encoding="utf-8"?>
+<file path=ppt/slides/slide17.xml><?xml version="1.0" encoding="utf-8"?>
 <p:sld xmlns:a="http://schemas.openxmlformats.org/drawingml/2006/main" xmlns:r="http://schemas.openxmlformats.org/officeDocument/2006/relationships" xmlns:p="http://schemas.openxmlformats.org/presentationml/2006/main">
   <p:cSld>
     <p:spTree>
@@ -6033,7 +6805,7 @@
             <a:fld id="{E2531F13-3D55-48F5-9D66-4D113F3EC470}" type="slidenum">
               <a:rPr lang="zh-CN" altLang="en-US" smtClean="0"/>
               <a:pPr/>
-              <a:t>13</a:t>
+              <a:t>17</a:t>
             </a:fld>
             <a:endParaRPr lang="zh-CN" altLang="en-US" dirty="0"/>
           </a:p>
@@ -6133,7 +6905,7 @@
 </p:sld>
 </file>
 
-<file path=ppt/slides/slide14.xml><?xml version="1.0" encoding="utf-8"?>
+<file path=ppt/slides/slide18.xml><?xml version="1.0" encoding="utf-8"?>
 <p:sld xmlns:a="http://schemas.openxmlformats.org/drawingml/2006/main" xmlns:r="http://schemas.openxmlformats.org/officeDocument/2006/relationships" xmlns:p="http://schemas.openxmlformats.org/presentationml/2006/main">
   <p:cSld>
     <p:spTree>
@@ -6191,7 +6963,7 @@
             <a:fld id="{E2531F13-3D55-48F5-9D66-4D113F3EC470}" type="slidenum">
               <a:rPr lang="zh-CN" altLang="en-US" smtClean="0"/>
               <a:pPr/>
-              <a:t>14</a:t>
+              <a:t>18</a:t>
             </a:fld>
             <a:endParaRPr lang="zh-CN" altLang="en-US" dirty="0"/>
           </a:p>
@@ -7527,7 +8299,7 @@
 </p:sld>
 </file>
 
-<file path=ppt/slides/slide15.xml><?xml version="1.0" encoding="utf-8"?>
+<file path=ppt/slides/slide19.xml><?xml version="1.0" encoding="utf-8"?>
 <p:sld xmlns:a="http://schemas.openxmlformats.org/drawingml/2006/main" xmlns:r="http://schemas.openxmlformats.org/officeDocument/2006/relationships" xmlns:p="http://schemas.openxmlformats.org/presentationml/2006/main">
   <p:cSld>
     <p:spTree>
@@ -7585,7 +8357,7 @@
             <a:fld id="{E2531F13-3D55-48F5-9D66-4D113F3EC470}" type="slidenum">
               <a:rPr lang="zh-CN" altLang="en-US" smtClean="0"/>
               <a:pPr/>
-              <a:t>15</a:t>
+              <a:t>19</a:t>
             </a:fld>
             <a:endParaRPr lang="zh-CN" altLang="en-US" dirty="0"/>
           </a:p>
@@ -8310,7 +9082,17 @@
                 <a:latin typeface="微软雅黑" pitchFamily="34" charset="-122"/>
                 <a:ea typeface="微软雅黑" pitchFamily="34" charset="-122"/>
               </a:rPr>
-              <a:t>资源库的目标规划</a:t>
+              <a:t>资源库</a:t>
+            </a:r>
+            <a:r>
+              <a:rPr lang="zh-CN" altLang="en-US" sz="3600" smtClean="0">
+                <a:solidFill>
+                  <a:schemeClr val="bg1"/>
+                </a:solidFill>
+                <a:latin typeface="微软雅黑" pitchFamily="34" charset="-122"/>
+                <a:ea typeface="微软雅黑" pitchFamily="34" charset="-122"/>
+              </a:rPr>
+              <a:t>的分布式多点部署和传输特性</a:t>
             </a:r>
             <a:endParaRPr lang="zh-CN" altLang="en-US" sz="3600" b="1" dirty="0">
               <a:latin typeface="微软雅黑" pitchFamily="34" charset="-122"/>
@@ -8355,7 +9137,27 @@
                 <a:latin typeface="微软雅黑" pitchFamily="34" charset="-122"/>
                 <a:ea typeface="微软雅黑" pitchFamily="34" charset="-122"/>
               </a:rPr>
-              <a:t>分布式部署</a:t>
+              <a:t>全球对等分</a:t>
+            </a:r>
+            <a:r>
+              <a:rPr lang="zh-CN" altLang="en-US" sz="2000" smtClean="0">
+                <a:solidFill>
+                  <a:schemeClr val="bg1"/>
+                </a:solidFill>
+                <a:latin typeface="微软雅黑" pitchFamily="34" charset="-122"/>
+                <a:ea typeface="微软雅黑" pitchFamily="34" charset="-122"/>
+              </a:rPr>
+              <a:t>布式部</a:t>
+            </a:r>
+            <a:r>
+              <a:rPr lang="zh-CN" altLang="en-US" sz="2000" smtClean="0">
+                <a:solidFill>
+                  <a:schemeClr val="bg1"/>
+                </a:solidFill>
+                <a:latin typeface="微软雅黑" pitchFamily="34" charset="-122"/>
+                <a:ea typeface="微软雅黑" pitchFamily="34" charset="-122"/>
+              </a:rPr>
+              <a:t>署</a:t>
             </a:r>
             <a:endParaRPr lang="en-US" altLang="zh-CN" sz="2000" smtClean="0">
               <a:solidFill>
@@ -8381,7 +9183,17 @@
                 <a:latin typeface="微软雅黑" pitchFamily="34" charset="-122"/>
                 <a:ea typeface="微软雅黑" pitchFamily="34" charset="-122"/>
               </a:rPr>
-              <a:t>异步数据交换</a:t>
+              <a:t>对等节点异</a:t>
+            </a:r>
+            <a:r>
+              <a:rPr lang="zh-CN" altLang="en-US" sz="2000" smtClean="0">
+                <a:solidFill>
+                  <a:schemeClr val="bg1"/>
+                </a:solidFill>
+                <a:latin typeface="微软雅黑" pitchFamily="34" charset="-122"/>
+                <a:ea typeface="微软雅黑" pitchFamily="34" charset="-122"/>
+              </a:rPr>
+              <a:t>步数据交换</a:t>
             </a:r>
             <a:endParaRPr lang="en-US" altLang="zh-CN" sz="2000" smtClean="0">
               <a:solidFill>
@@ -8407,7 +9219,17 @@
                 <a:latin typeface="微软雅黑" pitchFamily="34" charset="-122"/>
                 <a:ea typeface="微软雅黑" pitchFamily="34" charset="-122"/>
               </a:rPr>
-              <a:t>资源共建共享</a:t>
+              <a:t>资源共建共</a:t>
+            </a:r>
+            <a:r>
+              <a:rPr lang="zh-CN" altLang="en-US" sz="2000" smtClean="0">
+                <a:solidFill>
+                  <a:schemeClr val="bg1"/>
+                </a:solidFill>
+                <a:latin typeface="微软雅黑" pitchFamily="34" charset="-122"/>
+                <a:ea typeface="微软雅黑" pitchFamily="34" charset="-122"/>
+              </a:rPr>
+              <a:t>享策略</a:t>
             </a:r>
             <a:endParaRPr lang="en-US" altLang="zh-CN" sz="2000" smtClean="0">
               <a:solidFill>
@@ -8433,7 +9255,7 @@
                 <a:latin typeface="微软雅黑" pitchFamily="34" charset="-122"/>
                 <a:ea typeface="微软雅黑" pitchFamily="34" charset="-122"/>
               </a:rPr>
-              <a:t>安全的，快速的全球资源库</a:t>
+              <a:t>安全性：传输安全，访问安全，权限控制</a:t>
             </a:r>
             <a:endParaRPr lang="en-US" altLang="zh-CN" sz="2000" dirty="0" smtClean="0">
               <a:solidFill>
@@ -8787,7 +9609,21 @@
                 <a:latin typeface="微软雅黑" pitchFamily="34" charset="-122"/>
                 <a:ea typeface="微软雅黑" pitchFamily="34" charset="-122"/>
               </a:rPr>
-              <a:t>资源库垂直部署和应用结构</a:t>
+              <a:t>资源库垂</a:t>
+            </a:r>
+            <a:r>
+              <a:rPr lang="zh-CN" altLang="en-US" sz="3600" b="1" smtClean="0">
+                <a:latin typeface="微软雅黑" pitchFamily="34" charset="-122"/>
+                <a:ea typeface="微软雅黑" pitchFamily="34" charset="-122"/>
+              </a:rPr>
+              <a:t>直应用部署结</a:t>
+            </a:r>
+            <a:r>
+              <a:rPr lang="zh-CN" altLang="en-US" sz="3600" b="1" smtClean="0">
+                <a:latin typeface="微软雅黑" pitchFamily="34" charset="-122"/>
+                <a:ea typeface="微软雅黑" pitchFamily="34" charset="-122"/>
+              </a:rPr>
+              <a:t>构</a:t>
             </a:r>
             <a:endParaRPr lang="zh-CN" altLang="en-US" sz="3600" b="1" dirty="0">
               <a:latin typeface="微软雅黑" pitchFamily="34" charset="-122"/>
@@ -9212,6 +10048,152 @@
           </a:extLst>
         </p:spPr>
       </p:pic>
+      <p:sp>
+        <p:nvSpPr>
+          <p:cNvPr id="6" name="矩形 5"/>
+          <p:cNvSpPr/>
+          <p:nvPr/>
+        </p:nvSpPr>
+        <p:spPr>
+          <a:xfrm>
+            <a:off x="551617" y="2721159"/>
+            <a:ext cx="3300346" cy="1938992"/>
+          </a:xfrm>
+          <a:prstGeom prst="rect">
+            <a:avLst/>
+          </a:prstGeom>
+        </p:spPr>
+        <p:txBody>
+          <a:bodyPr wrap="square">
+            <a:spAutoFit/>
+          </a:bodyPr>
+          <a:lstStyle/>
+          <a:p>
+            <a:pPr marL="514350" indent="-514350">
+              <a:lnSpc>
+                <a:spcPct val="150000"/>
+              </a:lnSpc>
+              <a:buFont typeface="Wingdings" pitchFamily="2" charset="2"/>
+              <a:buChar char="l"/>
+            </a:pPr>
+            <a:r>
+              <a:rPr lang="zh-CN" altLang="en-US" sz="2000">
+                <a:solidFill>
+                  <a:schemeClr val="bg1"/>
+                </a:solidFill>
+                <a:latin typeface="微软雅黑" pitchFamily="34" charset="-122"/>
+                <a:ea typeface="微软雅黑" pitchFamily="34" charset="-122"/>
+              </a:rPr>
+              <a:t>微</a:t>
+            </a:r>
+            <a:r>
+              <a:rPr lang="zh-CN" altLang="en-US" sz="2000">
+                <a:solidFill>
+                  <a:schemeClr val="bg1"/>
+                </a:solidFill>
+                <a:latin typeface="微软雅黑" pitchFamily="34" charset="-122"/>
+                <a:ea typeface="微软雅黑" pitchFamily="34" charset="-122"/>
+              </a:rPr>
+              <a:t>服</a:t>
+            </a:r>
+            <a:r>
+              <a:rPr lang="zh-CN" altLang="en-US" sz="2000" smtClean="0">
+                <a:solidFill>
+                  <a:schemeClr val="bg1"/>
+                </a:solidFill>
+                <a:latin typeface="微软雅黑" pitchFamily="34" charset="-122"/>
+                <a:ea typeface="微软雅黑" pitchFamily="34" charset="-122"/>
+              </a:rPr>
+              <a:t>务架构</a:t>
+            </a:r>
+            <a:endParaRPr lang="en-US" altLang="zh-CN" sz="2000" smtClean="0">
+              <a:solidFill>
+                <a:schemeClr val="bg1"/>
+              </a:solidFill>
+              <a:latin typeface="微软雅黑" pitchFamily="34" charset="-122"/>
+              <a:ea typeface="微软雅黑" pitchFamily="34" charset="-122"/>
+            </a:endParaRPr>
+          </a:p>
+          <a:p>
+            <a:pPr marL="514350" indent="-514350">
+              <a:lnSpc>
+                <a:spcPct val="150000"/>
+              </a:lnSpc>
+              <a:buFont typeface="Wingdings" pitchFamily="2" charset="2"/>
+              <a:buChar char="l"/>
+            </a:pPr>
+            <a:r>
+              <a:rPr lang="zh-CN" altLang="en-US" sz="2000" smtClean="0">
+                <a:solidFill>
+                  <a:schemeClr val="bg1"/>
+                </a:solidFill>
+                <a:latin typeface="微软雅黑" pitchFamily="34" charset="-122"/>
+                <a:ea typeface="微软雅黑" pitchFamily="34" charset="-122"/>
+              </a:rPr>
+              <a:t>节点管理</a:t>
+            </a:r>
+            <a:endParaRPr lang="en-US" altLang="zh-CN" sz="2000" smtClean="0">
+              <a:solidFill>
+                <a:schemeClr val="bg1"/>
+              </a:solidFill>
+              <a:latin typeface="微软雅黑" pitchFamily="34" charset="-122"/>
+              <a:ea typeface="微软雅黑" pitchFamily="34" charset="-122"/>
+            </a:endParaRPr>
+          </a:p>
+          <a:p>
+            <a:pPr marL="514350" indent="-514350">
+              <a:lnSpc>
+                <a:spcPct val="150000"/>
+              </a:lnSpc>
+              <a:buFont typeface="Wingdings" pitchFamily="2" charset="2"/>
+              <a:buChar char="l"/>
+            </a:pPr>
+            <a:r>
+              <a:rPr lang="zh-CN" altLang="en-US" sz="2000" smtClean="0">
+                <a:solidFill>
+                  <a:schemeClr val="bg1"/>
+                </a:solidFill>
+                <a:latin typeface="微软雅黑" pitchFamily="34" charset="-122"/>
+                <a:ea typeface="微软雅黑" pitchFamily="34" charset="-122"/>
+              </a:rPr>
+              <a:t>服务资源的对等设计</a:t>
+            </a:r>
+            <a:endParaRPr lang="en-US" altLang="zh-CN" sz="2000" smtClean="0">
+              <a:solidFill>
+                <a:schemeClr val="bg1"/>
+              </a:solidFill>
+              <a:latin typeface="微软雅黑" pitchFamily="34" charset="-122"/>
+              <a:ea typeface="微软雅黑" pitchFamily="34" charset="-122"/>
+            </a:endParaRPr>
+          </a:p>
+          <a:p>
+            <a:pPr marL="514350" indent="-514350">
+              <a:lnSpc>
+                <a:spcPct val="150000"/>
+              </a:lnSpc>
+              <a:buFont typeface="Wingdings" pitchFamily="2" charset="2"/>
+              <a:buChar char="l"/>
+            </a:pPr>
+            <a:r>
+              <a:rPr lang="zh-CN" altLang="en-US" sz="2000" smtClean="0">
+                <a:solidFill>
+                  <a:schemeClr val="bg1"/>
+                </a:solidFill>
+                <a:latin typeface="微软雅黑" pitchFamily="34" charset="-122"/>
+                <a:ea typeface="微软雅黑" pitchFamily="34" charset="-122"/>
+              </a:rPr>
+              <a:t>对等节点的数据交换</a:t>
+            </a:r>
+            <a:endParaRPr lang="en-US" altLang="zh-CN" sz="2000" dirty="0" smtClean="0">
+              <a:solidFill>
+                <a:schemeClr val="bg1"/>
+              </a:solidFill>
+              <a:latin typeface="微软雅黑" pitchFamily="34" charset="-122"/>
+              <a:ea typeface="微软雅黑" pitchFamily="34" charset="-122"/>
+            </a:endParaRPr>
+          </a:p>
+        </p:txBody>
+      </p:sp>
     </p:spTree>
     <p:extLst>
       <p:ext uri="{BB962C8B-B14F-4D97-AF65-F5344CB8AC3E}">
@@ -9233,6 +10215,3531 @@
 </file>
 
 <file path=ppt/slides/slide7.xml><?xml version="1.0" encoding="utf-8"?>
+<p:sld xmlns:a="http://schemas.openxmlformats.org/drawingml/2006/main" xmlns:r="http://schemas.openxmlformats.org/officeDocument/2006/relationships" xmlns:p="http://schemas.openxmlformats.org/presentationml/2006/main">
+  <p:cSld>
+    <p:spTree>
+      <p:nvGrpSpPr>
+        <p:cNvPr id="1" name=""/>
+        <p:cNvGrpSpPr/>
+        <p:nvPr/>
+      </p:nvGrpSpPr>
+      <p:grpSpPr>
+        <a:xfrm>
+          <a:off x="0" y="0"/>
+          <a:ext cx="0" cy="0"/>
+          <a:chOff x="0" y="0"/>
+          <a:chExt cx="0" cy="0"/>
+        </a:xfrm>
+      </p:grpSpPr>
+      <p:sp>
+        <p:nvSpPr>
+          <p:cNvPr id="2" name="页脚占位符 1"/>
+          <p:cNvSpPr>
+            <a:spLocks noGrp="1"/>
+          </p:cNvSpPr>
+          <p:nvPr>
+            <p:ph type="ftr" sz="quarter" idx="11"/>
+          </p:nvPr>
+        </p:nvSpPr>
+        <p:spPr/>
+        <p:txBody>
+          <a:bodyPr/>
+          <a:lstStyle/>
+          <a:p>
+            <a:r>
+              <a:rPr lang="en-US" altLang="zh-CN" smtClean="0"/>
+              <a:t>ND Engineering Institute Confidential</a:t>
+            </a:r>
+            <a:endParaRPr lang="zh-CN" altLang="en-US" dirty="0"/>
+          </a:p>
+        </p:txBody>
+      </p:sp>
+      <p:cxnSp>
+        <p:nvCxnSpPr>
+          <p:cNvPr id="32" name="直接连接符 31"/>
+          <p:cNvCxnSpPr/>
+          <p:nvPr/>
+        </p:nvCxnSpPr>
+        <p:spPr>
+          <a:xfrm rot="5400000">
+            <a:off x="43914" y="428478"/>
+            <a:ext cx="658908" cy="1"/>
+          </a:xfrm>
+          <a:prstGeom prst="line">
+            <a:avLst/>
+          </a:prstGeom>
+          <a:ln w="76200">
+            <a:solidFill>
+              <a:srgbClr val="FF0000"/>
+            </a:solidFill>
+          </a:ln>
+        </p:spPr>
+        <p:style>
+          <a:lnRef idx="1">
+            <a:schemeClr val="accent1"/>
+          </a:lnRef>
+          <a:fillRef idx="0">
+            <a:schemeClr val="accent1"/>
+          </a:fillRef>
+          <a:effectRef idx="0">
+            <a:schemeClr val="accent1"/>
+          </a:effectRef>
+          <a:fontRef idx="minor">
+            <a:schemeClr val="tx1"/>
+          </a:fontRef>
+        </p:style>
+      </p:cxnSp>
+      <p:sp>
+        <p:nvSpPr>
+          <p:cNvPr id="33" name="矩形 32"/>
+          <p:cNvSpPr/>
+          <p:nvPr/>
+        </p:nvSpPr>
+        <p:spPr>
+          <a:xfrm>
+            <a:off x="444632" y="232384"/>
+            <a:ext cx="9210505" cy="423949"/>
+          </a:xfrm>
+          <a:prstGeom prst="rect">
+            <a:avLst/>
+          </a:prstGeom>
+          <a:noFill/>
+          <a:ln>
+            <a:noFill/>
+          </a:ln>
+        </p:spPr>
+        <p:style>
+          <a:lnRef idx="2">
+            <a:schemeClr val="accent2">
+              <a:shade val="50000"/>
+            </a:schemeClr>
+          </a:lnRef>
+          <a:fillRef idx="1">
+            <a:schemeClr val="accent2"/>
+          </a:fillRef>
+          <a:effectRef idx="0">
+            <a:schemeClr val="accent2"/>
+          </a:effectRef>
+          <a:fontRef idx="minor">
+            <a:schemeClr val="lt1"/>
+          </a:fontRef>
+        </p:style>
+        <p:txBody>
+          <a:bodyPr rtlCol="0" anchor="ctr"/>
+          <a:lstStyle/>
+          <a:p>
+            <a:r>
+              <a:rPr lang="en-US" altLang="zh-CN" sz="3600" b="1" smtClean="0">
+                <a:latin typeface="微软雅黑" pitchFamily="34" charset="-122"/>
+                <a:ea typeface="微软雅黑" pitchFamily="34" charset="-122"/>
+              </a:rPr>
+              <a:t>ND</a:t>
+            </a:r>
+            <a:r>
+              <a:rPr lang="zh-CN" altLang="en-US" sz="3600" b="1" smtClean="0">
+                <a:latin typeface="微软雅黑" pitchFamily="34" charset="-122"/>
+                <a:ea typeface="微软雅黑" pitchFamily="34" charset="-122"/>
+              </a:rPr>
+              <a:t>资源</a:t>
+            </a:r>
+            <a:r>
+              <a:rPr lang="zh-CN" altLang="en-US" sz="3600" b="1" smtClean="0">
+                <a:latin typeface="微软雅黑" pitchFamily="34" charset="-122"/>
+                <a:ea typeface="微软雅黑" pitchFamily="34" charset="-122"/>
+              </a:rPr>
+              <a:t>库分布式数据加载机制</a:t>
+            </a:r>
+            <a:endParaRPr lang="zh-CN" altLang="en-US" sz="3600" b="1" dirty="0">
+              <a:latin typeface="微软雅黑" pitchFamily="34" charset="-122"/>
+              <a:ea typeface="微软雅黑" pitchFamily="34" charset="-122"/>
+            </a:endParaRPr>
+          </a:p>
+        </p:txBody>
+      </p:sp>
+      <p:pic>
+        <p:nvPicPr>
+          <p:cNvPr id="5" name="图片 4"/>
+          <p:cNvPicPr>
+            <a:picLocks noChangeAspect="1"/>
+          </p:cNvPicPr>
+          <p:nvPr/>
+        </p:nvPicPr>
+        <p:blipFill>
+          <a:blip r:embed="rId2" cstate="print">
+            <a:extLst>
+              <a:ext uri="{28A0092B-C50C-407E-A947-70E740481C1C}">
+                <a14:useLocalDpi xmlns:a14="http://schemas.microsoft.com/office/drawing/2010/main" val="0"/>
+              </a:ext>
+            </a:extLst>
+          </a:blip>
+          <a:stretch>
+            <a:fillRect/>
+          </a:stretch>
+        </p:blipFill>
+        <p:spPr>
+          <a:xfrm>
+            <a:off x="259309" y="824112"/>
+            <a:ext cx="11932691" cy="6053591"/>
+          </a:xfrm>
+          <a:prstGeom prst="rect">
+            <a:avLst/>
+          </a:prstGeom>
+        </p:spPr>
+      </p:pic>
+      <p:sp>
+        <p:nvSpPr>
+          <p:cNvPr id="6" name="流程图: 磁盘 5"/>
+          <p:cNvSpPr/>
+          <p:nvPr/>
+        </p:nvSpPr>
+        <p:spPr>
+          <a:xfrm>
+            <a:off x="9545489" y="2676088"/>
+            <a:ext cx="109648" cy="234892"/>
+          </a:xfrm>
+          <a:prstGeom prst="flowChartMagneticDisk">
+            <a:avLst/>
+          </a:prstGeom>
+        </p:spPr>
+        <p:style>
+          <a:lnRef idx="2">
+            <a:schemeClr val="accent1">
+              <a:shade val="50000"/>
+            </a:schemeClr>
+          </a:lnRef>
+          <a:fillRef idx="1">
+            <a:schemeClr val="accent1"/>
+          </a:fillRef>
+          <a:effectRef idx="0">
+            <a:schemeClr val="accent1"/>
+          </a:effectRef>
+          <a:fontRef idx="minor">
+            <a:schemeClr val="lt1"/>
+          </a:fontRef>
+        </p:style>
+        <p:txBody>
+          <a:bodyPr rtlCol="0" anchor="ctr"/>
+          <a:lstStyle/>
+          <a:p>
+            <a:pPr algn="ctr"/>
+            <a:endParaRPr lang="zh-CN" altLang="en-US"/>
+          </a:p>
+        </p:txBody>
+      </p:sp>
+      <p:sp>
+        <p:nvSpPr>
+          <p:cNvPr id="7" name="流程图: 磁盘 6"/>
+          <p:cNvSpPr/>
+          <p:nvPr/>
+        </p:nvSpPr>
+        <p:spPr>
+          <a:xfrm>
+            <a:off x="8623883" y="2273416"/>
+            <a:ext cx="58723" cy="201335"/>
+          </a:xfrm>
+          <a:prstGeom prst="flowChartMagneticDisk">
+            <a:avLst/>
+          </a:prstGeom>
+        </p:spPr>
+        <p:style>
+          <a:lnRef idx="2">
+            <a:schemeClr val="accent1">
+              <a:shade val="50000"/>
+            </a:schemeClr>
+          </a:lnRef>
+          <a:fillRef idx="1">
+            <a:schemeClr val="accent1"/>
+          </a:fillRef>
+          <a:effectRef idx="0">
+            <a:schemeClr val="accent1"/>
+          </a:effectRef>
+          <a:fontRef idx="minor">
+            <a:schemeClr val="lt1"/>
+          </a:fontRef>
+        </p:style>
+        <p:txBody>
+          <a:bodyPr rtlCol="0" anchor="ctr"/>
+          <a:lstStyle/>
+          <a:p>
+            <a:pPr algn="ctr"/>
+            <a:endParaRPr lang="zh-CN" altLang="en-US"/>
+          </a:p>
+        </p:txBody>
+      </p:sp>
+      <p:sp>
+        <p:nvSpPr>
+          <p:cNvPr id="15" name="矩形标注 14"/>
+          <p:cNvSpPr/>
+          <p:nvPr/>
+        </p:nvSpPr>
+        <p:spPr>
+          <a:xfrm>
+            <a:off x="10070123" y="2767434"/>
+            <a:ext cx="895794" cy="230823"/>
+          </a:xfrm>
+          <a:prstGeom prst="wedgeRectCallout">
+            <a:avLst>
+              <a:gd name="adj1" fmla="val -86948"/>
+              <a:gd name="adj2" fmla="val -25557"/>
+            </a:avLst>
+          </a:prstGeom>
+        </p:spPr>
+        <p:style>
+          <a:lnRef idx="2">
+            <a:schemeClr val="accent1">
+              <a:shade val="50000"/>
+            </a:schemeClr>
+          </a:lnRef>
+          <a:fillRef idx="1">
+            <a:schemeClr val="accent1"/>
+          </a:fillRef>
+          <a:effectRef idx="0">
+            <a:schemeClr val="accent1"/>
+          </a:effectRef>
+          <a:fontRef idx="minor">
+            <a:schemeClr val="lt1"/>
+          </a:fontRef>
+        </p:style>
+        <p:txBody>
+          <a:bodyPr rtlCol="0" anchor="ctr"/>
+          <a:lstStyle/>
+          <a:p>
+            <a:pPr algn="ctr"/>
+            <a:r>
+              <a:rPr lang="en-US" altLang="zh-CN" sz="1200" smtClean="0"/>
+              <a:t>ND</a:t>
+            </a:r>
+            <a:r>
+              <a:rPr lang="zh-CN" altLang="en-US" sz="1200" smtClean="0"/>
+              <a:t>资源库</a:t>
+            </a:r>
+            <a:endParaRPr lang="zh-CN" altLang="en-US" sz="1200"/>
+          </a:p>
+        </p:txBody>
+      </p:sp>
+      <p:sp>
+        <p:nvSpPr>
+          <p:cNvPr id="16" name="流程图: 磁盘 15"/>
+          <p:cNvSpPr/>
+          <p:nvPr/>
+        </p:nvSpPr>
+        <p:spPr>
+          <a:xfrm>
+            <a:off x="3129093" y="2328409"/>
+            <a:ext cx="159391" cy="292683"/>
+          </a:xfrm>
+          <a:prstGeom prst="flowChartMagneticDisk">
+            <a:avLst/>
+          </a:prstGeom>
+          <a:solidFill>
+            <a:srgbClr val="FE5A3E"/>
+          </a:solidFill>
+          <a:ln>
+            <a:solidFill>
+              <a:schemeClr val="accent2">
+                <a:lumMod val="75000"/>
+              </a:schemeClr>
+            </a:solidFill>
+          </a:ln>
+        </p:spPr>
+        <p:style>
+          <a:lnRef idx="2">
+            <a:schemeClr val="accent1">
+              <a:shade val="50000"/>
+            </a:schemeClr>
+          </a:lnRef>
+          <a:fillRef idx="1">
+            <a:schemeClr val="accent1"/>
+          </a:fillRef>
+          <a:effectRef idx="0">
+            <a:schemeClr val="accent1"/>
+          </a:effectRef>
+          <a:fontRef idx="minor">
+            <a:schemeClr val="lt1"/>
+          </a:fontRef>
+        </p:style>
+        <p:txBody>
+          <a:bodyPr rtlCol="0" anchor="ctr"/>
+          <a:lstStyle/>
+          <a:p>
+            <a:pPr algn="ctr"/>
+            <a:endParaRPr lang="zh-CN" altLang="en-US"/>
+          </a:p>
+        </p:txBody>
+      </p:sp>
+      <p:sp>
+        <p:nvSpPr>
+          <p:cNvPr id="17" name="流程图: 磁盘 16"/>
+          <p:cNvSpPr/>
+          <p:nvPr/>
+        </p:nvSpPr>
+        <p:spPr>
+          <a:xfrm>
+            <a:off x="8344573" y="2866743"/>
+            <a:ext cx="167780" cy="263027"/>
+          </a:xfrm>
+          <a:prstGeom prst="flowChartMagneticDisk">
+            <a:avLst/>
+          </a:prstGeom>
+          <a:solidFill>
+            <a:schemeClr val="accent4">
+              <a:lumMod val="75000"/>
+            </a:schemeClr>
+          </a:solidFill>
+        </p:spPr>
+        <p:style>
+          <a:lnRef idx="2">
+            <a:schemeClr val="accent1">
+              <a:shade val="50000"/>
+            </a:schemeClr>
+          </a:lnRef>
+          <a:fillRef idx="1">
+            <a:schemeClr val="accent1"/>
+          </a:fillRef>
+          <a:effectRef idx="0">
+            <a:schemeClr val="accent1"/>
+          </a:effectRef>
+          <a:fontRef idx="minor">
+            <a:schemeClr val="lt1"/>
+          </a:fontRef>
+        </p:style>
+        <p:txBody>
+          <a:bodyPr rtlCol="0" anchor="ctr"/>
+          <a:lstStyle/>
+          <a:p>
+            <a:pPr algn="ctr"/>
+            <a:endParaRPr lang="zh-CN" altLang="en-US"/>
+          </a:p>
+        </p:txBody>
+      </p:sp>
+      <p:cxnSp>
+        <p:nvCxnSpPr>
+          <p:cNvPr id="39" name="曲线连接符 38"/>
+          <p:cNvCxnSpPr>
+            <a:stCxn id="6" idx="1"/>
+          </p:cNvCxnSpPr>
+          <p:nvPr/>
+        </p:nvCxnSpPr>
+        <p:spPr>
+          <a:xfrm rot="16200000" flipV="1">
+            <a:off x="8990458" y="2066232"/>
+            <a:ext cx="302005" cy="917707"/>
+          </a:xfrm>
+          <a:prstGeom prst="curvedConnector2">
+            <a:avLst/>
+          </a:prstGeom>
+          <a:ln>
+            <a:tailEnd type="triangle"/>
+          </a:ln>
+        </p:spPr>
+        <p:style>
+          <a:lnRef idx="3">
+            <a:schemeClr val="accent4"/>
+          </a:lnRef>
+          <a:fillRef idx="0">
+            <a:schemeClr val="accent4"/>
+          </a:fillRef>
+          <a:effectRef idx="2">
+            <a:schemeClr val="accent4"/>
+          </a:effectRef>
+          <a:fontRef idx="minor">
+            <a:schemeClr val="tx1"/>
+          </a:fontRef>
+        </p:style>
+      </p:cxnSp>
+      <p:cxnSp>
+        <p:nvCxnSpPr>
+          <p:cNvPr id="41" name="曲线连接符 40"/>
+          <p:cNvCxnSpPr>
+            <a:endCxn id="17" idx="3"/>
+          </p:cNvCxnSpPr>
+          <p:nvPr/>
+        </p:nvCxnSpPr>
+        <p:spPr>
+          <a:xfrm rot="10800000" flipV="1">
+            <a:off x="8428463" y="2866742"/>
+            <a:ext cx="1226674" cy="263027"/>
+          </a:xfrm>
+          <a:prstGeom prst="curvedConnector4">
+            <a:avLst>
+              <a:gd name="adj1" fmla="val 46581"/>
+              <a:gd name="adj2" fmla="val 186911"/>
+            </a:avLst>
+          </a:prstGeom>
+          <a:ln>
+            <a:tailEnd type="triangle"/>
+          </a:ln>
+        </p:spPr>
+        <p:style>
+          <a:lnRef idx="3">
+            <a:schemeClr val="accent4"/>
+          </a:lnRef>
+          <a:fillRef idx="0">
+            <a:schemeClr val="accent4"/>
+          </a:fillRef>
+          <a:effectRef idx="2">
+            <a:schemeClr val="accent4"/>
+          </a:effectRef>
+          <a:fontRef idx="minor">
+            <a:schemeClr val="tx1"/>
+          </a:fontRef>
+        </p:style>
+      </p:cxnSp>
+      <p:cxnSp>
+        <p:nvCxnSpPr>
+          <p:cNvPr id="43" name="曲线连接符 42"/>
+          <p:cNvCxnSpPr>
+            <a:stCxn id="16" idx="4"/>
+            <a:endCxn id="17" idx="1"/>
+          </p:cNvCxnSpPr>
+          <p:nvPr/>
+        </p:nvCxnSpPr>
+        <p:spPr>
+          <a:xfrm>
+            <a:off x="3288484" y="2474751"/>
+            <a:ext cx="5139979" cy="391992"/>
+          </a:xfrm>
+          <a:prstGeom prst="curvedConnector2">
+            <a:avLst/>
+          </a:prstGeom>
+          <a:ln>
+            <a:tailEnd type="triangle"/>
+          </a:ln>
+        </p:spPr>
+        <p:style>
+          <a:lnRef idx="3">
+            <a:schemeClr val="accent4"/>
+          </a:lnRef>
+          <a:fillRef idx="0">
+            <a:schemeClr val="accent4"/>
+          </a:fillRef>
+          <a:effectRef idx="2">
+            <a:schemeClr val="accent4"/>
+          </a:effectRef>
+          <a:fontRef idx="minor">
+            <a:schemeClr val="tx1"/>
+          </a:fontRef>
+        </p:style>
+      </p:cxnSp>
+      <p:cxnSp>
+        <p:nvCxnSpPr>
+          <p:cNvPr id="45" name="曲线连接符 44"/>
+          <p:cNvCxnSpPr>
+            <a:endCxn id="6" idx="3"/>
+          </p:cNvCxnSpPr>
+          <p:nvPr/>
+        </p:nvCxnSpPr>
+        <p:spPr>
+          <a:xfrm>
+            <a:off x="3208788" y="2621093"/>
+            <a:ext cx="6391525" cy="289887"/>
+          </a:xfrm>
+          <a:prstGeom prst="curvedConnector4">
+            <a:avLst>
+              <a:gd name="adj1" fmla="val 29227"/>
+              <a:gd name="adj2" fmla="val 656348"/>
+            </a:avLst>
+          </a:prstGeom>
+          <a:ln>
+            <a:tailEnd type="triangle"/>
+          </a:ln>
+        </p:spPr>
+        <p:style>
+          <a:lnRef idx="3">
+            <a:schemeClr val="accent4"/>
+          </a:lnRef>
+          <a:fillRef idx="0">
+            <a:schemeClr val="accent4"/>
+          </a:fillRef>
+          <a:effectRef idx="2">
+            <a:schemeClr val="accent4"/>
+          </a:effectRef>
+          <a:fontRef idx="minor">
+            <a:schemeClr val="tx1"/>
+          </a:fontRef>
+        </p:style>
+      </p:cxnSp>
+      <p:cxnSp>
+        <p:nvCxnSpPr>
+          <p:cNvPr id="52" name="曲线连接符 51"/>
+          <p:cNvCxnSpPr>
+            <a:stCxn id="7" idx="1"/>
+            <a:endCxn id="16" idx="0"/>
+          </p:cNvCxnSpPr>
+          <p:nvPr/>
+        </p:nvCxnSpPr>
+        <p:spPr>
+          <a:xfrm rot="16200000" flipH="1" flipV="1">
+            <a:off x="5854740" y="-372535"/>
+            <a:ext cx="152554" cy="5444456"/>
+          </a:xfrm>
+          <a:prstGeom prst="curvedConnector3">
+            <a:avLst>
+              <a:gd name="adj1" fmla="val -452296"/>
+            </a:avLst>
+          </a:prstGeom>
+          <a:ln>
+            <a:tailEnd type="triangle"/>
+          </a:ln>
+        </p:spPr>
+        <p:style>
+          <a:lnRef idx="3">
+            <a:schemeClr val="accent4"/>
+          </a:lnRef>
+          <a:fillRef idx="0">
+            <a:schemeClr val="accent4"/>
+          </a:fillRef>
+          <a:effectRef idx="2">
+            <a:schemeClr val="accent4"/>
+          </a:effectRef>
+          <a:fontRef idx="minor">
+            <a:schemeClr val="tx1"/>
+          </a:fontRef>
+        </p:style>
+      </p:cxnSp>
+      <p:sp>
+        <p:nvSpPr>
+          <p:cNvPr id="54" name="线形标注 1(带强调线) 53"/>
+          <p:cNvSpPr/>
+          <p:nvPr/>
+        </p:nvSpPr>
+        <p:spPr>
+          <a:xfrm>
+            <a:off x="8838038" y="1571280"/>
+            <a:ext cx="914400" cy="247650"/>
+          </a:xfrm>
+          <a:prstGeom prst="accentCallout1">
+            <a:avLst>
+              <a:gd name="adj1" fmla="val 18750"/>
+              <a:gd name="adj2" fmla="val -8333"/>
+              <a:gd name="adj3" fmla="val 277885"/>
+              <a:gd name="adj4" fmla="val -16458"/>
+            </a:avLst>
+          </a:prstGeom>
+        </p:spPr>
+        <p:style>
+          <a:lnRef idx="2">
+            <a:schemeClr val="accent1">
+              <a:shade val="50000"/>
+            </a:schemeClr>
+          </a:lnRef>
+          <a:fillRef idx="1">
+            <a:schemeClr val="accent1"/>
+          </a:fillRef>
+          <a:effectRef idx="0">
+            <a:schemeClr val="accent1"/>
+          </a:effectRef>
+          <a:fontRef idx="minor">
+            <a:schemeClr val="lt1"/>
+          </a:fontRef>
+        </p:style>
+        <p:txBody>
+          <a:bodyPr rtlCol="0" anchor="ctr"/>
+          <a:lstStyle/>
+          <a:p>
+            <a:pPr algn="ctr"/>
+            <a:r>
+              <a:rPr lang="zh-CN" altLang="en-US" sz="1100"/>
+              <a:t>省</a:t>
+            </a:r>
+            <a:r>
+              <a:rPr lang="zh-CN" altLang="en-US" sz="1100" smtClean="0"/>
+              <a:t>级中心</a:t>
+            </a:r>
+            <a:endParaRPr lang="zh-CN" altLang="en-US" sz="1100"/>
+          </a:p>
+        </p:txBody>
+      </p:sp>
+      <p:sp>
+        <p:nvSpPr>
+          <p:cNvPr id="55" name="线形标注 1(带强调线) 54"/>
+          <p:cNvSpPr/>
+          <p:nvPr/>
+        </p:nvSpPr>
+        <p:spPr>
+          <a:xfrm>
+            <a:off x="1895475" y="2003655"/>
+            <a:ext cx="952500" cy="269760"/>
+          </a:xfrm>
+          <a:prstGeom prst="accentCallout1">
+            <a:avLst>
+              <a:gd name="adj1" fmla="val 114085"/>
+              <a:gd name="adj2" fmla="val 103667"/>
+              <a:gd name="adj3" fmla="val 161933"/>
+              <a:gd name="adj4" fmla="val 130292"/>
+            </a:avLst>
+          </a:prstGeom>
+        </p:spPr>
+        <p:style>
+          <a:lnRef idx="2">
+            <a:schemeClr val="accent1">
+              <a:shade val="50000"/>
+            </a:schemeClr>
+          </a:lnRef>
+          <a:fillRef idx="1">
+            <a:schemeClr val="accent1"/>
+          </a:fillRef>
+          <a:effectRef idx="0">
+            <a:schemeClr val="accent1"/>
+          </a:effectRef>
+          <a:fontRef idx="minor">
+            <a:schemeClr val="lt1"/>
+          </a:fontRef>
+        </p:style>
+        <p:txBody>
+          <a:bodyPr rtlCol="0" anchor="ctr"/>
+          <a:lstStyle/>
+          <a:p>
+            <a:pPr algn="ctr"/>
+            <a:r>
+              <a:rPr lang="zh-CN" altLang="en-US" sz="1100"/>
+              <a:t>美</a:t>
+            </a:r>
+            <a:r>
+              <a:rPr lang="zh-CN" altLang="en-US" sz="1100" smtClean="0"/>
+              <a:t>国中心</a:t>
+            </a:r>
+            <a:endParaRPr lang="zh-CN" altLang="en-US" sz="1100"/>
+          </a:p>
+        </p:txBody>
+      </p:sp>
+      <p:sp>
+        <p:nvSpPr>
+          <p:cNvPr id="57" name="线形标注 1(带强调线) 56"/>
+          <p:cNvSpPr/>
+          <p:nvPr/>
+        </p:nvSpPr>
+        <p:spPr>
+          <a:xfrm>
+            <a:off x="7820025" y="3495675"/>
+            <a:ext cx="914400" cy="238125"/>
+          </a:xfrm>
+          <a:prstGeom prst="accentCallout1">
+            <a:avLst>
+              <a:gd name="adj1" fmla="val 18750"/>
+              <a:gd name="adj2" fmla="val -8333"/>
+              <a:gd name="adj3" fmla="val -195500"/>
+              <a:gd name="adj4" fmla="val 55417"/>
+            </a:avLst>
+          </a:prstGeom>
+        </p:spPr>
+        <p:style>
+          <a:lnRef idx="2">
+            <a:schemeClr val="accent1">
+              <a:shade val="50000"/>
+            </a:schemeClr>
+          </a:lnRef>
+          <a:fillRef idx="1">
+            <a:schemeClr val="accent1"/>
+          </a:fillRef>
+          <a:effectRef idx="0">
+            <a:schemeClr val="accent1"/>
+          </a:effectRef>
+          <a:fontRef idx="minor">
+            <a:schemeClr val="lt1"/>
+          </a:fontRef>
+        </p:style>
+        <p:txBody>
+          <a:bodyPr rtlCol="0" anchor="ctr"/>
+          <a:lstStyle/>
+          <a:p>
+            <a:pPr algn="ctr"/>
+            <a:r>
+              <a:rPr lang="zh-CN" altLang="en-US" sz="1200"/>
+              <a:t>印</a:t>
+            </a:r>
+            <a:r>
+              <a:rPr lang="zh-CN" altLang="en-US" sz="1200" smtClean="0"/>
+              <a:t>度中心</a:t>
+            </a:r>
+            <a:endParaRPr lang="zh-CN" altLang="en-US" sz="1200"/>
+          </a:p>
+        </p:txBody>
+      </p:sp>
+    </p:spTree>
+    <p:extLst>
+      <p:ext uri="{BB962C8B-B14F-4D97-AF65-F5344CB8AC3E}">
+        <p14:creationId xmlns:p14="http://schemas.microsoft.com/office/powerpoint/2010/main" val="2392205180"/>
+      </p:ext>
+    </p:extLst>
+  </p:cSld>
+  <p:clrMapOvr>
+    <a:masterClrMapping/>
+  </p:clrMapOvr>
+  <p:timing>
+    <p:tnLst>
+      <p:par>
+        <p:cTn id="1" dur="indefinite" restart="never" nodeType="tmRoot">
+          <p:childTnLst>
+            <p:seq concurrent="1" nextAc="seek">
+              <p:cTn id="2" dur="indefinite" nodeType="mainSeq">
+                <p:childTnLst>
+                  <p:par>
+                    <p:cTn id="3" fill="hold">
+                      <p:stCondLst>
+                        <p:cond delay="indefinite"/>
+                      </p:stCondLst>
+                      <p:childTnLst>
+                        <p:par>
+                          <p:cTn id="4" fill="hold">
+                            <p:stCondLst>
+                              <p:cond delay="0"/>
+                            </p:stCondLst>
+                            <p:childTnLst>
+                              <p:par>
+                                <p:cTn id="5" presetID="10" presetClass="entr" presetSubtype="0" fill="hold" grpId="0" nodeType="clickEffect">
+                                  <p:stCondLst>
+                                    <p:cond delay="0"/>
+                                  </p:stCondLst>
+                                  <p:childTnLst>
+                                    <p:set>
+                                      <p:cBhvr>
+                                        <p:cTn id="6" dur="1" fill="hold">
+                                          <p:stCondLst>
+                                            <p:cond delay="0"/>
+                                          </p:stCondLst>
+                                        </p:cTn>
+                                        <p:tgtEl>
+                                          <p:spTgt spid="54"/>
+                                        </p:tgtEl>
+                                        <p:attrNameLst>
+                                          <p:attrName>style.visibility</p:attrName>
+                                        </p:attrNameLst>
+                                      </p:cBhvr>
+                                      <p:to>
+                                        <p:strVal val="visible"/>
+                                      </p:to>
+                                    </p:set>
+                                    <p:animEffect transition="in" filter="fade">
+                                      <p:cBhvr>
+                                        <p:cTn id="7" dur="500"/>
+                                        <p:tgtEl>
+                                          <p:spTgt spid="54"/>
+                                        </p:tgtEl>
+                                      </p:cBhvr>
+                                    </p:animEffect>
+                                  </p:childTnLst>
+                                </p:cTn>
+                              </p:par>
+                            </p:childTnLst>
+                          </p:cTn>
+                        </p:par>
+                        <p:par>
+                          <p:cTn id="8" fill="hold">
+                            <p:stCondLst>
+                              <p:cond delay="500"/>
+                            </p:stCondLst>
+                            <p:childTnLst>
+                              <p:par>
+                                <p:cTn id="9" presetID="10" presetClass="entr" presetSubtype="0" fill="hold" nodeType="afterEffect">
+                                  <p:stCondLst>
+                                    <p:cond delay="0"/>
+                                  </p:stCondLst>
+                                  <p:childTnLst>
+                                    <p:set>
+                                      <p:cBhvr>
+                                        <p:cTn id="10" dur="1" fill="hold">
+                                          <p:stCondLst>
+                                            <p:cond delay="0"/>
+                                          </p:stCondLst>
+                                        </p:cTn>
+                                        <p:tgtEl>
+                                          <p:spTgt spid="39"/>
+                                        </p:tgtEl>
+                                        <p:attrNameLst>
+                                          <p:attrName>style.visibility</p:attrName>
+                                        </p:attrNameLst>
+                                      </p:cBhvr>
+                                      <p:to>
+                                        <p:strVal val="visible"/>
+                                      </p:to>
+                                    </p:set>
+                                    <p:animEffect transition="in" filter="fade">
+                                      <p:cBhvr>
+                                        <p:cTn id="11" dur="500"/>
+                                        <p:tgtEl>
+                                          <p:spTgt spid="39"/>
+                                        </p:tgtEl>
+                                      </p:cBhvr>
+                                    </p:animEffect>
+                                  </p:childTnLst>
+                                </p:cTn>
+                              </p:par>
+                            </p:childTnLst>
+                          </p:cTn>
+                        </p:par>
+                        <p:par>
+                          <p:cTn id="12" fill="hold">
+                            <p:stCondLst>
+                              <p:cond delay="1000"/>
+                            </p:stCondLst>
+                            <p:childTnLst>
+                              <p:par>
+                                <p:cTn id="13" presetID="10" presetClass="entr" presetSubtype="0" fill="hold" nodeType="afterEffect">
+                                  <p:stCondLst>
+                                    <p:cond delay="0"/>
+                                  </p:stCondLst>
+                                  <p:childTnLst>
+                                    <p:set>
+                                      <p:cBhvr>
+                                        <p:cTn id="14" dur="1" fill="hold">
+                                          <p:stCondLst>
+                                            <p:cond delay="0"/>
+                                          </p:stCondLst>
+                                        </p:cTn>
+                                        <p:tgtEl>
+                                          <p:spTgt spid="52"/>
+                                        </p:tgtEl>
+                                        <p:attrNameLst>
+                                          <p:attrName>style.visibility</p:attrName>
+                                        </p:attrNameLst>
+                                      </p:cBhvr>
+                                      <p:to>
+                                        <p:strVal val="visible"/>
+                                      </p:to>
+                                    </p:set>
+                                    <p:animEffect transition="in" filter="fade">
+                                      <p:cBhvr>
+                                        <p:cTn id="15" dur="500"/>
+                                        <p:tgtEl>
+                                          <p:spTgt spid="52"/>
+                                        </p:tgtEl>
+                                      </p:cBhvr>
+                                    </p:animEffect>
+                                  </p:childTnLst>
+                                </p:cTn>
+                              </p:par>
+                            </p:childTnLst>
+                          </p:cTn>
+                        </p:par>
+                        <p:par>
+                          <p:cTn id="16" fill="hold">
+                            <p:stCondLst>
+                              <p:cond delay="1500"/>
+                            </p:stCondLst>
+                            <p:childTnLst>
+                              <p:par>
+                                <p:cTn id="17" presetID="10" presetClass="entr" presetSubtype="0" fill="hold" grpId="0" nodeType="afterEffect">
+                                  <p:stCondLst>
+                                    <p:cond delay="0"/>
+                                  </p:stCondLst>
+                                  <p:childTnLst>
+                                    <p:set>
+                                      <p:cBhvr>
+                                        <p:cTn id="18" dur="1" fill="hold">
+                                          <p:stCondLst>
+                                            <p:cond delay="0"/>
+                                          </p:stCondLst>
+                                        </p:cTn>
+                                        <p:tgtEl>
+                                          <p:spTgt spid="16"/>
+                                        </p:tgtEl>
+                                        <p:attrNameLst>
+                                          <p:attrName>style.visibility</p:attrName>
+                                        </p:attrNameLst>
+                                      </p:cBhvr>
+                                      <p:to>
+                                        <p:strVal val="visible"/>
+                                      </p:to>
+                                    </p:set>
+                                    <p:animEffect transition="in" filter="fade">
+                                      <p:cBhvr>
+                                        <p:cTn id="19" dur="500"/>
+                                        <p:tgtEl>
+                                          <p:spTgt spid="16"/>
+                                        </p:tgtEl>
+                                      </p:cBhvr>
+                                    </p:animEffect>
+                                  </p:childTnLst>
+                                </p:cTn>
+                              </p:par>
+                            </p:childTnLst>
+                          </p:cTn>
+                        </p:par>
+                        <p:par>
+                          <p:cTn id="20" fill="hold">
+                            <p:stCondLst>
+                              <p:cond delay="2000"/>
+                            </p:stCondLst>
+                            <p:childTnLst>
+                              <p:par>
+                                <p:cTn id="21" presetID="10" presetClass="entr" presetSubtype="0" fill="hold" grpId="0" nodeType="afterEffect">
+                                  <p:stCondLst>
+                                    <p:cond delay="0"/>
+                                  </p:stCondLst>
+                                  <p:childTnLst>
+                                    <p:set>
+                                      <p:cBhvr>
+                                        <p:cTn id="22" dur="1" fill="hold">
+                                          <p:stCondLst>
+                                            <p:cond delay="0"/>
+                                          </p:stCondLst>
+                                        </p:cTn>
+                                        <p:tgtEl>
+                                          <p:spTgt spid="55"/>
+                                        </p:tgtEl>
+                                        <p:attrNameLst>
+                                          <p:attrName>style.visibility</p:attrName>
+                                        </p:attrNameLst>
+                                      </p:cBhvr>
+                                      <p:to>
+                                        <p:strVal val="visible"/>
+                                      </p:to>
+                                    </p:set>
+                                    <p:animEffect transition="in" filter="fade">
+                                      <p:cBhvr>
+                                        <p:cTn id="23" dur="500"/>
+                                        <p:tgtEl>
+                                          <p:spTgt spid="55"/>
+                                        </p:tgtEl>
+                                      </p:cBhvr>
+                                    </p:animEffect>
+                                  </p:childTnLst>
+                                </p:cTn>
+                              </p:par>
+                            </p:childTnLst>
+                          </p:cTn>
+                        </p:par>
+                        <p:par>
+                          <p:cTn id="24" fill="hold">
+                            <p:stCondLst>
+                              <p:cond delay="2500"/>
+                            </p:stCondLst>
+                            <p:childTnLst>
+                              <p:par>
+                                <p:cTn id="25" presetID="10" presetClass="entr" presetSubtype="0" fill="hold" grpId="0" nodeType="afterEffect">
+                                  <p:stCondLst>
+                                    <p:cond delay="0"/>
+                                  </p:stCondLst>
+                                  <p:childTnLst>
+                                    <p:set>
+                                      <p:cBhvr>
+                                        <p:cTn id="26" dur="1" fill="hold">
+                                          <p:stCondLst>
+                                            <p:cond delay="0"/>
+                                          </p:stCondLst>
+                                        </p:cTn>
+                                        <p:tgtEl>
+                                          <p:spTgt spid="17"/>
+                                        </p:tgtEl>
+                                        <p:attrNameLst>
+                                          <p:attrName>style.visibility</p:attrName>
+                                        </p:attrNameLst>
+                                      </p:cBhvr>
+                                      <p:to>
+                                        <p:strVal val="visible"/>
+                                      </p:to>
+                                    </p:set>
+                                    <p:animEffect transition="in" filter="fade">
+                                      <p:cBhvr>
+                                        <p:cTn id="27" dur="500"/>
+                                        <p:tgtEl>
+                                          <p:spTgt spid="17"/>
+                                        </p:tgtEl>
+                                      </p:cBhvr>
+                                    </p:animEffect>
+                                  </p:childTnLst>
+                                </p:cTn>
+                              </p:par>
+                            </p:childTnLst>
+                          </p:cTn>
+                        </p:par>
+                        <p:par>
+                          <p:cTn id="28" fill="hold">
+                            <p:stCondLst>
+                              <p:cond delay="3000"/>
+                            </p:stCondLst>
+                            <p:childTnLst>
+                              <p:par>
+                                <p:cTn id="29" presetID="1" presetClass="entr" presetSubtype="0" fill="hold" grpId="0" nodeType="afterEffect">
+                                  <p:stCondLst>
+                                    <p:cond delay="0"/>
+                                  </p:stCondLst>
+                                  <p:childTnLst>
+                                    <p:set>
+                                      <p:cBhvr>
+                                        <p:cTn id="30" dur="1" fill="hold">
+                                          <p:stCondLst>
+                                            <p:cond delay="0"/>
+                                          </p:stCondLst>
+                                        </p:cTn>
+                                        <p:tgtEl>
+                                          <p:spTgt spid="57"/>
+                                        </p:tgtEl>
+                                        <p:attrNameLst>
+                                          <p:attrName>style.visibility</p:attrName>
+                                        </p:attrNameLst>
+                                      </p:cBhvr>
+                                      <p:to>
+                                        <p:strVal val="visible"/>
+                                      </p:to>
+                                    </p:set>
+                                  </p:childTnLst>
+                                </p:cTn>
+                              </p:par>
+                            </p:childTnLst>
+                          </p:cTn>
+                        </p:par>
+                        <p:par>
+                          <p:cTn id="31" fill="hold">
+                            <p:stCondLst>
+                              <p:cond delay="3000"/>
+                            </p:stCondLst>
+                            <p:childTnLst>
+                              <p:par>
+                                <p:cTn id="32" presetID="10" presetClass="entr" presetSubtype="0" fill="hold" nodeType="afterEffect">
+                                  <p:stCondLst>
+                                    <p:cond delay="0"/>
+                                  </p:stCondLst>
+                                  <p:childTnLst>
+                                    <p:set>
+                                      <p:cBhvr>
+                                        <p:cTn id="33" dur="1" fill="hold">
+                                          <p:stCondLst>
+                                            <p:cond delay="0"/>
+                                          </p:stCondLst>
+                                        </p:cTn>
+                                        <p:tgtEl>
+                                          <p:spTgt spid="43"/>
+                                        </p:tgtEl>
+                                        <p:attrNameLst>
+                                          <p:attrName>style.visibility</p:attrName>
+                                        </p:attrNameLst>
+                                      </p:cBhvr>
+                                      <p:to>
+                                        <p:strVal val="visible"/>
+                                      </p:to>
+                                    </p:set>
+                                    <p:animEffect transition="in" filter="fade">
+                                      <p:cBhvr>
+                                        <p:cTn id="34" dur="500"/>
+                                        <p:tgtEl>
+                                          <p:spTgt spid="43"/>
+                                        </p:tgtEl>
+                                      </p:cBhvr>
+                                    </p:animEffect>
+                                  </p:childTnLst>
+                                </p:cTn>
+                              </p:par>
+                            </p:childTnLst>
+                          </p:cTn>
+                        </p:par>
+                        <p:par>
+                          <p:cTn id="35" fill="hold">
+                            <p:stCondLst>
+                              <p:cond delay="3500"/>
+                            </p:stCondLst>
+                            <p:childTnLst>
+                              <p:par>
+                                <p:cTn id="36" presetID="10" presetClass="entr" presetSubtype="0" fill="hold" nodeType="afterEffect">
+                                  <p:stCondLst>
+                                    <p:cond delay="0"/>
+                                  </p:stCondLst>
+                                  <p:childTnLst>
+                                    <p:set>
+                                      <p:cBhvr>
+                                        <p:cTn id="37" dur="1" fill="hold">
+                                          <p:stCondLst>
+                                            <p:cond delay="0"/>
+                                          </p:stCondLst>
+                                        </p:cTn>
+                                        <p:tgtEl>
+                                          <p:spTgt spid="41"/>
+                                        </p:tgtEl>
+                                        <p:attrNameLst>
+                                          <p:attrName>style.visibility</p:attrName>
+                                        </p:attrNameLst>
+                                      </p:cBhvr>
+                                      <p:to>
+                                        <p:strVal val="visible"/>
+                                      </p:to>
+                                    </p:set>
+                                    <p:animEffect transition="in" filter="fade">
+                                      <p:cBhvr>
+                                        <p:cTn id="38" dur="500"/>
+                                        <p:tgtEl>
+                                          <p:spTgt spid="41"/>
+                                        </p:tgtEl>
+                                      </p:cBhvr>
+                                    </p:animEffect>
+                                  </p:childTnLst>
+                                </p:cTn>
+                              </p:par>
+                            </p:childTnLst>
+                          </p:cTn>
+                        </p:par>
+                        <p:par>
+                          <p:cTn id="39" fill="hold">
+                            <p:stCondLst>
+                              <p:cond delay="4000"/>
+                            </p:stCondLst>
+                            <p:childTnLst>
+                              <p:par>
+                                <p:cTn id="40" presetID="10" presetClass="entr" presetSubtype="0" fill="hold" nodeType="afterEffect">
+                                  <p:stCondLst>
+                                    <p:cond delay="0"/>
+                                  </p:stCondLst>
+                                  <p:childTnLst>
+                                    <p:set>
+                                      <p:cBhvr>
+                                        <p:cTn id="41" dur="1" fill="hold">
+                                          <p:stCondLst>
+                                            <p:cond delay="0"/>
+                                          </p:stCondLst>
+                                        </p:cTn>
+                                        <p:tgtEl>
+                                          <p:spTgt spid="45"/>
+                                        </p:tgtEl>
+                                        <p:attrNameLst>
+                                          <p:attrName>style.visibility</p:attrName>
+                                        </p:attrNameLst>
+                                      </p:cBhvr>
+                                      <p:to>
+                                        <p:strVal val="visible"/>
+                                      </p:to>
+                                    </p:set>
+                                    <p:animEffect transition="in" filter="fade">
+                                      <p:cBhvr>
+                                        <p:cTn id="42" dur="500"/>
+                                        <p:tgtEl>
+                                          <p:spTgt spid="45"/>
+                                        </p:tgtEl>
+                                      </p:cBhvr>
+                                    </p:animEffect>
+                                  </p:childTnLst>
+                                </p:cTn>
+                              </p:par>
+                            </p:childTnLst>
+                          </p:cTn>
+                        </p:par>
+                      </p:childTnLst>
+                    </p:cTn>
+                  </p:par>
+                  <p:par>
+                    <p:cTn id="43" fill="hold">
+                      <p:stCondLst>
+                        <p:cond delay="indefinite"/>
+                      </p:stCondLst>
+                      <p:childTnLst>
+                        <p:par>
+                          <p:cTn id="44" fill="hold">
+                            <p:stCondLst>
+                              <p:cond delay="0"/>
+                            </p:stCondLst>
+                            <p:childTnLst>
+                              <p:par>
+                                <p:cTn id="45" presetID="1" presetClass="exit" presetSubtype="0" fill="hold" nodeType="clickEffect">
+                                  <p:stCondLst>
+                                    <p:cond delay="0"/>
+                                  </p:stCondLst>
+                                  <p:childTnLst>
+                                    <p:set>
+                                      <p:cBhvr>
+                                        <p:cTn id="46" dur="1" fill="hold">
+                                          <p:stCondLst>
+                                            <p:cond delay="0"/>
+                                          </p:stCondLst>
+                                        </p:cTn>
+                                        <p:tgtEl>
+                                          <p:spTgt spid="39"/>
+                                        </p:tgtEl>
+                                        <p:attrNameLst>
+                                          <p:attrName>style.visibility</p:attrName>
+                                        </p:attrNameLst>
+                                      </p:cBhvr>
+                                      <p:to>
+                                        <p:strVal val="hidden"/>
+                                      </p:to>
+                                    </p:set>
+                                  </p:childTnLst>
+                                </p:cTn>
+                              </p:par>
+                              <p:par>
+                                <p:cTn id="47" presetID="1" presetClass="exit" presetSubtype="0" fill="hold" nodeType="withEffect">
+                                  <p:stCondLst>
+                                    <p:cond delay="0"/>
+                                  </p:stCondLst>
+                                  <p:childTnLst>
+                                    <p:set>
+                                      <p:cBhvr>
+                                        <p:cTn id="48" dur="1" fill="hold">
+                                          <p:stCondLst>
+                                            <p:cond delay="0"/>
+                                          </p:stCondLst>
+                                        </p:cTn>
+                                        <p:tgtEl>
+                                          <p:spTgt spid="52"/>
+                                        </p:tgtEl>
+                                        <p:attrNameLst>
+                                          <p:attrName>style.visibility</p:attrName>
+                                        </p:attrNameLst>
+                                      </p:cBhvr>
+                                      <p:to>
+                                        <p:strVal val="hidden"/>
+                                      </p:to>
+                                    </p:set>
+                                  </p:childTnLst>
+                                </p:cTn>
+                              </p:par>
+                              <p:par>
+                                <p:cTn id="49" presetID="1" presetClass="exit" presetSubtype="0" fill="hold" nodeType="withEffect">
+                                  <p:stCondLst>
+                                    <p:cond delay="0"/>
+                                  </p:stCondLst>
+                                  <p:childTnLst>
+                                    <p:set>
+                                      <p:cBhvr>
+                                        <p:cTn id="50" dur="1" fill="hold">
+                                          <p:stCondLst>
+                                            <p:cond delay="0"/>
+                                          </p:stCondLst>
+                                        </p:cTn>
+                                        <p:tgtEl>
+                                          <p:spTgt spid="43"/>
+                                        </p:tgtEl>
+                                        <p:attrNameLst>
+                                          <p:attrName>style.visibility</p:attrName>
+                                        </p:attrNameLst>
+                                      </p:cBhvr>
+                                      <p:to>
+                                        <p:strVal val="hidden"/>
+                                      </p:to>
+                                    </p:set>
+                                  </p:childTnLst>
+                                </p:cTn>
+                              </p:par>
+                              <p:par>
+                                <p:cTn id="51" presetID="1" presetClass="exit" presetSubtype="0" fill="hold" nodeType="withEffect">
+                                  <p:stCondLst>
+                                    <p:cond delay="0"/>
+                                  </p:stCondLst>
+                                  <p:childTnLst>
+                                    <p:set>
+                                      <p:cBhvr>
+                                        <p:cTn id="52" dur="1" fill="hold">
+                                          <p:stCondLst>
+                                            <p:cond delay="0"/>
+                                          </p:stCondLst>
+                                        </p:cTn>
+                                        <p:tgtEl>
+                                          <p:spTgt spid="45"/>
+                                        </p:tgtEl>
+                                        <p:attrNameLst>
+                                          <p:attrName>style.visibility</p:attrName>
+                                        </p:attrNameLst>
+                                      </p:cBhvr>
+                                      <p:to>
+                                        <p:strVal val="hidden"/>
+                                      </p:to>
+                                    </p:set>
+                                  </p:childTnLst>
+                                </p:cTn>
+                              </p:par>
+                              <p:par>
+                                <p:cTn id="53" presetID="1" presetClass="exit" presetSubtype="0" fill="hold" nodeType="withEffect">
+                                  <p:stCondLst>
+                                    <p:cond delay="0"/>
+                                  </p:stCondLst>
+                                  <p:childTnLst>
+                                    <p:set>
+                                      <p:cBhvr>
+                                        <p:cTn id="54" dur="1" fill="hold">
+                                          <p:stCondLst>
+                                            <p:cond delay="0"/>
+                                          </p:stCondLst>
+                                        </p:cTn>
+                                        <p:tgtEl>
+                                          <p:spTgt spid="41"/>
+                                        </p:tgtEl>
+                                        <p:attrNameLst>
+                                          <p:attrName>style.visibility</p:attrName>
+                                        </p:attrNameLst>
+                                      </p:cBhvr>
+                                      <p:to>
+                                        <p:strVal val="hidden"/>
+                                      </p:to>
+                                    </p:set>
+                                  </p:childTnLst>
+                                </p:cTn>
+                              </p:par>
+                              <p:par>
+                                <p:cTn id="55" presetID="1" presetClass="exit" presetSubtype="0" fill="hold" nodeType="withEffect">
+                                  <p:stCondLst>
+                                    <p:cond delay="0"/>
+                                  </p:stCondLst>
+                                  <p:childTnLst>
+                                    <p:set>
+                                      <p:cBhvr>
+                                        <p:cTn id="56" dur="1" fill="hold">
+                                          <p:stCondLst>
+                                            <p:cond delay="0"/>
+                                          </p:stCondLst>
+                                        </p:cTn>
+                                        <p:tgtEl>
+                                          <p:spTgt spid="5"/>
+                                        </p:tgtEl>
+                                        <p:attrNameLst>
+                                          <p:attrName>style.visibility</p:attrName>
+                                        </p:attrNameLst>
+                                      </p:cBhvr>
+                                      <p:to>
+                                        <p:strVal val="hidden"/>
+                                      </p:to>
+                                    </p:set>
+                                  </p:childTnLst>
+                                </p:cTn>
+                              </p:par>
+                            </p:childTnLst>
+                          </p:cTn>
+                        </p:par>
+                      </p:childTnLst>
+                    </p:cTn>
+                  </p:par>
+                </p:childTnLst>
+              </p:cTn>
+              <p:prevCondLst>
+                <p:cond evt="onPrev" delay="0">
+                  <p:tgtEl>
+                    <p:sldTgt/>
+                  </p:tgtEl>
+                </p:cond>
+              </p:prevCondLst>
+              <p:nextCondLst>
+                <p:cond evt="onNext" delay="0">
+                  <p:tgtEl>
+                    <p:sldTgt/>
+                  </p:tgtEl>
+                </p:cond>
+              </p:nextCondLst>
+            </p:seq>
+          </p:childTnLst>
+        </p:cTn>
+      </p:par>
+    </p:tnLst>
+    <p:bldLst>
+      <p:bldP spid="16" grpId="0" animBg="1"/>
+      <p:bldP spid="17" grpId="0" animBg="1"/>
+      <p:bldP spid="54" grpId="0" animBg="1"/>
+      <p:bldP spid="55" grpId="0" animBg="1"/>
+      <p:bldP spid="57" grpId="0" animBg="1"/>
+    </p:bldLst>
+  </p:timing>
+</p:sld>
+</file>
+
+<file path=ppt/slides/slide8.xml><?xml version="1.0" encoding="utf-8"?>
+<p:sld xmlns:a="http://schemas.openxmlformats.org/drawingml/2006/main" xmlns:r="http://schemas.openxmlformats.org/officeDocument/2006/relationships" xmlns:p="http://schemas.openxmlformats.org/presentationml/2006/main">
+  <p:cSld>
+    <p:spTree>
+      <p:nvGrpSpPr>
+        <p:cNvPr id="1" name=""/>
+        <p:cNvGrpSpPr/>
+        <p:nvPr/>
+      </p:nvGrpSpPr>
+      <p:grpSpPr>
+        <a:xfrm>
+          <a:off x="0" y="0"/>
+          <a:ext cx="0" cy="0"/>
+          <a:chOff x="0" y="0"/>
+          <a:chExt cx="0" cy="0"/>
+        </a:xfrm>
+      </p:grpSpPr>
+      <p:sp>
+        <p:nvSpPr>
+          <p:cNvPr id="2" name="页脚占位符 1"/>
+          <p:cNvSpPr>
+            <a:spLocks noGrp="1"/>
+          </p:cNvSpPr>
+          <p:nvPr>
+            <p:ph type="ftr" sz="quarter" idx="11"/>
+          </p:nvPr>
+        </p:nvSpPr>
+        <p:spPr/>
+        <p:txBody>
+          <a:bodyPr/>
+          <a:lstStyle/>
+          <a:p>
+            <a:r>
+              <a:rPr lang="en-US" altLang="zh-CN" smtClean="0"/>
+              <a:t>ND Engineering Institute Confidential</a:t>
+            </a:r>
+            <a:endParaRPr lang="zh-CN" altLang="en-US" dirty="0"/>
+          </a:p>
+        </p:txBody>
+      </p:sp>
+      <p:cxnSp>
+        <p:nvCxnSpPr>
+          <p:cNvPr id="32" name="直接连接符 31"/>
+          <p:cNvCxnSpPr/>
+          <p:nvPr/>
+        </p:nvCxnSpPr>
+        <p:spPr>
+          <a:xfrm rot="5400000">
+            <a:off x="43914" y="428478"/>
+            <a:ext cx="658908" cy="1"/>
+          </a:xfrm>
+          <a:prstGeom prst="line">
+            <a:avLst/>
+          </a:prstGeom>
+          <a:ln w="76200">
+            <a:solidFill>
+              <a:srgbClr val="FF0000"/>
+            </a:solidFill>
+          </a:ln>
+        </p:spPr>
+        <p:style>
+          <a:lnRef idx="1">
+            <a:schemeClr val="accent1"/>
+          </a:lnRef>
+          <a:fillRef idx="0">
+            <a:schemeClr val="accent1"/>
+          </a:fillRef>
+          <a:effectRef idx="0">
+            <a:schemeClr val="accent1"/>
+          </a:effectRef>
+          <a:fontRef idx="minor">
+            <a:schemeClr val="tx1"/>
+          </a:fontRef>
+        </p:style>
+      </p:cxnSp>
+      <p:sp>
+        <p:nvSpPr>
+          <p:cNvPr id="33" name="矩形 32"/>
+          <p:cNvSpPr/>
+          <p:nvPr/>
+        </p:nvSpPr>
+        <p:spPr>
+          <a:xfrm>
+            <a:off x="444632" y="232384"/>
+            <a:ext cx="9210505" cy="423949"/>
+          </a:xfrm>
+          <a:prstGeom prst="rect">
+            <a:avLst/>
+          </a:prstGeom>
+          <a:noFill/>
+          <a:ln>
+            <a:noFill/>
+          </a:ln>
+        </p:spPr>
+        <p:style>
+          <a:lnRef idx="2">
+            <a:schemeClr val="accent2">
+              <a:shade val="50000"/>
+            </a:schemeClr>
+          </a:lnRef>
+          <a:fillRef idx="1">
+            <a:schemeClr val="accent2"/>
+          </a:fillRef>
+          <a:effectRef idx="0">
+            <a:schemeClr val="accent2"/>
+          </a:effectRef>
+          <a:fontRef idx="minor">
+            <a:schemeClr val="lt1"/>
+          </a:fontRef>
+        </p:style>
+        <p:txBody>
+          <a:bodyPr rtlCol="0" anchor="ctr"/>
+          <a:lstStyle/>
+          <a:p>
+            <a:r>
+              <a:rPr lang="en-US" altLang="zh-CN" sz="3600" b="1" smtClean="0">
+                <a:latin typeface="微软雅黑" pitchFamily="34" charset="-122"/>
+                <a:ea typeface="微软雅黑" pitchFamily="34" charset="-122"/>
+              </a:rPr>
+              <a:t>ND</a:t>
+            </a:r>
+            <a:r>
+              <a:rPr lang="zh-CN" altLang="en-US" sz="3600" b="1" smtClean="0">
+                <a:latin typeface="微软雅黑" pitchFamily="34" charset="-122"/>
+                <a:ea typeface="微软雅黑" pitchFamily="34" charset="-122"/>
+              </a:rPr>
+              <a:t>资源</a:t>
+            </a:r>
+            <a:r>
+              <a:rPr lang="zh-CN" altLang="en-US" sz="3600" b="1" smtClean="0">
+                <a:latin typeface="微软雅黑" pitchFamily="34" charset="-122"/>
+                <a:ea typeface="微软雅黑" pitchFamily="34" charset="-122"/>
+              </a:rPr>
+              <a:t>库分布式数据加载机制</a:t>
+            </a:r>
+            <a:endParaRPr lang="zh-CN" altLang="en-US" sz="3600" b="1" dirty="0">
+              <a:latin typeface="微软雅黑" pitchFamily="34" charset="-122"/>
+              <a:ea typeface="微软雅黑" pitchFamily="34" charset="-122"/>
+            </a:endParaRPr>
+          </a:p>
+        </p:txBody>
+      </p:sp>
+      <p:sp>
+        <p:nvSpPr>
+          <p:cNvPr id="6" name="流程图: 磁盘 5"/>
+          <p:cNvSpPr/>
+          <p:nvPr/>
+        </p:nvSpPr>
+        <p:spPr>
+          <a:xfrm>
+            <a:off x="9545489" y="2676088"/>
+            <a:ext cx="109648" cy="234892"/>
+          </a:xfrm>
+          <a:prstGeom prst="flowChartMagneticDisk">
+            <a:avLst/>
+          </a:prstGeom>
+        </p:spPr>
+        <p:style>
+          <a:lnRef idx="2">
+            <a:schemeClr val="accent1">
+              <a:shade val="50000"/>
+            </a:schemeClr>
+          </a:lnRef>
+          <a:fillRef idx="1">
+            <a:schemeClr val="accent1"/>
+          </a:fillRef>
+          <a:effectRef idx="0">
+            <a:schemeClr val="accent1"/>
+          </a:effectRef>
+          <a:fontRef idx="minor">
+            <a:schemeClr val="lt1"/>
+          </a:fontRef>
+        </p:style>
+        <p:txBody>
+          <a:bodyPr rtlCol="0" anchor="ctr"/>
+          <a:lstStyle/>
+          <a:p>
+            <a:pPr algn="ctr"/>
+            <a:endParaRPr lang="zh-CN" altLang="en-US"/>
+          </a:p>
+        </p:txBody>
+      </p:sp>
+      <p:sp>
+        <p:nvSpPr>
+          <p:cNvPr id="7" name="流程图: 磁盘 6"/>
+          <p:cNvSpPr/>
+          <p:nvPr/>
+        </p:nvSpPr>
+        <p:spPr>
+          <a:xfrm>
+            <a:off x="8623883" y="2273416"/>
+            <a:ext cx="58723" cy="201335"/>
+          </a:xfrm>
+          <a:prstGeom prst="flowChartMagneticDisk">
+            <a:avLst/>
+          </a:prstGeom>
+        </p:spPr>
+        <p:style>
+          <a:lnRef idx="2">
+            <a:schemeClr val="accent1">
+              <a:shade val="50000"/>
+            </a:schemeClr>
+          </a:lnRef>
+          <a:fillRef idx="1">
+            <a:schemeClr val="accent1"/>
+          </a:fillRef>
+          <a:effectRef idx="0">
+            <a:schemeClr val="accent1"/>
+          </a:effectRef>
+          <a:fontRef idx="minor">
+            <a:schemeClr val="lt1"/>
+          </a:fontRef>
+        </p:style>
+        <p:txBody>
+          <a:bodyPr rtlCol="0" anchor="ctr"/>
+          <a:lstStyle/>
+          <a:p>
+            <a:pPr algn="ctr"/>
+            <a:endParaRPr lang="zh-CN" altLang="en-US"/>
+          </a:p>
+        </p:txBody>
+      </p:sp>
+      <p:sp>
+        <p:nvSpPr>
+          <p:cNvPr id="15" name="矩形标注 14"/>
+          <p:cNvSpPr/>
+          <p:nvPr/>
+        </p:nvSpPr>
+        <p:spPr>
+          <a:xfrm>
+            <a:off x="10070123" y="2767434"/>
+            <a:ext cx="895794" cy="230823"/>
+          </a:xfrm>
+          <a:prstGeom prst="wedgeRectCallout">
+            <a:avLst>
+              <a:gd name="adj1" fmla="val -86948"/>
+              <a:gd name="adj2" fmla="val -25557"/>
+            </a:avLst>
+          </a:prstGeom>
+        </p:spPr>
+        <p:style>
+          <a:lnRef idx="2">
+            <a:schemeClr val="accent1">
+              <a:shade val="50000"/>
+            </a:schemeClr>
+          </a:lnRef>
+          <a:fillRef idx="1">
+            <a:schemeClr val="accent1"/>
+          </a:fillRef>
+          <a:effectRef idx="0">
+            <a:schemeClr val="accent1"/>
+          </a:effectRef>
+          <a:fontRef idx="minor">
+            <a:schemeClr val="lt1"/>
+          </a:fontRef>
+        </p:style>
+        <p:txBody>
+          <a:bodyPr rtlCol="0" anchor="ctr"/>
+          <a:lstStyle/>
+          <a:p>
+            <a:pPr algn="ctr"/>
+            <a:r>
+              <a:rPr lang="en-US" altLang="zh-CN" sz="1200" smtClean="0"/>
+              <a:t>ND</a:t>
+            </a:r>
+            <a:r>
+              <a:rPr lang="zh-CN" altLang="en-US" sz="1200" smtClean="0"/>
+              <a:t>资源库</a:t>
+            </a:r>
+            <a:endParaRPr lang="zh-CN" altLang="en-US" sz="1200"/>
+          </a:p>
+        </p:txBody>
+      </p:sp>
+      <p:sp>
+        <p:nvSpPr>
+          <p:cNvPr id="16" name="流程图: 磁盘 15"/>
+          <p:cNvSpPr/>
+          <p:nvPr/>
+        </p:nvSpPr>
+        <p:spPr>
+          <a:xfrm>
+            <a:off x="3129093" y="2328409"/>
+            <a:ext cx="159391" cy="292683"/>
+          </a:xfrm>
+          <a:prstGeom prst="flowChartMagneticDisk">
+            <a:avLst/>
+          </a:prstGeom>
+          <a:solidFill>
+            <a:srgbClr val="FE5A3E"/>
+          </a:solidFill>
+          <a:ln>
+            <a:solidFill>
+              <a:schemeClr val="accent2">
+                <a:lumMod val="75000"/>
+              </a:schemeClr>
+            </a:solidFill>
+          </a:ln>
+        </p:spPr>
+        <p:style>
+          <a:lnRef idx="2">
+            <a:schemeClr val="accent1">
+              <a:shade val="50000"/>
+            </a:schemeClr>
+          </a:lnRef>
+          <a:fillRef idx="1">
+            <a:schemeClr val="accent1"/>
+          </a:fillRef>
+          <a:effectRef idx="0">
+            <a:schemeClr val="accent1"/>
+          </a:effectRef>
+          <a:fontRef idx="minor">
+            <a:schemeClr val="lt1"/>
+          </a:fontRef>
+        </p:style>
+        <p:txBody>
+          <a:bodyPr rtlCol="0" anchor="ctr"/>
+          <a:lstStyle/>
+          <a:p>
+            <a:pPr algn="ctr"/>
+            <a:endParaRPr lang="zh-CN" altLang="en-US"/>
+          </a:p>
+        </p:txBody>
+      </p:sp>
+      <p:sp>
+        <p:nvSpPr>
+          <p:cNvPr id="17" name="流程图: 磁盘 16"/>
+          <p:cNvSpPr/>
+          <p:nvPr/>
+        </p:nvSpPr>
+        <p:spPr>
+          <a:xfrm>
+            <a:off x="8344573" y="2866743"/>
+            <a:ext cx="167780" cy="263027"/>
+          </a:xfrm>
+          <a:prstGeom prst="flowChartMagneticDisk">
+            <a:avLst/>
+          </a:prstGeom>
+          <a:solidFill>
+            <a:schemeClr val="accent4">
+              <a:lumMod val="75000"/>
+            </a:schemeClr>
+          </a:solidFill>
+        </p:spPr>
+        <p:style>
+          <a:lnRef idx="2">
+            <a:schemeClr val="accent1">
+              <a:shade val="50000"/>
+            </a:schemeClr>
+          </a:lnRef>
+          <a:fillRef idx="1">
+            <a:schemeClr val="accent1"/>
+          </a:fillRef>
+          <a:effectRef idx="0">
+            <a:schemeClr val="accent1"/>
+          </a:effectRef>
+          <a:fontRef idx="minor">
+            <a:schemeClr val="lt1"/>
+          </a:fontRef>
+        </p:style>
+        <p:txBody>
+          <a:bodyPr rtlCol="0" anchor="ctr"/>
+          <a:lstStyle/>
+          <a:p>
+            <a:pPr algn="ctr"/>
+            <a:endParaRPr lang="zh-CN" altLang="en-US"/>
+          </a:p>
+        </p:txBody>
+      </p:sp>
+      <p:sp>
+        <p:nvSpPr>
+          <p:cNvPr id="54" name="线形标注 1(带强调线) 53"/>
+          <p:cNvSpPr/>
+          <p:nvPr/>
+        </p:nvSpPr>
+        <p:spPr>
+          <a:xfrm>
+            <a:off x="8838038" y="1571280"/>
+            <a:ext cx="914400" cy="247650"/>
+          </a:xfrm>
+          <a:prstGeom prst="accentCallout1">
+            <a:avLst>
+              <a:gd name="adj1" fmla="val 18750"/>
+              <a:gd name="adj2" fmla="val -8333"/>
+              <a:gd name="adj3" fmla="val 277885"/>
+              <a:gd name="adj4" fmla="val -16458"/>
+            </a:avLst>
+          </a:prstGeom>
+        </p:spPr>
+        <p:style>
+          <a:lnRef idx="2">
+            <a:schemeClr val="accent1">
+              <a:shade val="50000"/>
+            </a:schemeClr>
+          </a:lnRef>
+          <a:fillRef idx="1">
+            <a:schemeClr val="accent1"/>
+          </a:fillRef>
+          <a:effectRef idx="0">
+            <a:schemeClr val="accent1"/>
+          </a:effectRef>
+          <a:fontRef idx="minor">
+            <a:schemeClr val="lt1"/>
+          </a:fontRef>
+        </p:style>
+        <p:txBody>
+          <a:bodyPr rtlCol="0" anchor="ctr"/>
+          <a:lstStyle/>
+          <a:p>
+            <a:pPr algn="ctr"/>
+            <a:r>
+              <a:rPr lang="zh-CN" altLang="en-US" sz="1100"/>
+              <a:t>省</a:t>
+            </a:r>
+            <a:r>
+              <a:rPr lang="zh-CN" altLang="en-US" sz="1100" smtClean="0"/>
+              <a:t>级中心</a:t>
+            </a:r>
+            <a:endParaRPr lang="zh-CN" altLang="en-US" sz="1100"/>
+          </a:p>
+        </p:txBody>
+      </p:sp>
+      <p:sp>
+        <p:nvSpPr>
+          <p:cNvPr id="55" name="线形标注 1(带强调线) 54"/>
+          <p:cNvSpPr/>
+          <p:nvPr/>
+        </p:nvSpPr>
+        <p:spPr>
+          <a:xfrm>
+            <a:off x="1895475" y="2003655"/>
+            <a:ext cx="952500" cy="269760"/>
+          </a:xfrm>
+          <a:prstGeom prst="accentCallout1">
+            <a:avLst>
+              <a:gd name="adj1" fmla="val 114085"/>
+              <a:gd name="adj2" fmla="val 103667"/>
+              <a:gd name="adj3" fmla="val 161933"/>
+              <a:gd name="adj4" fmla="val 130292"/>
+            </a:avLst>
+          </a:prstGeom>
+        </p:spPr>
+        <p:style>
+          <a:lnRef idx="2">
+            <a:schemeClr val="accent1">
+              <a:shade val="50000"/>
+            </a:schemeClr>
+          </a:lnRef>
+          <a:fillRef idx="1">
+            <a:schemeClr val="accent1"/>
+          </a:fillRef>
+          <a:effectRef idx="0">
+            <a:schemeClr val="accent1"/>
+          </a:effectRef>
+          <a:fontRef idx="minor">
+            <a:schemeClr val="lt1"/>
+          </a:fontRef>
+        </p:style>
+        <p:txBody>
+          <a:bodyPr rtlCol="0" anchor="ctr"/>
+          <a:lstStyle/>
+          <a:p>
+            <a:pPr algn="ctr"/>
+            <a:r>
+              <a:rPr lang="zh-CN" altLang="en-US" sz="1100"/>
+              <a:t>美</a:t>
+            </a:r>
+            <a:r>
+              <a:rPr lang="zh-CN" altLang="en-US" sz="1100" smtClean="0"/>
+              <a:t>国中心</a:t>
+            </a:r>
+            <a:endParaRPr lang="zh-CN" altLang="en-US" sz="1100"/>
+          </a:p>
+        </p:txBody>
+      </p:sp>
+      <p:sp>
+        <p:nvSpPr>
+          <p:cNvPr id="57" name="线形标注 1(带强调线) 56"/>
+          <p:cNvSpPr/>
+          <p:nvPr/>
+        </p:nvSpPr>
+        <p:spPr>
+          <a:xfrm>
+            <a:off x="7820025" y="3495675"/>
+            <a:ext cx="914400" cy="238125"/>
+          </a:xfrm>
+          <a:prstGeom prst="accentCallout1">
+            <a:avLst>
+              <a:gd name="adj1" fmla="val 18750"/>
+              <a:gd name="adj2" fmla="val -8333"/>
+              <a:gd name="adj3" fmla="val -195500"/>
+              <a:gd name="adj4" fmla="val 55417"/>
+            </a:avLst>
+          </a:prstGeom>
+        </p:spPr>
+        <p:style>
+          <a:lnRef idx="2">
+            <a:schemeClr val="accent1">
+              <a:shade val="50000"/>
+            </a:schemeClr>
+          </a:lnRef>
+          <a:fillRef idx="1">
+            <a:schemeClr val="accent1"/>
+          </a:fillRef>
+          <a:effectRef idx="0">
+            <a:schemeClr val="accent1"/>
+          </a:effectRef>
+          <a:fontRef idx="minor">
+            <a:schemeClr val="lt1"/>
+          </a:fontRef>
+        </p:style>
+        <p:txBody>
+          <a:bodyPr rtlCol="0" anchor="ctr"/>
+          <a:lstStyle/>
+          <a:p>
+            <a:pPr algn="ctr"/>
+            <a:r>
+              <a:rPr lang="zh-CN" altLang="en-US" sz="1200"/>
+              <a:t>印</a:t>
+            </a:r>
+            <a:r>
+              <a:rPr lang="zh-CN" altLang="en-US" sz="1200" smtClean="0"/>
+              <a:t>度中心</a:t>
+            </a:r>
+            <a:endParaRPr lang="zh-CN" altLang="en-US" sz="1200"/>
+          </a:p>
+        </p:txBody>
+      </p:sp>
+      <p:sp>
+        <p:nvSpPr>
+          <p:cNvPr id="3" name="流程图: 多文档 2"/>
+          <p:cNvSpPr/>
+          <p:nvPr/>
+        </p:nvSpPr>
+        <p:spPr>
+          <a:xfrm>
+            <a:off x="9851048" y="2332843"/>
+            <a:ext cx="438150" cy="343245"/>
+          </a:xfrm>
+          <a:prstGeom prst="flowChartMultidocument">
+            <a:avLst/>
+          </a:prstGeom>
+          <a:blipFill>
+            <a:blip r:embed="rId2"/>
+            <a:tile tx="0" ty="0" sx="100000" sy="100000" flip="none" algn="tl"/>
+          </a:blipFill>
+        </p:spPr>
+        <p:style>
+          <a:lnRef idx="2">
+            <a:schemeClr val="accent1">
+              <a:shade val="50000"/>
+            </a:schemeClr>
+          </a:lnRef>
+          <a:fillRef idx="1">
+            <a:schemeClr val="accent1"/>
+          </a:fillRef>
+          <a:effectRef idx="0">
+            <a:schemeClr val="accent1"/>
+          </a:effectRef>
+          <a:fontRef idx="minor">
+            <a:schemeClr val="lt1"/>
+          </a:fontRef>
+        </p:style>
+        <p:txBody>
+          <a:bodyPr rtlCol="0" anchor="ctr"/>
+          <a:lstStyle/>
+          <a:p>
+            <a:pPr algn="ctr"/>
+            <a:endParaRPr lang="zh-CN" altLang="en-US"/>
+          </a:p>
+        </p:txBody>
+      </p:sp>
+      <p:sp>
+        <p:nvSpPr>
+          <p:cNvPr id="22" name="流程图: 多文档 21"/>
+          <p:cNvSpPr/>
+          <p:nvPr/>
+        </p:nvSpPr>
+        <p:spPr>
+          <a:xfrm>
+            <a:off x="9851048" y="2332843"/>
+            <a:ext cx="438150" cy="343245"/>
+          </a:xfrm>
+          <a:prstGeom prst="flowChartMultidocument">
+            <a:avLst/>
+          </a:prstGeom>
+          <a:blipFill>
+            <a:blip r:embed="rId2"/>
+            <a:tile tx="0" ty="0" sx="100000" sy="100000" flip="none" algn="tl"/>
+          </a:blipFill>
+        </p:spPr>
+        <p:style>
+          <a:lnRef idx="2">
+            <a:schemeClr val="accent1">
+              <a:shade val="50000"/>
+            </a:schemeClr>
+          </a:lnRef>
+          <a:fillRef idx="1">
+            <a:schemeClr val="accent1"/>
+          </a:fillRef>
+          <a:effectRef idx="0">
+            <a:schemeClr val="accent1"/>
+          </a:effectRef>
+          <a:fontRef idx="minor">
+            <a:schemeClr val="lt1"/>
+          </a:fontRef>
+        </p:style>
+        <p:txBody>
+          <a:bodyPr rtlCol="0" anchor="ctr"/>
+          <a:lstStyle/>
+          <a:p>
+            <a:pPr algn="ctr"/>
+            <a:endParaRPr lang="zh-CN" altLang="en-US"/>
+          </a:p>
+        </p:txBody>
+      </p:sp>
+      <p:sp>
+        <p:nvSpPr>
+          <p:cNvPr id="24" name="流程图: 多文档 23"/>
+          <p:cNvSpPr/>
+          <p:nvPr/>
+        </p:nvSpPr>
+        <p:spPr>
+          <a:xfrm>
+            <a:off x="9815146" y="2341461"/>
+            <a:ext cx="438150" cy="343245"/>
+          </a:xfrm>
+          <a:prstGeom prst="flowChartMultidocument">
+            <a:avLst/>
+          </a:prstGeom>
+          <a:blipFill>
+            <a:blip r:embed="rId2"/>
+            <a:tile tx="0" ty="0" sx="100000" sy="100000" flip="none" algn="tl"/>
+          </a:blipFill>
+        </p:spPr>
+        <p:style>
+          <a:lnRef idx="2">
+            <a:schemeClr val="accent1">
+              <a:shade val="50000"/>
+            </a:schemeClr>
+          </a:lnRef>
+          <a:fillRef idx="1">
+            <a:schemeClr val="accent1"/>
+          </a:fillRef>
+          <a:effectRef idx="0">
+            <a:schemeClr val="accent1"/>
+          </a:effectRef>
+          <a:fontRef idx="minor">
+            <a:schemeClr val="lt1"/>
+          </a:fontRef>
+        </p:style>
+        <p:txBody>
+          <a:bodyPr rtlCol="0" anchor="ctr"/>
+          <a:lstStyle/>
+          <a:p>
+            <a:pPr algn="ctr"/>
+            <a:endParaRPr lang="zh-CN" altLang="en-US"/>
+          </a:p>
+        </p:txBody>
+      </p:sp>
+      <p:sp>
+        <p:nvSpPr>
+          <p:cNvPr id="25" name="流程图: 多文档 24"/>
+          <p:cNvSpPr/>
+          <p:nvPr/>
+        </p:nvSpPr>
+        <p:spPr>
+          <a:xfrm>
+            <a:off x="8186371" y="1930170"/>
+            <a:ext cx="438150" cy="343245"/>
+          </a:xfrm>
+          <a:prstGeom prst="flowChartMultidocument">
+            <a:avLst/>
+          </a:prstGeom>
+          <a:blipFill>
+            <a:blip r:embed="rId2"/>
+            <a:tile tx="0" ty="0" sx="100000" sy="100000" flip="none" algn="tl"/>
+          </a:blipFill>
+        </p:spPr>
+        <p:style>
+          <a:lnRef idx="2">
+            <a:schemeClr val="accent1">
+              <a:shade val="50000"/>
+            </a:schemeClr>
+          </a:lnRef>
+          <a:fillRef idx="1">
+            <a:schemeClr val="accent1"/>
+          </a:fillRef>
+          <a:effectRef idx="0">
+            <a:schemeClr val="accent1"/>
+          </a:effectRef>
+          <a:fontRef idx="minor">
+            <a:schemeClr val="lt1"/>
+          </a:fontRef>
+        </p:style>
+        <p:txBody>
+          <a:bodyPr rtlCol="0" anchor="ctr"/>
+          <a:lstStyle/>
+          <a:p>
+            <a:pPr algn="ctr"/>
+            <a:endParaRPr lang="zh-CN" altLang="en-US"/>
+          </a:p>
+        </p:txBody>
+      </p:sp>
+      <p:sp>
+        <p:nvSpPr>
+          <p:cNvPr id="26" name="流程图: 多文档 25"/>
+          <p:cNvSpPr/>
+          <p:nvPr/>
+        </p:nvSpPr>
+        <p:spPr>
+          <a:xfrm>
+            <a:off x="3069409" y="1832032"/>
+            <a:ext cx="438150" cy="343245"/>
+          </a:xfrm>
+          <a:prstGeom prst="flowChartMultidocument">
+            <a:avLst/>
+          </a:prstGeom>
+          <a:blipFill>
+            <a:blip r:embed="rId2"/>
+            <a:tile tx="0" ty="0" sx="100000" sy="100000" flip="none" algn="tl"/>
+          </a:blipFill>
+        </p:spPr>
+        <p:style>
+          <a:lnRef idx="2">
+            <a:schemeClr val="accent1">
+              <a:shade val="50000"/>
+            </a:schemeClr>
+          </a:lnRef>
+          <a:fillRef idx="1">
+            <a:schemeClr val="accent1"/>
+          </a:fillRef>
+          <a:effectRef idx="0">
+            <a:schemeClr val="accent1"/>
+          </a:effectRef>
+          <a:fontRef idx="minor">
+            <a:schemeClr val="lt1"/>
+          </a:fontRef>
+        </p:style>
+        <p:txBody>
+          <a:bodyPr rtlCol="0" anchor="ctr"/>
+          <a:lstStyle/>
+          <a:p>
+            <a:pPr algn="ctr"/>
+            <a:endParaRPr lang="zh-CN" altLang="en-US"/>
+          </a:p>
+        </p:txBody>
+      </p:sp>
+      <p:sp>
+        <p:nvSpPr>
+          <p:cNvPr id="27" name="流程图: 多文档 26"/>
+          <p:cNvSpPr/>
+          <p:nvPr/>
+        </p:nvSpPr>
+        <p:spPr>
+          <a:xfrm>
+            <a:off x="7479855" y="2980923"/>
+            <a:ext cx="438150" cy="343245"/>
+          </a:xfrm>
+          <a:prstGeom prst="flowChartMultidocument">
+            <a:avLst/>
+          </a:prstGeom>
+          <a:blipFill>
+            <a:blip r:embed="rId2"/>
+            <a:tile tx="0" ty="0" sx="100000" sy="100000" flip="none" algn="tl"/>
+          </a:blipFill>
+        </p:spPr>
+        <p:style>
+          <a:lnRef idx="2">
+            <a:schemeClr val="accent1">
+              <a:shade val="50000"/>
+            </a:schemeClr>
+          </a:lnRef>
+          <a:fillRef idx="1">
+            <a:schemeClr val="accent1"/>
+          </a:fillRef>
+          <a:effectRef idx="0">
+            <a:schemeClr val="accent1"/>
+          </a:effectRef>
+          <a:fontRef idx="minor">
+            <a:schemeClr val="lt1"/>
+          </a:fontRef>
+        </p:style>
+        <p:txBody>
+          <a:bodyPr rtlCol="0" anchor="ctr"/>
+          <a:lstStyle/>
+          <a:p>
+            <a:pPr algn="ctr"/>
+            <a:endParaRPr lang="zh-CN" altLang="en-US"/>
+          </a:p>
+        </p:txBody>
+      </p:sp>
+      <p:sp>
+        <p:nvSpPr>
+          <p:cNvPr id="28" name="流程图: 多文档 27"/>
+          <p:cNvSpPr/>
+          <p:nvPr/>
+        </p:nvSpPr>
+        <p:spPr>
+          <a:xfrm>
+            <a:off x="8195258" y="1918841"/>
+            <a:ext cx="438150" cy="343245"/>
+          </a:xfrm>
+          <a:prstGeom prst="flowChartMultidocument">
+            <a:avLst/>
+          </a:prstGeom>
+          <a:blipFill>
+            <a:blip r:embed="rId2"/>
+            <a:tile tx="0" ty="0" sx="100000" sy="100000" flip="none" algn="tl"/>
+          </a:blipFill>
+        </p:spPr>
+        <p:style>
+          <a:lnRef idx="2">
+            <a:schemeClr val="accent1">
+              <a:shade val="50000"/>
+            </a:schemeClr>
+          </a:lnRef>
+          <a:fillRef idx="1">
+            <a:schemeClr val="accent1"/>
+          </a:fillRef>
+          <a:effectRef idx="0">
+            <a:schemeClr val="accent1"/>
+          </a:effectRef>
+          <a:fontRef idx="minor">
+            <a:schemeClr val="lt1"/>
+          </a:fontRef>
+        </p:style>
+        <p:txBody>
+          <a:bodyPr rtlCol="0" anchor="ctr"/>
+          <a:lstStyle/>
+          <a:p>
+            <a:pPr algn="ctr"/>
+            <a:endParaRPr lang="zh-CN" altLang="en-US"/>
+          </a:p>
+        </p:txBody>
+      </p:sp>
+      <p:sp>
+        <p:nvSpPr>
+          <p:cNvPr id="29" name="流程图: 多文档 28"/>
+          <p:cNvSpPr/>
+          <p:nvPr/>
+        </p:nvSpPr>
+        <p:spPr>
+          <a:xfrm>
+            <a:off x="3059884" y="1843903"/>
+            <a:ext cx="438150" cy="343245"/>
+          </a:xfrm>
+          <a:prstGeom prst="flowChartMultidocument">
+            <a:avLst/>
+          </a:prstGeom>
+          <a:blipFill>
+            <a:blip r:embed="rId2"/>
+            <a:tile tx="0" ty="0" sx="100000" sy="100000" flip="none" algn="tl"/>
+          </a:blipFill>
+        </p:spPr>
+        <p:style>
+          <a:lnRef idx="2">
+            <a:schemeClr val="accent1">
+              <a:shade val="50000"/>
+            </a:schemeClr>
+          </a:lnRef>
+          <a:fillRef idx="1">
+            <a:schemeClr val="accent1"/>
+          </a:fillRef>
+          <a:effectRef idx="0">
+            <a:schemeClr val="accent1"/>
+          </a:effectRef>
+          <a:fontRef idx="minor">
+            <a:schemeClr val="lt1"/>
+          </a:fontRef>
+        </p:style>
+        <p:txBody>
+          <a:bodyPr rtlCol="0" anchor="ctr"/>
+          <a:lstStyle/>
+          <a:p>
+            <a:pPr algn="ctr"/>
+            <a:endParaRPr lang="zh-CN" altLang="en-US"/>
+          </a:p>
+        </p:txBody>
+      </p:sp>
+      <p:sp>
+        <p:nvSpPr>
+          <p:cNvPr id="30" name="流程图: 多文档 29"/>
+          <p:cNvSpPr/>
+          <p:nvPr/>
+        </p:nvSpPr>
+        <p:spPr>
+          <a:xfrm>
+            <a:off x="8185733" y="1930169"/>
+            <a:ext cx="438150" cy="343245"/>
+          </a:xfrm>
+          <a:prstGeom prst="flowChartMultidocument">
+            <a:avLst/>
+          </a:prstGeom>
+          <a:blipFill>
+            <a:blip r:embed="rId2"/>
+            <a:tile tx="0" ty="0" sx="100000" sy="100000" flip="none" algn="tl"/>
+          </a:blipFill>
+        </p:spPr>
+        <p:style>
+          <a:lnRef idx="2">
+            <a:schemeClr val="accent1">
+              <a:shade val="50000"/>
+            </a:schemeClr>
+          </a:lnRef>
+          <a:fillRef idx="1">
+            <a:schemeClr val="accent1"/>
+          </a:fillRef>
+          <a:effectRef idx="0">
+            <a:schemeClr val="accent1"/>
+          </a:effectRef>
+          <a:fontRef idx="minor">
+            <a:schemeClr val="lt1"/>
+          </a:fontRef>
+        </p:style>
+        <p:txBody>
+          <a:bodyPr rtlCol="0" anchor="ctr"/>
+          <a:lstStyle/>
+          <a:p>
+            <a:pPr algn="ctr"/>
+            <a:endParaRPr lang="zh-CN" altLang="en-US"/>
+          </a:p>
+        </p:txBody>
+      </p:sp>
+      <p:sp>
+        <p:nvSpPr>
+          <p:cNvPr id="31" name="流程图: 多文档 30"/>
+          <p:cNvSpPr/>
+          <p:nvPr/>
+        </p:nvSpPr>
+        <p:spPr>
+          <a:xfrm>
+            <a:off x="9815146" y="2341461"/>
+            <a:ext cx="438150" cy="343245"/>
+          </a:xfrm>
+          <a:prstGeom prst="flowChartMultidocument">
+            <a:avLst/>
+          </a:prstGeom>
+          <a:blipFill>
+            <a:blip r:embed="rId2"/>
+            <a:tile tx="0" ty="0" sx="100000" sy="100000" flip="none" algn="tl"/>
+          </a:blipFill>
+        </p:spPr>
+        <p:style>
+          <a:lnRef idx="2">
+            <a:schemeClr val="accent1">
+              <a:shade val="50000"/>
+            </a:schemeClr>
+          </a:lnRef>
+          <a:fillRef idx="1">
+            <a:schemeClr val="accent1"/>
+          </a:fillRef>
+          <a:effectRef idx="0">
+            <a:schemeClr val="accent1"/>
+          </a:effectRef>
+          <a:fontRef idx="minor">
+            <a:schemeClr val="lt1"/>
+          </a:fontRef>
+        </p:style>
+        <p:txBody>
+          <a:bodyPr rtlCol="0" anchor="ctr"/>
+          <a:lstStyle/>
+          <a:p>
+            <a:pPr algn="ctr"/>
+            <a:endParaRPr lang="zh-CN" altLang="en-US"/>
+          </a:p>
+        </p:txBody>
+      </p:sp>
+      <p:cxnSp>
+        <p:nvCxnSpPr>
+          <p:cNvPr id="10" name="直接箭头连接符 9"/>
+          <p:cNvCxnSpPr/>
+          <p:nvPr/>
+        </p:nvCxnSpPr>
+        <p:spPr>
+          <a:xfrm flipH="1" flipV="1">
+            <a:off x="8838038" y="2003655"/>
+            <a:ext cx="817099" cy="258431"/>
+          </a:xfrm>
+          <a:prstGeom prst="straightConnector1">
+            <a:avLst/>
+          </a:prstGeom>
+          <a:ln w="28575">
+            <a:solidFill>
+              <a:schemeClr val="accent4">
+                <a:lumMod val="60000"/>
+                <a:lumOff val="40000"/>
+              </a:schemeClr>
+            </a:solidFill>
+            <a:tailEnd type="triangle"/>
+          </a:ln>
+        </p:spPr>
+        <p:style>
+          <a:lnRef idx="1">
+            <a:schemeClr val="accent1"/>
+          </a:lnRef>
+          <a:fillRef idx="0">
+            <a:schemeClr val="accent1"/>
+          </a:fillRef>
+          <a:effectRef idx="0">
+            <a:schemeClr val="accent1"/>
+          </a:effectRef>
+          <a:fontRef idx="minor">
+            <a:schemeClr val="tx1"/>
+          </a:fontRef>
+        </p:style>
+      </p:cxnSp>
+      <p:cxnSp>
+        <p:nvCxnSpPr>
+          <p:cNvPr id="12" name="直接箭头连接符 11"/>
+          <p:cNvCxnSpPr/>
+          <p:nvPr/>
+        </p:nvCxnSpPr>
+        <p:spPr>
+          <a:xfrm flipH="1" flipV="1">
+            <a:off x="3648075" y="1918841"/>
+            <a:ext cx="4171950" cy="84814"/>
+          </a:xfrm>
+          <a:prstGeom prst="straightConnector1">
+            <a:avLst/>
+          </a:prstGeom>
+          <a:ln w="28575">
+            <a:solidFill>
+              <a:schemeClr val="accent4">
+                <a:lumMod val="60000"/>
+                <a:lumOff val="40000"/>
+              </a:schemeClr>
+            </a:solidFill>
+            <a:tailEnd type="triangle"/>
+          </a:ln>
+        </p:spPr>
+        <p:style>
+          <a:lnRef idx="1">
+            <a:schemeClr val="accent1"/>
+          </a:lnRef>
+          <a:fillRef idx="0">
+            <a:schemeClr val="accent1"/>
+          </a:fillRef>
+          <a:effectRef idx="0">
+            <a:schemeClr val="accent1"/>
+          </a:effectRef>
+          <a:fontRef idx="minor">
+            <a:schemeClr val="tx1"/>
+          </a:fontRef>
+        </p:style>
+      </p:cxnSp>
+      <p:cxnSp>
+        <p:nvCxnSpPr>
+          <p:cNvPr id="14" name="直接箭头连接符 13"/>
+          <p:cNvCxnSpPr/>
+          <p:nvPr/>
+        </p:nvCxnSpPr>
+        <p:spPr>
+          <a:xfrm flipH="1" flipV="1">
+            <a:off x="3819525" y="2076450"/>
+            <a:ext cx="5600700" cy="544642"/>
+          </a:xfrm>
+          <a:prstGeom prst="straightConnector1">
+            <a:avLst/>
+          </a:prstGeom>
+          <a:ln w="28575">
+            <a:solidFill>
+              <a:schemeClr val="accent4">
+                <a:lumMod val="60000"/>
+                <a:lumOff val="40000"/>
+              </a:schemeClr>
+            </a:solidFill>
+            <a:tailEnd type="triangle"/>
+          </a:ln>
+        </p:spPr>
+        <p:style>
+          <a:lnRef idx="1">
+            <a:schemeClr val="accent1"/>
+          </a:lnRef>
+          <a:fillRef idx="0">
+            <a:schemeClr val="accent1"/>
+          </a:fillRef>
+          <a:effectRef idx="0">
+            <a:schemeClr val="accent1"/>
+          </a:effectRef>
+          <a:fontRef idx="minor">
+            <a:schemeClr val="tx1"/>
+          </a:fontRef>
+        </p:style>
+      </p:cxnSp>
+      <p:cxnSp>
+        <p:nvCxnSpPr>
+          <p:cNvPr id="19" name="直接箭头连接符 18"/>
+          <p:cNvCxnSpPr/>
+          <p:nvPr/>
+        </p:nvCxnSpPr>
+        <p:spPr>
+          <a:xfrm>
+            <a:off x="3648075" y="2474751"/>
+            <a:ext cx="3676650" cy="655019"/>
+          </a:xfrm>
+          <a:prstGeom prst="straightConnector1">
+            <a:avLst/>
+          </a:prstGeom>
+          <a:ln>
+            <a:tailEnd type="triangle"/>
+          </a:ln>
+        </p:spPr>
+        <p:style>
+          <a:lnRef idx="3">
+            <a:schemeClr val="accent2"/>
+          </a:lnRef>
+          <a:fillRef idx="0">
+            <a:schemeClr val="accent2"/>
+          </a:fillRef>
+          <a:effectRef idx="2">
+            <a:schemeClr val="accent2"/>
+          </a:effectRef>
+          <a:fontRef idx="minor">
+            <a:schemeClr val="tx1"/>
+          </a:fontRef>
+        </p:style>
+      </p:cxnSp>
+      <p:cxnSp>
+        <p:nvCxnSpPr>
+          <p:cNvPr id="21" name="直接箭头连接符 20"/>
+          <p:cNvCxnSpPr>
+            <a:endCxn id="27" idx="0"/>
+          </p:cNvCxnSpPr>
+          <p:nvPr/>
+        </p:nvCxnSpPr>
+        <p:spPr>
+          <a:xfrm flipH="1">
+            <a:off x="7729073" y="2328409"/>
+            <a:ext cx="456660" cy="652514"/>
+          </a:xfrm>
+          <a:prstGeom prst="straightConnector1">
+            <a:avLst/>
+          </a:prstGeom>
+          <a:ln>
+            <a:tailEnd type="triangle"/>
+          </a:ln>
+        </p:spPr>
+        <p:style>
+          <a:lnRef idx="3">
+            <a:schemeClr val="accent2"/>
+          </a:lnRef>
+          <a:fillRef idx="0">
+            <a:schemeClr val="accent2"/>
+          </a:fillRef>
+          <a:effectRef idx="2">
+            <a:schemeClr val="accent2"/>
+          </a:effectRef>
+          <a:fontRef idx="minor">
+            <a:schemeClr val="tx1"/>
+          </a:fontRef>
+        </p:style>
+      </p:cxnSp>
+      <p:cxnSp>
+        <p:nvCxnSpPr>
+          <p:cNvPr id="35" name="直接箭头连接符 34"/>
+          <p:cNvCxnSpPr/>
+          <p:nvPr/>
+        </p:nvCxnSpPr>
+        <p:spPr>
+          <a:xfrm flipH="1">
+            <a:off x="8623883" y="2866743"/>
+            <a:ext cx="796342" cy="131514"/>
+          </a:xfrm>
+          <a:prstGeom prst="straightConnector1">
+            <a:avLst/>
+          </a:prstGeom>
+          <a:ln>
+            <a:tailEnd type="triangle"/>
+          </a:ln>
+        </p:spPr>
+        <p:style>
+          <a:lnRef idx="3">
+            <a:schemeClr val="accent2"/>
+          </a:lnRef>
+          <a:fillRef idx="0">
+            <a:schemeClr val="accent2"/>
+          </a:fillRef>
+          <a:effectRef idx="2">
+            <a:schemeClr val="accent2"/>
+          </a:effectRef>
+          <a:fontRef idx="minor">
+            <a:schemeClr val="tx1"/>
+          </a:fontRef>
+        </p:style>
+      </p:cxnSp>
+      <p:sp>
+        <p:nvSpPr>
+          <p:cNvPr id="44" name="矩形 43"/>
+          <p:cNvSpPr/>
+          <p:nvPr/>
+        </p:nvSpPr>
+        <p:spPr>
+          <a:xfrm>
+            <a:off x="671579" y="3492684"/>
+            <a:ext cx="10124942" cy="1938992"/>
+          </a:xfrm>
+          <a:prstGeom prst="rect">
+            <a:avLst/>
+          </a:prstGeom>
+        </p:spPr>
+        <p:txBody>
+          <a:bodyPr wrap="square">
+            <a:spAutoFit/>
+          </a:bodyPr>
+          <a:lstStyle/>
+          <a:p>
+            <a:pPr marL="514350" indent="-514350">
+              <a:lnSpc>
+                <a:spcPct val="150000"/>
+              </a:lnSpc>
+              <a:buFont typeface="Wingdings" pitchFamily="2" charset="2"/>
+              <a:buChar char="l"/>
+            </a:pPr>
+            <a:r>
+              <a:rPr lang="en-US" altLang="zh-CN" sz="2000" smtClean="0">
+                <a:solidFill>
+                  <a:schemeClr val="bg1"/>
+                </a:solidFill>
+                <a:latin typeface="微软雅黑" pitchFamily="34" charset="-122"/>
+                <a:ea typeface="微软雅黑" pitchFamily="34" charset="-122"/>
+              </a:rPr>
+              <a:t>ND</a:t>
+            </a:r>
+            <a:r>
+              <a:rPr lang="zh-CN" altLang="en-US" sz="2000" smtClean="0">
+                <a:solidFill>
+                  <a:schemeClr val="bg1"/>
+                </a:solidFill>
+                <a:latin typeface="微软雅黑" pitchFamily="34" charset="-122"/>
+                <a:ea typeface="微软雅黑" pitchFamily="34" charset="-122"/>
+              </a:rPr>
+              <a:t>资源库支持多点部署</a:t>
+            </a:r>
+            <a:endParaRPr lang="en-US" altLang="zh-CN" sz="2000" smtClean="0">
+              <a:solidFill>
+                <a:schemeClr val="bg1"/>
+              </a:solidFill>
+              <a:latin typeface="微软雅黑" pitchFamily="34" charset="-122"/>
+              <a:ea typeface="微软雅黑" pitchFamily="34" charset="-122"/>
+            </a:endParaRPr>
+          </a:p>
+          <a:p>
+            <a:pPr marL="514350" indent="-514350">
+              <a:lnSpc>
+                <a:spcPct val="150000"/>
+              </a:lnSpc>
+              <a:buFont typeface="Wingdings" pitchFamily="2" charset="2"/>
+              <a:buChar char="l"/>
+            </a:pPr>
+            <a:r>
+              <a:rPr lang="zh-CN" altLang="en-US" sz="2000">
+                <a:solidFill>
+                  <a:schemeClr val="bg1"/>
+                </a:solidFill>
+                <a:latin typeface="微软雅黑" pitchFamily="34" charset="-122"/>
+                <a:ea typeface="微软雅黑" pitchFamily="34" charset="-122"/>
+              </a:rPr>
+              <a:t>多</a:t>
+            </a:r>
+            <a:r>
+              <a:rPr lang="zh-CN" altLang="en-US" sz="2000" smtClean="0">
+                <a:solidFill>
+                  <a:schemeClr val="bg1"/>
+                </a:solidFill>
+                <a:latin typeface="微软雅黑" pitchFamily="34" charset="-122"/>
+                <a:ea typeface="微软雅黑" pitchFamily="34" charset="-122"/>
+              </a:rPr>
+              <a:t>个节点之间根据交换策略进行智能数据交换</a:t>
+            </a:r>
+            <a:endParaRPr lang="en-US" altLang="zh-CN" sz="2000" smtClean="0">
+              <a:solidFill>
+                <a:schemeClr val="bg1"/>
+              </a:solidFill>
+              <a:latin typeface="微软雅黑" pitchFamily="34" charset="-122"/>
+              <a:ea typeface="微软雅黑" pitchFamily="34" charset="-122"/>
+            </a:endParaRPr>
+          </a:p>
+          <a:p>
+            <a:pPr marL="514350" indent="-514350">
+              <a:lnSpc>
+                <a:spcPct val="150000"/>
+              </a:lnSpc>
+              <a:buFont typeface="Wingdings" pitchFamily="2" charset="2"/>
+              <a:buChar char="l"/>
+            </a:pPr>
+            <a:r>
+              <a:rPr lang="zh-CN" altLang="en-US" sz="2000">
+                <a:solidFill>
+                  <a:schemeClr val="bg1"/>
+                </a:solidFill>
+                <a:latin typeface="微软雅黑" pitchFamily="34" charset="-122"/>
+                <a:ea typeface="微软雅黑" pitchFamily="34" charset="-122"/>
+              </a:rPr>
+              <a:t>没</a:t>
+            </a:r>
+            <a:r>
+              <a:rPr lang="zh-CN" altLang="en-US" sz="2000" smtClean="0">
+                <a:solidFill>
+                  <a:schemeClr val="bg1"/>
+                </a:solidFill>
+                <a:latin typeface="微软雅黑" pitchFamily="34" charset="-122"/>
+                <a:ea typeface="微软雅黑" pitchFamily="34" charset="-122"/>
+              </a:rPr>
+              <a:t>分资源数据进行异地至少</a:t>
+            </a:r>
+            <a:r>
+              <a:rPr lang="en-US" altLang="zh-CN" sz="2000" smtClean="0">
+                <a:solidFill>
+                  <a:schemeClr val="bg1"/>
+                </a:solidFill>
+                <a:latin typeface="微软雅黑" pitchFamily="34" charset="-122"/>
+                <a:ea typeface="微软雅黑" pitchFamily="34" charset="-122"/>
+              </a:rPr>
+              <a:t>3</a:t>
+            </a:r>
+            <a:r>
+              <a:rPr lang="zh-CN" altLang="en-US" sz="2000" smtClean="0">
+                <a:solidFill>
+                  <a:schemeClr val="bg1"/>
+                </a:solidFill>
+                <a:latin typeface="微软雅黑" pitchFamily="34" charset="-122"/>
+                <a:ea typeface="微软雅黑" pitchFamily="34" charset="-122"/>
+              </a:rPr>
+              <a:t>分的数据备份</a:t>
+            </a:r>
+            <a:endParaRPr lang="en-US" altLang="zh-CN" sz="2000" smtClean="0">
+              <a:solidFill>
+                <a:schemeClr val="bg1"/>
+              </a:solidFill>
+              <a:latin typeface="微软雅黑" pitchFamily="34" charset="-122"/>
+              <a:ea typeface="微软雅黑" pitchFamily="34" charset="-122"/>
+            </a:endParaRPr>
+          </a:p>
+          <a:p>
+            <a:pPr marL="514350" indent="-514350">
+              <a:lnSpc>
+                <a:spcPct val="150000"/>
+              </a:lnSpc>
+              <a:buFont typeface="Wingdings" pitchFamily="2" charset="2"/>
+              <a:buChar char="l"/>
+            </a:pPr>
+            <a:r>
+              <a:rPr lang="zh-CN" altLang="en-US" sz="2000" smtClean="0">
+                <a:solidFill>
+                  <a:schemeClr val="bg1"/>
+                </a:solidFill>
+                <a:latin typeface="微软雅黑" pitchFamily="34" charset="-122"/>
+                <a:ea typeface="微软雅黑" pitchFamily="34" charset="-122"/>
+              </a:rPr>
+              <a:t>无单点故障，无宕机故障</a:t>
+            </a:r>
+            <a:endParaRPr lang="en-US" altLang="zh-CN" sz="2000" dirty="0" smtClean="0">
+              <a:solidFill>
+                <a:schemeClr val="bg1"/>
+              </a:solidFill>
+              <a:latin typeface="微软雅黑" pitchFamily="34" charset="-122"/>
+              <a:ea typeface="微软雅黑" pitchFamily="34" charset="-122"/>
+            </a:endParaRPr>
+          </a:p>
+        </p:txBody>
+      </p:sp>
+    </p:spTree>
+    <p:extLst>
+      <p:ext uri="{BB962C8B-B14F-4D97-AF65-F5344CB8AC3E}">
+        <p14:creationId xmlns:p14="http://schemas.microsoft.com/office/powerpoint/2010/main" val="1151415007"/>
+      </p:ext>
+    </p:extLst>
+  </p:cSld>
+  <p:clrMapOvr>
+    <a:masterClrMapping/>
+  </p:clrMapOvr>
+  <p:timing>
+    <p:tnLst>
+      <p:par>
+        <p:cTn id="1" dur="indefinite" restart="never" nodeType="tmRoot">
+          <p:childTnLst>
+            <p:seq concurrent="1" nextAc="seek">
+              <p:cTn id="2" dur="indefinite" nodeType="mainSeq">
+                <p:childTnLst>
+                  <p:par>
+                    <p:cTn id="3" fill="hold">
+                      <p:stCondLst>
+                        <p:cond delay="indefinite"/>
+                      </p:stCondLst>
+                      <p:childTnLst>
+                        <p:par>
+                          <p:cTn id="4" fill="hold">
+                            <p:stCondLst>
+                              <p:cond delay="0"/>
+                            </p:stCondLst>
+                            <p:childTnLst>
+                              <p:par>
+                                <p:cTn id="5" presetID="10" presetClass="entr" presetSubtype="0" fill="hold" nodeType="clickEffect">
+                                  <p:stCondLst>
+                                    <p:cond delay="0"/>
+                                  </p:stCondLst>
+                                  <p:childTnLst>
+                                    <p:set>
+                                      <p:cBhvr>
+                                        <p:cTn id="6" dur="1" fill="hold">
+                                          <p:stCondLst>
+                                            <p:cond delay="0"/>
+                                          </p:stCondLst>
+                                        </p:cTn>
+                                        <p:tgtEl>
+                                          <p:spTgt spid="10"/>
+                                        </p:tgtEl>
+                                        <p:attrNameLst>
+                                          <p:attrName>style.visibility</p:attrName>
+                                        </p:attrNameLst>
+                                      </p:cBhvr>
+                                      <p:to>
+                                        <p:strVal val="visible"/>
+                                      </p:to>
+                                    </p:set>
+                                    <p:animEffect transition="in" filter="fade">
+                                      <p:cBhvr>
+                                        <p:cTn id="7" dur="500"/>
+                                        <p:tgtEl>
+                                          <p:spTgt spid="10"/>
+                                        </p:tgtEl>
+                                      </p:cBhvr>
+                                    </p:animEffect>
+                                  </p:childTnLst>
+                                </p:cTn>
+                              </p:par>
+                              <p:par>
+                                <p:cTn id="8" presetID="42" presetClass="path" presetSubtype="0" accel="50000" decel="50000" fill="hold" grpId="0" nodeType="withEffect">
+                                  <p:stCondLst>
+                                    <p:cond delay="0"/>
+                                  </p:stCondLst>
+                                  <p:childTnLst>
+                                    <p:animMotion origin="layout" path="M 3.125E-6 4.81481E-6 L -0.13242 -0.0595 " pathEditMode="relative" rAng="0" ptsTypes="AA">
+                                      <p:cBhvr>
+                                        <p:cTn id="9" dur="2000" fill="hold"/>
+                                        <p:tgtEl>
+                                          <p:spTgt spid="24"/>
+                                        </p:tgtEl>
+                                        <p:attrNameLst>
+                                          <p:attrName>ppt_x</p:attrName>
+                                          <p:attrName>ppt_y</p:attrName>
+                                        </p:attrNameLst>
+                                      </p:cBhvr>
+                                      <p:rCtr x="-6628" y="-2986"/>
+                                    </p:animMotion>
+                                  </p:childTnLst>
+                                </p:cTn>
+                              </p:par>
+                            </p:childTnLst>
+                          </p:cTn>
+                        </p:par>
+                        <p:par>
+                          <p:cTn id="10" fill="hold">
+                            <p:stCondLst>
+                              <p:cond delay="2000"/>
+                            </p:stCondLst>
+                            <p:childTnLst>
+                              <p:par>
+                                <p:cTn id="11" presetID="1" presetClass="entr" presetSubtype="0" fill="hold" grpId="0" nodeType="afterEffect">
+                                  <p:stCondLst>
+                                    <p:cond delay="0"/>
+                                  </p:stCondLst>
+                                  <p:childTnLst>
+                                    <p:set>
+                                      <p:cBhvr>
+                                        <p:cTn id="12" dur="1" fill="hold">
+                                          <p:stCondLst>
+                                            <p:cond delay="0"/>
+                                          </p:stCondLst>
+                                        </p:cTn>
+                                        <p:tgtEl>
+                                          <p:spTgt spid="25"/>
+                                        </p:tgtEl>
+                                        <p:attrNameLst>
+                                          <p:attrName>style.visibility</p:attrName>
+                                        </p:attrNameLst>
+                                      </p:cBhvr>
+                                      <p:to>
+                                        <p:strVal val="visible"/>
+                                      </p:to>
+                                    </p:set>
+                                  </p:childTnLst>
+                                </p:cTn>
+                              </p:par>
+                            </p:childTnLst>
+                          </p:cTn>
+                        </p:par>
+                        <p:par>
+                          <p:cTn id="13" fill="hold">
+                            <p:stCondLst>
+                              <p:cond delay="2000"/>
+                            </p:stCondLst>
+                            <p:childTnLst>
+                              <p:par>
+                                <p:cTn id="14" presetID="1" presetClass="entr" presetSubtype="0" fill="hold" grpId="0" nodeType="afterEffect">
+                                  <p:stCondLst>
+                                    <p:cond delay="0"/>
+                                  </p:stCondLst>
+                                  <p:childTnLst>
+                                    <p:set>
+                                      <p:cBhvr>
+                                        <p:cTn id="15" dur="1" fill="hold">
+                                          <p:stCondLst>
+                                            <p:cond delay="0"/>
+                                          </p:stCondLst>
+                                        </p:cTn>
+                                        <p:tgtEl>
+                                          <p:spTgt spid="28"/>
+                                        </p:tgtEl>
+                                        <p:attrNameLst>
+                                          <p:attrName>style.visibility</p:attrName>
+                                        </p:attrNameLst>
+                                      </p:cBhvr>
+                                      <p:to>
+                                        <p:strVal val="visible"/>
+                                      </p:to>
+                                    </p:set>
+                                  </p:childTnLst>
+                                </p:cTn>
+                              </p:par>
+                            </p:childTnLst>
+                          </p:cTn>
+                        </p:par>
+                      </p:childTnLst>
+                    </p:cTn>
+                  </p:par>
+                  <p:par>
+                    <p:cTn id="16" fill="hold">
+                      <p:stCondLst>
+                        <p:cond delay="indefinite"/>
+                      </p:stCondLst>
+                      <p:childTnLst>
+                        <p:par>
+                          <p:cTn id="17" fill="hold">
+                            <p:stCondLst>
+                              <p:cond delay="0"/>
+                            </p:stCondLst>
+                            <p:childTnLst>
+                              <p:par>
+                                <p:cTn id="18" presetID="10" presetClass="entr" presetSubtype="0" fill="hold" nodeType="clickEffect">
+                                  <p:stCondLst>
+                                    <p:cond delay="0"/>
+                                  </p:stCondLst>
+                                  <p:childTnLst>
+                                    <p:set>
+                                      <p:cBhvr>
+                                        <p:cTn id="19" dur="1" fill="hold">
+                                          <p:stCondLst>
+                                            <p:cond delay="0"/>
+                                          </p:stCondLst>
+                                        </p:cTn>
+                                        <p:tgtEl>
+                                          <p:spTgt spid="14"/>
+                                        </p:tgtEl>
+                                        <p:attrNameLst>
+                                          <p:attrName>style.visibility</p:attrName>
+                                        </p:attrNameLst>
+                                      </p:cBhvr>
+                                      <p:to>
+                                        <p:strVal val="visible"/>
+                                      </p:to>
+                                    </p:set>
+                                    <p:animEffect transition="in" filter="fade">
+                                      <p:cBhvr>
+                                        <p:cTn id="20" dur="500"/>
+                                        <p:tgtEl>
+                                          <p:spTgt spid="14"/>
+                                        </p:tgtEl>
+                                      </p:cBhvr>
+                                    </p:animEffect>
+                                  </p:childTnLst>
+                                </p:cTn>
+                              </p:par>
+                              <p:par>
+                                <p:cTn id="21" presetID="10" presetClass="entr" presetSubtype="0" fill="hold" nodeType="withEffect">
+                                  <p:stCondLst>
+                                    <p:cond delay="0"/>
+                                  </p:stCondLst>
+                                  <p:childTnLst>
+                                    <p:set>
+                                      <p:cBhvr>
+                                        <p:cTn id="22" dur="1" fill="hold">
+                                          <p:stCondLst>
+                                            <p:cond delay="0"/>
+                                          </p:stCondLst>
+                                        </p:cTn>
+                                        <p:tgtEl>
+                                          <p:spTgt spid="12"/>
+                                        </p:tgtEl>
+                                        <p:attrNameLst>
+                                          <p:attrName>style.visibility</p:attrName>
+                                        </p:attrNameLst>
+                                      </p:cBhvr>
+                                      <p:to>
+                                        <p:strVal val="visible"/>
+                                      </p:to>
+                                    </p:set>
+                                    <p:animEffect transition="in" filter="fade">
+                                      <p:cBhvr>
+                                        <p:cTn id="23" dur="500"/>
+                                        <p:tgtEl>
+                                          <p:spTgt spid="12"/>
+                                        </p:tgtEl>
+                                      </p:cBhvr>
+                                    </p:animEffect>
+                                  </p:childTnLst>
+                                </p:cTn>
+                              </p:par>
+                            </p:childTnLst>
+                          </p:cTn>
+                        </p:par>
+                        <p:par>
+                          <p:cTn id="24" fill="hold">
+                            <p:stCondLst>
+                              <p:cond delay="500"/>
+                            </p:stCondLst>
+                            <p:childTnLst>
+                              <p:par>
+                                <p:cTn id="25" presetID="42" presetClass="path" presetSubtype="0" accel="50000" decel="50000" fill="hold" grpId="1" nodeType="afterEffect">
+                                  <p:stCondLst>
+                                    <p:cond delay="0"/>
+                                  </p:stCondLst>
+                                  <p:childTnLst>
+                                    <p:animMotion origin="layout" path="M 3.125E-6 4.81481E-6 L -0.55339 -0.07431 " pathEditMode="relative" rAng="0" ptsTypes="AA">
+                                      <p:cBhvr>
+                                        <p:cTn id="26" dur="2000" fill="hold"/>
+                                        <p:tgtEl>
+                                          <p:spTgt spid="24"/>
+                                        </p:tgtEl>
+                                        <p:attrNameLst>
+                                          <p:attrName>ppt_x</p:attrName>
+                                          <p:attrName>ppt_y</p:attrName>
+                                        </p:attrNameLst>
+                                      </p:cBhvr>
+                                      <p:rCtr x="-27669" y="-3727"/>
+                                    </p:animMotion>
+                                  </p:childTnLst>
+                                </p:cTn>
+                              </p:par>
+                              <p:par>
+                                <p:cTn id="27" presetID="42" presetClass="path" presetSubtype="0" accel="50000" decel="50000" fill="hold" grpId="1" nodeType="withEffect">
+                                  <p:stCondLst>
+                                    <p:cond delay="0"/>
+                                  </p:stCondLst>
+                                  <p:childTnLst>
+                                    <p:animMotion origin="layout" path="M -3.125E-6 -1.48148E-6 L -0.41979 -0.01435 " pathEditMode="relative" rAng="0" ptsTypes="AA">
+                                      <p:cBhvr>
+                                        <p:cTn id="28" dur="2000" fill="hold"/>
+                                        <p:tgtEl>
+                                          <p:spTgt spid="25"/>
+                                        </p:tgtEl>
+                                        <p:attrNameLst>
+                                          <p:attrName>ppt_x</p:attrName>
+                                          <p:attrName>ppt_y</p:attrName>
+                                        </p:attrNameLst>
+                                      </p:cBhvr>
+                                      <p:rCtr x="-20990" y="-718"/>
+                                    </p:animMotion>
+                                  </p:childTnLst>
+                                </p:cTn>
+                              </p:par>
+                            </p:childTnLst>
+                          </p:cTn>
+                        </p:par>
+                        <p:par>
+                          <p:cTn id="29" fill="hold">
+                            <p:stCondLst>
+                              <p:cond delay="2500"/>
+                            </p:stCondLst>
+                            <p:childTnLst>
+                              <p:par>
+                                <p:cTn id="30" presetID="1" presetClass="entr" presetSubtype="0" fill="hold" grpId="0" nodeType="afterEffect">
+                                  <p:stCondLst>
+                                    <p:cond delay="0"/>
+                                  </p:stCondLst>
+                                  <p:childTnLst>
+                                    <p:set>
+                                      <p:cBhvr>
+                                        <p:cTn id="31" dur="1" fill="hold">
+                                          <p:stCondLst>
+                                            <p:cond delay="0"/>
+                                          </p:stCondLst>
+                                        </p:cTn>
+                                        <p:tgtEl>
+                                          <p:spTgt spid="26"/>
+                                        </p:tgtEl>
+                                        <p:attrNameLst>
+                                          <p:attrName>style.visibility</p:attrName>
+                                        </p:attrNameLst>
+                                      </p:cBhvr>
+                                      <p:to>
+                                        <p:strVal val="visible"/>
+                                      </p:to>
+                                    </p:set>
+                                  </p:childTnLst>
+                                </p:cTn>
+                              </p:par>
+                              <p:par>
+                                <p:cTn id="32" presetID="1" presetClass="entr" presetSubtype="0" fill="hold" grpId="0" nodeType="withEffect">
+                                  <p:stCondLst>
+                                    <p:cond delay="0"/>
+                                  </p:stCondLst>
+                                  <p:childTnLst>
+                                    <p:set>
+                                      <p:cBhvr>
+                                        <p:cTn id="33" dur="1" fill="hold">
+                                          <p:stCondLst>
+                                            <p:cond delay="0"/>
+                                          </p:stCondLst>
+                                        </p:cTn>
+                                        <p:tgtEl>
+                                          <p:spTgt spid="29"/>
+                                        </p:tgtEl>
+                                        <p:attrNameLst>
+                                          <p:attrName>style.visibility</p:attrName>
+                                        </p:attrNameLst>
+                                      </p:cBhvr>
+                                      <p:to>
+                                        <p:strVal val="visible"/>
+                                      </p:to>
+                                    </p:set>
+                                  </p:childTnLst>
+                                </p:cTn>
+                              </p:par>
+                              <p:par>
+                                <p:cTn id="34" presetID="1" presetClass="entr" presetSubtype="0" fill="hold" grpId="0" nodeType="withEffect">
+                                  <p:stCondLst>
+                                    <p:cond delay="0"/>
+                                  </p:stCondLst>
+                                  <p:childTnLst>
+                                    <p:set>
+                                      <p:cBhvr>
+                                        <p:cTn id="35" dur="1" fill="hold">
+                                          <p:stCondLst>
+                                            <p:cond delay="0"/>
+                                          </p:stCondLst>
+                                        </p:cTn>
+                                        <p:tgtEl>
+                                          <p:spTgt spid="30"/>
+                                        </p:tgtEl>
+                                        <p:attrNameLst>
+                                          <p:attrName>style.visibility</p:attrName>
+                                        </p:attrNameLst>
+                                      </p:cBhvr>
+                                      <p:to>
+                                        <p:strVal val="visible"/>
+                                      </p:to>
+                                    </p:set>
+                                  </p:childTnLst>
+                                </p:cTn>
+                              </p:par>
+                              <p:par>
+                                <p:cTn id="36" presetID="1" presetClass="entr" presetSubtype="0" fill="hold" grpId="0" nodeType="withEffect">
+                                  <p:stCondLst>
+                                    <p:cond delay="0"/>
+                                  </p:stCondLst>
+                                  <p:childTnLst>
+                                    <p:set>
+                                      <p:cBhvr>
+                                        <p:cTn id="37" dur="1" fill="hold">
+                                          <p:stCondLst>
+                                            <p:cond delay="0"/>
+                                          </p:stCondLst>
+                                        </p:cTn>
+                                        <p:tgtEl>
+                                          <p:spTgt spid="31"/>
+                                        </p:tgtEl>
+                                        <p:attrNameLst>
+                                          <p:attrName>style.visibility</p:attrName>
+                                        </p:attrNameLst>
+                                      </p:cBhvr>
+                                      <p:to>
+                                        <p:strVal val="visible"/>
+                                      </p:to>
+                                    </p:set>
+                                  </p:childTnLst>
+                                </p:cTn>
+                              </p:par>
+                            </p:childTnLst>
+                          </p:cTn>
+                        </p:par>
+                      </p:childTnLst>
+                    </p:cTn>
+                  </p:par>
+                  <p:par>
+                    <p:cTn id="38" fill="hold">
+                      <p:stCondLst>
+                        <p:cond delay="indefinite"/>
+                      </p:stCondLst>
+                      <p:childTnLst>
+                        <p:par>
+                          <p:cTn id="39" fill="hold">
+                            <p:stCondLst>
+                              <p:cond delay="0"/>
+                            </p:stCondLst>
+                            <p:childTnLst>
+                              <p:par>
+                                <p:cTn id="40" presetID="10" presetClass="entr" presetSubtype="0" fill="hold" nodeType="clickEffect">
+                                  <p:stCondLst>
+                                    <p:cond delay="0"/>
+                                  </p:stCondLst>
+                                  <p:childTnLst>
+                                    <p:set>
+                                      <p:cBhvr>
+                                        <p:cTn id="41" dur="1" fill="hold">
+                                          <p:stCondLst>
+                                            <p:cond delay="0"/>
+                                          </p:stCondLst>
+                                        </p:cTn>
+                                        <p:tgtEl>
+                                          <p:spTgt spid="35"/>
+                                        </p:tgtEl>
+                                        <p:attrNameLst>
+                                          <p:attrName>style.visibility</p:attrName>
+                                        </p:attrNameLst>
+                                      </p:cBhvr>
+                                      <p:to>
+                                        <p:strVal val="visible"/>
+                                      </p:to>
+                                    </p:set>
+                                    <p:animEffect transition="in" filter="fade">
+                                      <p:cBhvr>
+                                        <p:cTn id="42" dur="500"/>
+                                        <p:tgtEl>
+                                          <p:spTgt spid="35"/>
+                                        </p:tgtEl>
+                                      </p:cBhvr>
+                                    </p:animEffect>
+                                  </p:childTnLst>
+                                </p:cTn>
+                              </p:par>
+                              <p:par>
+                                <p:cTn id="43" presetID="10" presetClass="entr" presetSubtype="0" fill="hold" nodeType="withEffect">
+                                  <p:stCondLst>
+                                    <p:cond delay="0"/>
+                                  </p:stCondLst>
+                                  <p:childTnLst>
+                                    <p:set>
+                                      <p:cBhvr>
+                                        <p:cTn id="44" dur="1" fill="hold">
+                                          <p:stCondLst>
+                                            <p:cond delay="0"/>
+                                          </p:stCondLst>
+                                        </p:cTn>
+                                        <p:tgtEl>
+                                          <p:spTgt spid="21"/>
+                                        </p:tgtEl>
+                                        <p:attrNameLst>
+                                          <p:attrName>style.visibility</p:attrName>
+                                        </p:attrNameLst>
+                                      </p:cBhvr>
+                                      <p:to>
+                                        <p:strVal val="visible"/>
+                                      </p:to>
+                                    </p:set>
+                                    <p:animEffect transition="in" filter="fade">
+                                      <p:cBhvr>
+                                        <p:cTn id="45" dur="500"/>
+                                        <p:tgtEl>
+                                          <p:spTgt spid="21"/>
+                                        </p:tgtEl>
+                                      </p:cBhvr>
+                                    </p:animEffect>
+                                  </p:childTnLst>
+                                </p:cTn>
+                              </p:par>
+                              <p:par>
+                                <p:cTn id="46" presetID="10" presetClass="entr" presetSubtype="0" fill="hold" nodeType="withEffect">
+                                  <p:stCondLst>
+                                    <p:cond delay="0"/>
+                                  </p:stCondLst>
+                                  <p:childTnLst>
+                                    <p:set>
+                                      <p:cBhvr>
+                                        <p:cTn id="47" dur="1" fill="hold">
+                                          <p:stCondLst>
+                                            <p:cond delay="0"/>
+                                          </p:stCondLst>
+                                        </p:cTn>
+                                        <p:tgtEl>
+                                          <p:spTgt spid="19"/>
+                                        </p:tgtEl>
+                                        <p:attrNameLst>
+                                          <p:attrName>style.visibility</p:attrName>
+                                        </p:attrNameLst>
+                                      </p:cBhvr>
+                                      <p:to>
+                                        <p:strVal val="visible"/>
+                                      </p:to>
+                                    </p:set>
+                                    <p:animEffect transition="in" filter="fade">
+                                      <p:cBhvr>
+                                        <p:cTn id="48" dur="500"/>
+                                        <p:tgtEl>
+                                          <p:spTgt spid="19"/>
+                                        </p:tgtEl>
+                                      </p:cBhvr>
+                                    </p:animEffect>
+                                  </p:childTnLst>
+                                </p:cTn>
+                              </p:par>
+                              <p:par>
+                                <p:cTn id="49" presetID="42" presetClass="path" presetSubtype="0" accel="50000" decel="50000" fill="hold" grpId="1" nodeType="withEffect">
+                                  <p:stCondLst>
+                                    <p:cond delay="0"/>
+                                  </p:stCondLst>
+                                  <p:childTnLst>
+                                    <p:animMotion origin="layout" path="M -2.08333E-7 -1.48148E-6 L 0.36159 0.1625 " pathEditMode="relative" rAng="0" ptsTypes="AA">
+                                      <p:cBhvr>
+                                        <p:cTn id="50" dur="2000" fill="hold"/>
+                                        <p:tgtEl>
+                                          <p:spTgt spid="29"/>
+                                        </p:tgtEl>
+                                        <p:attrNameLst>
+                                          <p:attrName>ppt_x</p:attrName>
+                                          <p:attrName>ppt_y</p:attrName>
+                                        </p:attrNameLst>
+                                      </p:cBhvr>
+                                      <p:rCtr x="18073" y="8125"/>
+                                    </p:animMotion>
+                                  </p:childTnLst>
+                                </p:cTn>
+                              </p:par>
+                              <p:par>
+                                <p:cTn id="51" presetID="42" presetClass="path" presetSubtype="0" accel="50000" decel="50000" fill="hold" grpId="1" nodeType="withEffect">
+                                  <p:stCondLst>
+                                    <p:cond delay="0"/>
+                                  </p:stCondLst>
+                                  <p:childTnLst>
+                                    <p:animMotion origin="layout" path="M -2.91667E-6 -1.48148E-6 L -0.05807 0.15 " pathEditMode="relative" rAng="0" ptsTypes="AA">
+                                      <p:cBhvr>
+                                        <p:cTn id="52" dur="2000" fill="hold"/>
+                                        <p:tgtEl>
+                                          <p:spTgt spid="30"/>
+                                        </p:tgtEl>
+                                        <p:attrNameLst>
+                                          <p:attrName>ppt_x</p:attrName>
+                                          <p:attrName>ppt_y</p:attrName>
+                                        </p:attrNameLst>
+                                      </p:cBhvr>
+                                      <p:rCtr x="-2904" y="7500"/>
+                                    </p:animMotion>
+                                  </p:childTnLst>
+                                </p:cTn>
+                              </p:par>
+                              <p:par>
+                                <p:cTn id="53" presetID="42" presetClass="path" presetSubtype="0" accel="50000" decel="50000" fill="hold" grpId="1" nodeType="withEffect">
+                                  <p:stCondLst>
+                                    <p:cond delay="0"/>
+                                  </p:stCondLst>
+                                  <p:childTnLst>
+                                    <p:animMotion origin="layout" path="M 3.125E-6 4.81481E-6 L -0.19258 0.09004 " pathEditMode="relative" rAng="0" ptsTypes="AA">
+                                      <p:cBhvr>
+                                        <p:cTn id="54" dur="2000" fill="hold"/>
+                                        <p:tgtEl>
+                                          <p:spTgt spid="31"/>
+                                        </p:tgtEl>
+                                        <p:attrNameLst>
+                                          <p:attrName>ppt_x</p:attrName>
+                                          <p:attrName>ppt_y</p:attrName>
+                                        </p:attrNameLst>
+                                      </p:cBhvr>
+                                      <p:rCtr x="-9635" y="4491"/>
+                                    </p:animMotion>
+                                  </p:childTnLst>
+                                </p:cTn>
+                              </p:par>
+                            </p:childTnLst>
+                          </p:cTn>
+                        </p:par>
+                      </p:childTnLst>
+                    </p:cTn>
+                  </p:par>
+                  <p:par>
+                    <p:cTn id="55" fill="hold">
+                      <p:stCondLst>
+                        <p:cond delay="indefinite"/>
+                      </p:stCondLst>
+                      <p:childTnLst>
+                        <p:par>
+                          <p:cTn id="56" fill="hold">
+                            <p:stCondLst>
+                              <p:cond delay="0"/>
+                            </p:stCondLst>
+                            <p:childTnLst>
+                              <p:par>
+                                <p:cTn id="57" presetID="1" presetClass="entr" presetSubtype="0" fill="hold" grpId="0" nodeType="clickEffect">
+                                  <p:stCondLst>
+                                    <p:cond delay="0"/>
+                                  </p:stCondLst>
+                                  <p:childTnLst>
+                                    <p:set>
+                                      <p:cBhvr>
+                                        <p:cTn id="58" dur="1" fill="hold">
+                                          <p:stCondLst>
+                                            <p:cond delay="0"/>
+                                          </p:stCondLst>
+                                        </p:cTn>
+                                        <p:tgtEl>
+                                          <p:spTgt spid="27"/>
+                                        </p:tgtEl>
+                                        <p:attrNameLst>
+                                          <p:attrName>style.visibility</p:attrName>
+                                        </p:attrNameLst>
+                                      </p:cBhvr>
+                                      <p:to>
+                                        <p:strVal val="visible"/>
+                                      </p:to>
+                                    </p:set>
+                                  </p:childTnLst>
+                                </p:cTn>
+                              </p:par>
+                            </p:childTnLst>
+                          </p:cTn>
+                        </p:par>
+                      </p:childTnLst>
+                    </p:cTn>
+                  </p:par>
+                  <p:par>
+                    <p:cTn id="59" fill="hold">
+                      <p:stCondLst>
+                        <p:cond delay="indefinite"/>
+                      </p:stCondLst>
+                      <p:childTnLst>
+                        <p:par>
+                          <p:cTn id="60" fill="hold">
+                            <p:stCondLst>
+                              <p:cond delay="0"/>
+                            </p:stCondLst>
+                            <p:childTnLst>
+                              <p:par>
+                                <p:cTn id="61" presetID="10" presetClass="entr" presetSubtype="0" fill="hold" grpId="0" nodeType="clickEffect">
+                                  <p:stCondLst>
+                                    <p:cond delay="0"/>
+                                  </p:stCondLst>
+                                  <p:childTnLst>
+                                    <p:set>
+                                      <p:cBhvr>
+                                        <p:cTn id="62" dur="1" fill="hold">
+                                          <p:stCondLst>
+                                            <p:cond delay="0"/>
+                                          </p:stCondLst>
+                                        </p:cTn>
+                                        <p:tgtEl>
+                                          <p:spTgt spid="44"/>
+                                        </p:tgtEl>
+                                        <p:attrNameLst>
+                                          <p:attrName>style.visibility</p:attrName>
+                                        </p:attrNameLst>
+                                      </p:cBhvr>
+                                      <p:to>
+                                        <p:strVal val="visible"/>
+                                      </p:to>
+                                    </p:set>
+                                    <p:animEffect transition="in" filter="fade">
+                                      <p:cBhvr>
+                                        <p:cTn id="63" dur="500"/>
+                                        <p:tgtEl>
+                                          <p:spTgt spid="44"/>
+                                        </p:tgtEl>
+                                      </p:cBhvr>
+                                    </p:animEffect>
+                                  </p:childTnLst>
+                                </p:cTn>
+                              </p:par>
+                            </p:childTnLst>
+                          </p:cTn>
+                        </p:par>
+                      </p:childTnLst>
+                    </p:cTn>
+                  </p:par>
+                </p:childTnLst>
+              </p:cTn>
+              <p:prevCondLst>
+                <p:cond evt="onPrev" delay="0">
+                  <p:tgtEl>
+                    <p:sldTgt/>
+                  </p:tgtEl>
+                </p:cond>
+              </p:prevCondLst>
+              <p:nextCondLst>
+                <p:cond evt="onNext" delay="0">
+                  <p:tgtEl>
+                    <p:sldTgt/>
+                  </p:tgtEl>
+                </p:cond>
+              </p:nextCondLst>
+            </p:seq>
+          </p:childTnLst>
+        </p:cTn>
+      </p:par>
+    </p:tnLst>
+    <p:bldLst>
+      <p:bldP spid="24" grpId="0" animBg="1"/>
+      <p:bldP spid="24" grpId="1" animBg="1"/>
+      <p:bldP spid="25" grpId="0" animBg="1"/>
+      <p:bldP spid="25" grpId="1" animBg="1"/>
+      <p:bldP spid="26" grpId="0" animBg="1"/>
+      <p:bldP spid="27" grpId="0" animBg="1"/>
+      <p:bldP spid="28" grpId="0" animBg="1"/>
+      <p:bldP spid="29" grpId="0" animBg="1"/>
+      <p:bldP spid="29" grpId="1" animBg="1"/>
+      <p:bldP spid="30" grpId="0" animBg="1"/>
+      <p:bldP spid="30" grpId="1" animBg="1"/>
+      <p:bldP spid="31" grpId="0" animBg="1"/>
+      <p:bldP spid="31" grpId="1" animBg="1"/>
+      <p:bldP spid="44" grpId="0"/>
+    </p:bldLst>
+  </p:timing>
+</p:sld>
+</file>
+
+<file path=ppt/slides/slide9.xml><?xml version="1.0" encoding="utf-8"?>
 <p:sld xmlns:a="http://schemas.openxmlformats.org/drawingml/2006/main" xmlns:r="http://schemas.openxmlformats.org/officeDocument/2006/relationships" xmlns:p="http://schemas.openxmlformats.org/presentationml/2006/main">
   <p:cSld>
     <p:spTree>
@@ -9412,381 +13919,6 @@
     <p:extLst>
       <p:ext uri="{BB962C8B-B14F-4D97-AF65-F5344CB8AC3E}">
         <p14:creationId xmlns:p14="http://schemas.microsoft.com/office/powerpoint/2010/main" val="1377159645"/>
-      </p:ext>
-    </p:extLst>
-  </p:cSld>
-  <p:clrMapOvr>
-    <a:masterClrMapping/>
-  </p:clrMapOvr>
-  <p:timing>
-    <p:tnLst>
-      <p:par>
-        <p:cTn id="1" dur="indefinite" restart="never" nodeType="tmRoot"/>
-      </p:par>
-    </p:tnLst>
-  </p:timing>
-</p:sld>
-</file>
-
-<file path=ppt/slides/slide8.xml><?xml version="1.0" encoding="utf-8"?>
-<p:sld xmlns:a="http://schemas.openxmlformats.org/drawingml/2006/main" xmlns:r="http://schemas.openxmlformats.org/officeDocument/2006/relationships" xmlns:p="http://schemas.openxmlformats.org/presentationml/2006/main">
-  <p:cSld>
-    <p:spTree>
-      <p:nvGrpSpPr>
-        <p:cNvPr id="1" name=""/>
-        <p:cNvGrpSpPr/>
-        <p:nvPr/>
-      </p:nvGrpSpPr>
-      <p:grpSpPr>
-        <a:xfrm>
-          <a:off x="0" y="0"/>
-          <a:ext cx="0" cy="0"/>
-          <a:chOff x="0" y="0"/>
-          <a:chExt cx="0" cy="0"/>
-        </a:xfrm>
-      </p:grpSpPr>
-      <p:sp>
-        <p:nvSpPr>
-          <p:cNvPr id="2" name="页脚占位符 1"/>
-          <p:cNvSpPr>
-            <a:spLocks noGrp="1"/>
-          </p:cNvSpPr>
-          <p:nvPr>
-            <p:ph type="ftr" sz="quarter" idx="11"/>
-          </p:nvPr>
-        </p:nvSpPr>
-        <p:spPr/>
-        <p:txBody>
-          <a:bodyPr/>
-          <a:lstStyle/>
-          <a:p>
-            <a:r>
-              <a:rPr lang="en-US" altLang="zh-CN" smtClean="0"/>
-              <a:t>ND Engineering Institute Confidential</a:t>
-            </a:r>
-            <a:endParaRPr lang="zh-CN" altLang="en-US" dirty="0"/>
-          </a:p>
-        </p:txBody>
-      </p:sp>
-      <p:cxnSp>
-        <p:nvCxnSpPr>
-          <p:cNvPr id="32" name="直接连接符 31"/>
-          <p:cNvCxnSpPr/>
-          <p:nvPr/>
-        </p:nvCxnSpPr>
-        <p:spPr>
-          <a:xfrm flipH="1">
-            <a:off x="327171" y="492444"/>
-            <a:ext cx="4253" cy="1588029"/>
-          </a:xfrm>
-          <a:prstGeom prst="line">
-            <a:avLst/>
-          </a:prstGeom>
-          <a:ln w="76200">
-            <a:solidFill>
-              <a:srgbClr val="FF0000"/>
-            </a:solidFill>
-          </a:ln>
-        </p:spPr>
-        <p:style>
-          <a:lnRef idx="1">
-            <a:schemeClr val="accent1"/>
-          </a:lnRef>
-          <a:fillRef idx="0">
-            <a:schemeClr val="accent1"/>
-          </a:fillRef>
-          <a:effectRef idx="0">
-            <a:schemeClr val="accent1"/>
-          </a:effectRef>
-          <a:fontRef idx="minor">
-            <a:schemeClr val="tx1"/>
-          </a:fontRef>
-        </p:style>
-      </p:cxnSp>
-      <p:sp>
-        <p:nvSpPr>
-          <p:cNvPr id="33" name="矩形 32"/>
-          <p:cNvSpPr/>
-          <p:nvPr/>
-        </p:nvSpPr>
-        <p:spPr>
-          <a:xfrm>
-            <a:off x="436244" y="400164"/>
-            <a:ext cx="2533460" cy="1747418"/>
-          </a:xfrm>
-          <a:prstGeom prst="rect">
-            <a:avLst/>
-          </a:prstGeom>
-          <a:noFill/>
-          <a:ln>
-            <a:noFill/>
-          </a:ln>
-        </p:spPr>
-        <p:style>
-          <a:lnRef idx="2">
-            <a:schemeClr val="accent2">
-              <a:shade val="50000"/>
-            </a:schemeClr>
-          </a:lnRef>
-          <a:fillRef idx="1">
-            <a:schemeClr val="accent2"/>
-          </a:fillRef>
-          <a:effectRef idx="0">
-            <a:schemeClr val="accent2"/>
-          </a:effectRef>
-          <a:fontRef idx="minor">
-            <a:schemeClr val="lt1"/>
-          </a:fontRef>
-        </p:style>
-        <p:txBody>
-          <a:bodyPr rtlCol="0" anchor="ctr"/>
-          <a:lstStyle/>
-          <a:p>
-            <a:r>
-              <a:rPr lang="en-US" altLang="zh-CN" sz="3600" b="1" smtClean="0">
-                <a:latin typeface="微软雅黑" pitchFamily="34" charset="-122"/>
-                <a:ea typeface="微软雅黑" pitchFamily="34" charset="-122"/>
-              </a:rPr>
-              <a:t>ND</a:t>
-            </a:r>
-            <a:r>
-              <a:rPr lang="zh-CN" altLang="en-US" sz="3600" b="1" smtClean="0">
-                <a:latin typeface="微软雅黑" pitchFamily="34" charset="-122"/>
-                <a:ea typeface="微软雅黑" pitchFamily="34" charset="-122"/>
-              </a:rPr>
-              <a:t>资源库分布式应用部署结构图</a:t>
-            </a:r>
-            <a:endParaRPr lang="zh-CN" altLang="en-US" sz="3600" b="1" dirty="0">
-              <a:latin typeface="微软雅黑" pitchFamily="34" charset="-122"/>
-              <a:ea typeface="微软雅黑" pitchFamily="34" charset="-122"/>
-            </a:endParaRPr>
-          </a:p>
-        </p:txBody>
-      </p:sp>
-      <p:pic>
-        <p:nvPicPr>
-          <p:cNvPr id="4" name="图片 3"/>
-          <p:cNvPicPr>
-            <a:picLocks noChangeAspect="1"/>
-          </p:cNvPicPr>
-          <p:nvPr/>
-        </p:nvPicPr>
-        <p:blipFill>
-          <a:blip r:embed="rId2"/>
-          <a:stretch>
-            <a:fillRect/>
-          </a:stretch>
-        </p:blipFill>
-        <p:spPr>
-          <a:xfrm>
-            <a:off x="3328114" y="-63354"/>
-            <a:ext cx="7796736" cy="6921354"/>
-          </a:xfrm>
-          <a:prstGeom prst="rect">
-            <a:avLst/>
-          </a:prstGeom>
-        </p:spPr>
-      </p:pic>
-    </p:spTree>
-    <p:extLst>
-      <p:ext uri="{BB962C8B-B14F-4D97-AF65-F5344CB8AC3E}">
-        <p14:creationId xmlns:p14="http://schemas.microsoft.com/office/powerpoint/2010/main" val="693099118"/>
-      </p:ext>
-    </p:extLst>
-  </p:cSld>
-  <p:clrMapOvr>
-    <a:masterClrMapping/>
-  </p:clrMapOvr>
-  <p:timing>
-    <p:tnLst>
-      <p:par>
-        <p:cTn id="1" dur="indefinite" restart="never" nodeType="tmRoot"/>
-      </p:par>
-    </p:tnLst>
-  </p:timing>
-</p:sld>
-</file>
-
-<file path=ppt/slides/slide9.xml><?xml version="1.0" encoding="utf-8"?>
-<p:sld xmlns:a="http://schemas.openxmlformats.org/drawingml/2006/main" xmlns:r="http://schemas.openxmlformats.org/officeDocument/2006/relationships" xmlns:p="http://schemas.openxmlformats.org/presentationml/2006/main">
-  <p:cSld>
-    <p:spTree>
-      <p:nvGrpSpPr>
-        <p:cNvPr id="1" name=""/>
-        <p:cNvGrpSpPr/>
-        <p:nvPr/>
-      </p:nvGrpSpPr>
-      <p:grpSpPr>
-        <a:xfrm>
-          <a:off x="0" y="0"/>
-          <a:ext cx="0" cy="0"/>
-          <a:chOff x="0" y="0"/>
-          <a:chExt cx="0" cy="0"/>
-        </a:xfrm>
-      </p:grpSpPr>
-      <p:sp>
-        <p:nvSpPr>
-          <p:cNvPr id="2" name="页脚占位符 1"/>
-          <p:cNvSpPr>
-            <a:spLocks noGrp="1"/>
-          </p:cNvSpPr>
-          <p:nvPr>
-            <p:ph type="ftr" sz="quarter" idx="11"/>
-          </p:nvPr>
-        </p:nvSpPr>
-        <p:spPr/>
-        <p:txBody>
-          <a:bodyPr/>
-          <a:lstStyle/>
-          <a:p>
-            <a:r>
-              <a:rPr lang="en-US" altLang="zh-CN" smtClean="0"/>
-              <a:t>ND Engineering Institute Confidential</a:t>
-            </a:r>
-            <a:endParaRPr lang="zh-CN" altLang="en-US" dirty="0"/>
-          </a:p>
-        </p:txBody>
-      </p:sp>
-      <p:cxnSp>
-        <p:nvCxnSpPr>
-          <p:cNvPr id="32" name="直接连接符 31"/>
-          <p:cNvCxnSpPr/>
-          <p:nvPr/>
-        </p:nvCxnSpPr>
-        <p:spPr>
-          <a:xfrm rot="5400000">
-            <a:off x="35525" y="596258"/>
-            <a:ext cx="658908" cy="1"/>
-          </a:xfrm>
-          <a:prstGeom prst="line">
-            <a:avLst/>
-          </a:prstGeom>
-          <a:ln w="76200">
-            <a:solidFill>
-              <a:srgbClr val="FF0000"/>
-            </a:solidFill>
-          </a:ln>
-        </p:spPr>
-        <p:style>
-          <a:lnRef idx="1">
-            <a:schemeClr val="accent1"/>
-          </a:lnRef>
-          <a:fillRef idx="0">
-            <a:schemeClr val="accent1"/>
-          </a:fillRef>
-          <a:effectRef idx="0">
-            <a:schemeClr val="accent1"/>
-          </a:effectRef>
-          <a:fontRef idx="minor">
-            <a:schemeClr val="tx1"/>
-          </a:fontRef>
-        </p:style>
-      </p:cxnSp>
-      <p:sp>
-        <p:nvSpPr>
-          <p:cNvPr id="33" name="矩形 32"/>
-          <p:cNvSpPr/>
-          <p:nvPr/>
-        </p:nvSpPr>
-        <p:spPr>
-          <a:xfrm>
-            <a:off x="436243" y="400164"/>
-            <a:ext cx="9210505" cy="423949"/>
-          </a:xfrm>
-          <a:prstGeom prst="rect">
-            <a:avLst/>
-          </a:prstGeom>
-          <a:noFill/>
-          <a:ln>
-            <a:noFill/>
-          </a:ln>
-        </p:spPr>
-        <p:style>
-          <a:lnRef idx="2">
-            <a:schemeClr val="accent2">
-              <a:shade val="50000"/>
-            </a:schemeClr>
-          </a:lnRef>
-          <a:fillRef idx="1">
-            <a:schemeClr val="accent2"/>
-          </a:fillRef>
-          <a:effectRef idx="0">
-            <a:schemeClr val="accent2"/>
-          </a:effectRef>
-          <a:fontRef idx="minor">
-            <a:schemeClr val="lt1"/>
-          </a:fontRef>
-        </p:style>
-        <p:txBody>
-          <a:bodyPr rtlCol="0" anchor="ctr"/>
-          <a:lstStyle/>
-          <a:p>
-            <a:r>
-              <a:rPr lang="en-US" altLang="zh-CN" sz="3600" b="1" smtClean="0">
-                <a:latin typeface="微软雅黑" pitchFamily="34" charset="-122"/>
-                <a:ea typeface="微软雅黑" pitchFamily="34" charset="-122"/>
-              </a:rPr>
-              <a:t>ND</a:t>
-            </a:r>
-            <a:r>
-              <a:rPr lang="zh-CN" altLang="en-US" sz="3600" b="1" smtClean="0">
-                <a:latin typeface="微软雅黑" pitchFamily="34" charset="-122"/>
-                <a:ea typeface="微软雅黑" pitchFamily="34" charset="-122"/>
-              </a:rPr>
-              <a:t>资源库业务模块</a:t>
-            </a:r>
-            <a:endParaRPr lang="zh-CN" altLang="en-US" sz="3600" b="1" dirty="0">
-              <a:latin typeface="微软雅黑" pitchFamily="34" charset="-122"/>
-              <a:ea typeface="微软雅黑" pitchFamily="34" charset="-122"/>
-            </a:endParaRPr>
-          </a:p>
-        </p:txBody>
-      </p:sp>
-      <p:pic>
-        <p:nvPicPr>
-          <p:cNvPr id="1025" name="Picture 1" descr="C:\Users\Public\Documents\im\830917@nd\Image\64540d0723ffee5aa37d72dcb2ee79ab.jpg"/>
-          <p:cNvPicPr>
-            <a:picLocks noChangeAspect="1" noChangeArrowheads="1"/>
-          </p:cNvPicPr>
-          <p:nvPr/>
-        </p:nvPicPr>
-        <p:blipFill>
-          <a:blip r:embed="rId2">
-            <a:extLst>
-              <a:ext uri="{28A0092B-C50C-407E-A947-70E740481C1C}">
-                <a14:useLocalDpi xmlns:a14="http://schemas.microsoft.com/office/drawing/2010/main" val="0"/>
-              </a:ext>
-            </a:extLst>
-          </a:blip>
-          <a:srcRect/>
-          <a:stretch>
-            <a:fillRect/>
-          </a:stretch>
-        </p:blipFill>
-        <p:spPr bwMode="auto">
-          <a:xfrm>
-            <a:off x="1587005" y="925713"/>
-            <a:ext cx="9017990" cy="5865244"/>
-          </a:xfrm>
-          <a:prstGeom prst="rect">
-            <a:avLst/>
-          </a:prstGeom>
-          <a:noFill/>
-          <a:extLst>
-            <a:ext uri="{909E8E84-426E-40DD-AFC4-6F175D3DCCD1}">
-              <a14:hiddenFill xmlns:a14="http://schemas.microsoft.com/office/drawing/2010/main">
-                <a:solidFill>
-                  <a:srgbClr val="FFFFFF"/>
-                </a:solidFill>
-              </a14:hiddenFill>
-            </a:ext>
-          </a:extLst>
-        </p:spPr>
-      </p:pic>
-    </p:spTree>
-    <p:extLst>
-      <p:ext uri="{BB962C8B-B14F-4D97-AF65-F5344CB8AC3E}">
-        <p14:creationId xmlns:p14="http://schemas.microsoft.com/office/powerpoint/2010/main" val="901468334"/>
       </p:ext>
     </p:extLst>
   </p:cSld>
